--- a/COMP110/Lectures/Chapter2/Chapter02.pptx
+++ b/COMP110/Lectures/Chapter2/Chapter02.pptx
@@ -5,7 +5,7 @@
     <p:sldMasterId id="2147483648" r:id="rId1"/>
   </p:sldMasterIdLst>
   <p:notesMasterIdLst>
-    <p:notesMasterId r:id="rId42"/>
+    <p:notesMasterId r:id="rId44"/>
   </p:notesMasterIdLst>
   <p:sldIdLst>
     <p:sldId id="496" r:id="rId2"/>
@@ -16,38 +16,40 @@
     <p:sldId id="298" r:id="rId7"/>
     <p:sldId id="259" r:id="rId8"/>
     <p:sldId id="424" r:id="rId9"/>
-    <p:sldId id="266" r:id="rId10"/>
-    <p:sldId id="426" r:id="rId11"/>
-    <p:sldId id="427" r:id="rId12"/>
-    <p:sldId id="428" r:id="rId13"/>
-    <p:sldId id="429" r:id="rId14"/>
-    <p:sldId id="613" r:id="rId15"/>
-    <p:sldId id="431" r:id="rId16"/>
-    <p:sldId id="272" r:id="rId17"/>
-    <p:sldId id="484" r:id="rId18"/>
-    <p:sldId id="273" r:id="rId19"/>
-    <p:sldId id="614" r:id="rId20"/>
-    <p:sldId id="307" r:id="rId21"/>
-    <p:sldId id="308" r:id="rId22"/>
-    <p:sldId id="277" r:id="rId23"/>
-    <p:sldId id="279" r:id="rId24"/>
-    <p:sldId id="280" r:id="rId25"/>
-    <p:sldId id="281" r:id="rId26"/>
-    <p:sldId id="282" r:id="rId27"/>
-    <p:sldId id="283" r:id="rId28"/>
-    <p:sldId id="284" r:id="rId29"/>
-    <p:sldId id="285" r:id="rId30"/>
-    <p:sldId id="286" r:id="rId31"/>
-    <p:sldId id="287" r:id="rId32"/>
-    <p:sldId id="459" r:id="rId33"/>
-    <p:sldId id="288" r:id="rId34"/>
-    <p:sldId id="289" r:id="rId35"/>
-    <p:sldId id="290" r:id="rId36"/>
-    <p:sldId id="464" r:id="rId37"/>
-    <p:sldId id="465" r:id="rId38"/>
-    <p:sldId id="466" r:id="rId39"/>
-    <p:sldId id="467" r:id="rId40"/>
-    <p:sldId id="476" r:id="rId41"/>
+    <p:sldId id="615" r:id="rId10"/>
+    <p:sldId id="266" r:id="rId11"/>
+    <p:sldId id="426" r:id="rId12"/>
+    <p:sldId id="427" r:id="rId13"/>
+    <p:sldId id="428" r:id="rId14"/>
+    <p:sldId id="429" r:id="rId15"/>
+    <p:sldId id="613" r:id="rId16"/>
+    <p:sldId id="431" r:id="rId17"/>
+    <p:sldId id="272" r:id="rId18"/>
+    <p:sldId id="484" r:id="rId19"/>
+    <p:sldId id="273" r:id="rId20"/>
+    <p:sldId id="614" r:id="rId21"/>
+    <p:sldId id="616" r:id="rId22"/>
+    <p:sldId id="307" r:id="rId23"/>
+    <p:sldId id="308" r:id="rId24"/>
+    <p:sldId id="277" r:id="rId25"/>
+    <p:sldId id="279" r:id="rId26"/>
+    <p:sldId id="280" r:id="rId27"/>
+    <p:sldId id="281" r:id="rId28"/>
+    <p:sldId id="282" r:id="rId29"/>
+    <p:sldId id="283" r:id="rId30"/>
+    <p:sldId id="284" r:id="rId31"/>
+    <p:sldId id="285" r:id="rId32"/>
+    <p:sldId id="286" r:id="rId33"/>
+    <p:sldId id="287" r:id="rId34"/>
+    <p:sldId id="459" r:id="rId35"/>
+    <p:sldId id="288" r:id="rId36"/>
+    <p:sldId id="289" r:id="rId37"/>
+    <p:sldId id="290" r:id="rId38"/>
+    <p:sldId id="464" r:id="rId39"/>
+    <p:sldId id="465" r:id="rId40"/>
+    <p:sldId id="466" r:id="rId41"/>
+    <p:sldId id="467" r:id="rId42"/>
+    <p:sldId id="476" r:id="rId43"/>
   </p:sldIdLst>
   <p:sldSz cx="12192000" cy="6858000"/>
   <p:notesSz cx="7077075" cy="9363075"/>
@@ -239,7 +241,7 @@
           <a:p>
             <a:fld id="{EB2230DC-A5EC-47DB-8214-6E948B4F40FE}" type="datetimeFigureOut">
               <a:rPr lang="en-US" smtClean="0"/>
-              <a:t>2/12/2025</a:t>
+              <a:t>4/2/2025</a:t>
             </a:fld>
             <a:endParaRPr lang="en-US"/>
           </a:p>
@@ -786,7 +788,7 @@
                 <a:cs typeface="Arial"/>
                 <a:sym typeface="Arial"/>
               </a:rPr>
-              <a:t>19</a:t>
+              <a:t>20</a:t>
             </a:fld>
             <a:endParaRPr lang="en-US" sz="1200" b="0" i="0" u="none" strike="noStrike" cap="none" dirty="0">
               <a:solidFill>
@@ -992,7 +994,7 @@
           <a:p>
             <a:fld id="{D8E3E89B-5A81-47E3-9F0C-D83D49363FDC}" type="slidenum">
               <a:rPr lang="en-US" smtClean="0"/>
-              <a:t>20</a:t>
+              <a:t>22</a:t>
             </a:fld>
             <a:endParaRPr lang="en-US"/>
           </a:p>
@@ -1076,7 +1078,7 @@
           <a:p>
             <a:fld id="{D8E3E89B-5A81-47E3-9F0C-D83D49363FDC}" type="slidenum">
               <a:rPr lang="en-US" smtClean="0"/>
-              <a:t>21</a:t>
+              <a:t>23</a:t>
             </a:fld>
             <a:endParaRPr lang="en-US"/>
           </a:p>
@@ -1160,7 +1162,7 @@
           <a:p>
             <a:fld id="{D8E3E89B-5A81-47E3-9F0C-D83D49363FDC}" type="slidenum">
               <a:rPr lang="en-US" smtClean="0"/>
-              <a:t>22</a:t>
+              <a:t>24</a:t>
             </a:fld>
             <a:endParaRPr lang="en-US"/>
           </a:p>
@@ -1244,7 +1246,7 @@
           <a:p>
             <a:fld id="{D8E3E89B-5A81-47E3-9F0C-D83D49363FDC}" type="slidenum">
               <a:rPr lang="en-US" smtClean="0"/>
-              <a:t>23</a:t>
+              <a:t>25</a:t>
             </a:fld>
             <a:endParaRPr lang="en-US"/>
           </a:p>
@@ -1328,7 +1330,7 @@
           <a:p>
             <a:fld id="{D8E3E89B-5A81-47E3-9F0C-D83D49363FDC}" type="slidenum">
               <a:rPr lang="en-US" smtClean="0"/>
-              <a:t>24</a:t>
+              <a:t>26</a:t>
             </a:fld>
             <a:endParaRPr lang="en-US"/>
           </a:p>
@@ -1412,7 +1414,7 @@
           <a:p>
             <a:fld id="{D8E3E89B-5A81-47E3-9F0C-D83D49363FDC}" type="slidenum">
               <a:rPr lang="en-US" smtClean="0"/>
-              <a:t>25</a:t>
+              <a:t>27</a:t>
             </a:fld>
             <a:endParaRPr lang="en-US"/>
           </a:p>
@@ -1928,7 +1930,7 @@
           <a:p>
             <a:fld id="{D8E3E89B-5A81-47E3-9F0C-D83D49363FDC}" type="slidenum">
               <a:rPr lang="en-US" smtClean="0"/>
-              <a:t>29</a:t>
+              <a:t>31</a:t>
             </a:fld>
             <a:endParaRPr lang="en-US"/>
           </a:p>
@@ -2012,7 +2014,7 @@
           <a:p>
             <a:fld id="{D8E3E89B-5A81-47E3-9F0C-D83D49363FDC}" type="slidenum">
               <a:rPr lang="en-US" smtClean="0"/>
-              <a:t>30</a:t>
+              <a:t>32</a:t>
             </a:fld>
             <a:endParaRPr lang="en-US"/>
           </a:p>
@@ -2096,7 +2098,7 @@
           <a:p>
             <a:fld id="{D8E3E89B-5A81-47E3-9F0C-D83D49363FDC}" type="slidenum">
               <a:rPr lang="en-US" smtClean="0"/>
-              <a:t>31</a:t>
+              <a:t>33</a:t>
             </a:fld>
             <a:endParaRPr lang="en-US"/>
           </a:p>
@@ -2180,7 +2182,7 @@
           <a:p>
             <a:fld id="{D8E3E89B-5A81-47E3-9F0C-D83D49363FDC}" type="slidenum">
               <a:rPr lang="en-US" smtClean="0"/>
-              <a:t>33</a:t>
+              <a:t>35</a:t>
             </a:fld>
             <a:endParaRPr lang="en-US"/>
           </a:p>
@@ -2264,7 +2266,7 @@
           <a:p>
             <a:fld id="{D8E3E89B-5A81-47E3-9F0C-D83D49363FDC}" type="slidenum">
               <a:rPr lang="en-US" smtClean="0"/>
-              <a:t>34</a:t>
+              <a:t>36</a:t>
             </a:fld>
             <a:endParaRPr lang="en-US"/>
           </a:p>
@@ -2348,7 +2350,7 @@
           <a:p>
             <a:fld id="{D8E3E89B-5A81-47E3-9F0C-D83D49363FDC}" type="slidenum">
               <a:rPr lang="en-US" smtClean="0"/>
-              <a:t>35</a:t>
+              <a:t>37</a:t>
             </a:fld>
             <a:endParaRPr lang="en-US"/>
           </a:p>
@@ -2492,7 +2494,7 @@
                 <a:cs typeface="Arial"/>
                 <a:sym typeface="Arial"/>
               </a:rPr>
-              <a:t>39</a:t>
+              <a:t>41</a:t>
             </a:fld>
             <a:endParaRPr lang="en-US" sz="1200" b="0" i="0" u="none" strike="noStrike" cap="none" dirty="0">
               <a:solidFill>
@@ -3361,7 +3363,7 @@
           <a:p>
             <a:fld id="{D8E3E89B-5A81-47E3-9F0C-D83D49363FDC}" type="slidenum">
               <a:rPr lang="en-US" smtClean="0"/>
-              <a:t>9</a:t>
+              <a:t>10</a:t>
             </a:fld>
             <a:endParaRPr lang="en-US"/>
           </a:p>
@@ -3445,7 +3447,7 @@
           <a:p>
             <a:fld id="{D8E3E89B-5A81-47E3-9F0C-D83D49363FDC}" type="slidenum">
               <a:rPr lang="en-US" smtClean="0"/>
-              <a:t>16</a:t>
+              <a:t>17</a:t>
             </a:fld>
             <a:endParaRPr lang="en-US"/>
           </a:p>
@@ -3558,7 +3560,7 @@
                 <a:cs typeface="Arial"/>
                 <a:sym typeface="Arial"/>
               </a:rPr>
-              <a:t>17</a:t>
+              <a:t>18</a:t>
             </a:fld>
             <a:endParaRPr lang="en-US" sz="1200" b="0" i="0" u="none" strike="noStrike" cap="none" dirty="0">
               <a:solidFill>
@@ -3650,7 +3652,7 @@
           <a:p>
             <a:fld id="{D8E3E89B-5A81-47E3-9F0C-D83D49363FDC}" type="slidenum">
               <a:rPr lang="en-US" smtClean="0"/>
-              <a:t>18</a:t>
+              <a:t>19</a:t>
             </a:fld>
             <a:endParaRPr lang="en-US"/>
           </a:p>
@@ -3798,7 +3800,7 @@
           <a:p>
             <a:fld id="{EEE5EAA2-3C22-4503-BD02-45C6791068B4}" type="datetimeFigureOut">
               <a:rPr lang="en-US" smtClean="0"/>
-              <a:t>2/12/2025</a:t>
+              <a:t>4/2/2025</a:t>
             </a:fld>
             <a:endParaRPr lang="en-US"/>
           </a:p>
@@ -3966,7 +3968,7 @@
           <a:p>
             <a:fld id="{EEE5EAA2-3C22-4503-BD02-45C6791068B4}" type="datetimeFigureOut">
               <a:rPr lang="en-US" smtClean="0"/>
-              <a:t>2/12/2025</a:t>
+              <a:t>4/2/2025</a:t>
             </a:fld>
             <a:endParaRPr lang="en-US"/>
           </a:p>
@@ -4144,7 +4146,7 @@
           <a:p>
             <a:fld id="{EEE5EAA2-3C22-4503-BD02-45C6791068B4}" type="datetimeFigureOut">
               <a:rPr lang="en-US" smtClean="0"/>
-              <a:t>2/12/2025</a:t>
+              <a:t>4/2/2025</a:t>
             </a:fld>
             <a:endParaRPr lang="en-US"/>
           </a:p>
@@ -8012,7 +8014,7 @@
           <a:p>
             <a:fld id="{EEE5EAA2-3C22-4503-BD02-45C6791068B4}" type="datetimeFigureOut">
               <a:rPr lang="en-US" smtClean="0"/>
-              <a:t>2/12/2025</a:t>
+              <a:t>4/2/2025</a:t>
             </a:fld>
             <a:endParaRPr lang="en-US"/>
           </a:p>
@@ -12510,7 +12512,7 @@
           <a:p>
             <a:fld id="{EEE5EAA2-3C22-4503-BD02-45C6791068B4}" type="datetimeFigureOut">
               <a:rPr lang="en-US" smtClean="0"/>
-              <a:t>2/12/2025</a:t>
+              <a:t>4/2/2025</a:t>
             </a:fld>
             <a:endParaRPr lang="en-US"/>
           </a:p>
@@ -12739,7 +12741,7 @@
           <a:p>
             <a:fld id="{EEE5EAA2-3C22-4503-BD02-45C6791068B4}" type="datetimeFigureOut">
               <a:rPr lang="en-US" smtClean="0"/>
-              <a:t>2/12/2025</a:t>
+              <a:t>4/2/2025</a:t>
             </a:fld>
             <a:endParaRPr lang="en-US"/>
           </a:p>
@@ -13103,7 +13105,7 @@
           <a:p>
             <a:fld id="{EEE5EAA2-3C22-4503-BD02-45C6791068B4}" type="datetimeFigureOut">
               <a:rPr lang="en-US" smtClean="0"/>
-              <a:t>2/12/2025</a:t>
+              <a:t>4/2/2025</a:t>
             </a:fld>
             <a:endParaRPr lang="en-US"/>
           </a:p>
@@ -13220,7 +13222,7 @@
           <a:p>
             <a:fld id="{EEE5EAA2-3C22-4503-BD02-45C6791068B4}" type="datetimeFigureOut">
               <a:rPr lang="en-US" smtClean="0"/>
-              <a:t>2/12/2025</a:t>
+              <a:t>4/2/2025</a:t>
             </a:fld>
             <a:endParaRPr lang="en-US"/>
           </a:p>
@@ -13315,7 +13317,7 @@
           <a:p>
             <a:fld id="{EEE5EAA2-3C22-4503-BD02-45C6791068B4}" type="datetimeFigureOut">
               <a:rPr lang="en-US" smtClean="0"/>
-              <a:t>2/12/2025</a:t>
+              <a:t>4/2/2025</a:t>
             </a:fld>
             <a:endParaRPr lang="en-US"/>
           </a:p>
@@ -13590,7 +13592,7 @@
           <a:p>
             <a:fld id="{EEE5EAA2-3C22-4503-BD02-45C6791068B4}" type="datetimeFigureOut">
               <a:rPr lang="en-US" smtClean="0"/>
-              <a:t>2/12/2025</a:t>
+              <a:t>4/2/2025</a:t>
             </a:fld>
             <a:endParaRPr lang="en-US"/>
           </a:p>
@@ -13842,7 +13844,7 @@
           <a:p>
             <a:fld id="{EEE5EAA2-3C22-4503-BD02-45C6791068B4}" type="datetimeFigureOut">
               <a:rPr lang="en-US" smtClean="0"/>
-              <a:t>2/12/2025</a:t>
+              <a:t>4/2/2025</a:t>
             </a:fld>
             <a:endParaRPr lang="en-US"/>
           </a:p>
@@ -14053,7 +14055,7 @@
           <a:p>
             <a:fld id="{EEE5EAA2-3C22-4503-BD02-45C6791068B4}" type="datetimeFigureOut">
               <a:rPr lang="en-US" smtClean="0"/>
-              <a:t>2/12/2025</a:t>
+              <a:t>4/2/2025</a:t>
             </a:fld>
             <a:endParaRPr lang="en-US"/>
           </a:p>
@@ -14779,13 +14781,7 @@
       </p:grpSpPr>
       <p:sp>
         <p:nvSpPr>
-          <p:cNvPr id="2" name="Title 1">
-            <a:extLst>
-              <a:ext uri="{FF2B5EF4-FFF2-40B4-BE49-F238E27FC236}">
-                <a16:creationId xmlns:a16="http://schemas.microsoft.com/office/drawing/2014/main" id="{7D0EC1DC-3F4C-4DED-90E6-C5974052A14F}"/>
-              </a:ext>
-            </a:extLst>
-          </p:cNvPr>
+          <p:cNvPr id="7170" name="Title 1"/>
           <p:cNvSpPr>
             <a:spLocks noGrp="1"/>
           </p:cNvSpPr>
@@ -14795,126 +14791,425 @@
         </p:nvSpPr>
         <p:spPr/>
         <p:txBody>
-          <a:bodyPr/>
+          <a:bodyPr>
+            <a:normAutofit/>
+          </a:bodyPr>
           <a:lstStyle/>
           <a:p>
-            <a:r>
-              <a:rPr lang="en-US" noProof="0" dirty="0"/>
-              <a:t>Declaring Variables</a:t>
+            <a:pPr algn="ctr"/>
+            <a:r>
+              <a:rPr lang="en-US" altLang="en-US" dirty="0"/>
+              <a:t>Memory Concepts</a:t>
+            </a:r>
+            <a:br>
+              <a:rPr lang="en-US" altLang="en-US" dirty="0"/>
+            </a:br>
+            <a:r>
+              <a:rPr lang="en-US" altLang="en-US" dirty="0"/>
+              <a:t>Variables</a:t>
             </a:r>
           </a:p>
         </p:txBody>
       </p:sp>
       <p:sp>
         <p:nvSpPr>
-          <p:cNvPr id="3" name="Content Placeholder 2">
-            <a:extLst>
-              <a:ext uri="{FF2B5EF4-FFF2-40B4-BE49-F238E27FC236}">
-                <a16:creationId xmlns:a16="http://schemas.microsoft.com/office/drawing/2014/main" id="{3BFE9A72-D2E0-4D1C-815E-C779A7EC9606}"/>
-              </a:ext>
-            </a:extLst>
-          </p:cNvPr>
+          <p:cNvPr id="3" name="Content Placeholder 2"/>
           <p:cNvSpPr>
             <a:spLocks noGrp="1"/>
           </p:cNvSpPr>
           <p:nvPr>
-            <p:ph sz="quarter" idx="13"/>
+            <p:ph idx="1"/>
           </p:nvPr>
         </p:nvSpPr>
         <p:spPr>
-          <a:xfrm>
-            <a:off x="1981201" y="1554922"/>
-            <a:ext cx="8232775" cy="3638870"/>
-          </a:xfrm>
+          <a:extLst>
+            <a:ext uri="{909E8E84-426E-40dd-AFC4-6F175D3DCCD1}"/>
+            <a:ext uri="{91240B29-F687-4f45-9708-019B960494DF}"/>
+            <a:ext uri="{AF507438-7753-43e0-B8FC-AC1667EBCBE1}"/>
+            <a:ext uri="{FAA26D3D-D897-4be2-8F04-BA451C77F1D7}"/>
+          </a:extLst>
+        </p:spPr>
+        <p:txBody>
+          <a:bodyPr>
+            <a:normAutofit/>
+          </a:bodyPr>
+          <a:lstStyle/>
+          <a:p>
+            <a:r>
+              <a:rPr lang="en-US" altLang="en-US" dirty="0">
+                <a:solidFill>
+                  <a:srgbClr val="000000"/>
+                </a:solidFill>
+              </a:rPr>
+              <a:t>Variables</a:t>
+            </a:r>
+          </a:p>
+          <a:p>
+            <a:pPr lvl="1"/>
+            <a:r>
+              <a:rPr lang="en-US" altLang="en-US" dirty="0">
+                <a:solidFill>
+                  <a:srgbClr val="000000"/>
+                </a:solidFill>
+              </a:rPr>
+              <a:t>Every variable has a </a:t>
+            </a:r>
+            <a:r>
+              <a:rPr lang="en-US" altLang="en-US" dirty="0">
+                <a:solidFill>
+                  <a:srgbClr val="0000FF"/>
+                </a:solidFill>
+              </a:rPr>
+              <a:t>name</a:t>
+            </a:r>
+            <a:r>
+              <a:rPr lang="en-US" altLang="en-US" dirty="0">
+                <a:solidFill>
+                  <a:srgbClr val="000000"/>
+                </a:solidFill>
+              </a:rPr>
+              <a:t>, a </a:t>
+            </a:r>
+            <a:r>
+              <a:rPr lang="en-US" altLang="en-US" dirty="0">
+                <a:solidFill>
+                  <a:srgbClr val="0000FF"/>
+                </a:solidFill>
+              </a:rPr>
+              <a:t>type</a:t>
+            </a:r>
+            <a:r>
+              <a:rPr lang="en-US" altLang="en-US" dirty="0">
+                <a:solidFill>
+                  <a:srgbClr val="000000"/>
+                </a:solidFill>
+              </a:rPr>
+              <a:t>, a </a:t>
+            </a:r>
+            <a:r>
+              <a:rPr lang="en-US" altLang="en-US" dirty="0">
+                <a:solidFill>
+                  <a:srgbClr val="0000FF"/>
+                </a:solidFill>
+              </a:rPr>
+              <a:t>size</a:t>
+            </a:r>
+            <a:r>
+              <a:rPr lang="en-US" altLang="en-US" dirty="0">
+                <a:solidFill>
+                  <a:srgbClr val="000000"/>
+                </a:solidFill>
+              </a:rPr>
+              <a:t> (in bytes) and a </a:t>
+            </a:r>
+            <a:r>
+              <a:rPr lang="en-US" altLang="en-US" dirty="0">
+                <a:solidFill>
+                  <a:srgbClr val="0000FF"/>
+                </a:solidFill>
+              </a:rPr>
+              <a:t>value</a:t>
+            </a:r>
+            <a:r>
+              <a:rPr lang="en-US" altLang="en-US" dirty="0">
+                <a:solidFill>
+                  <a:srgbClr val="000000"/>
+                </a:solidFill>
+              </a:rPr>
+              <a:t>.</a:t>
+            </a:r>
+          </a:p>
+          <a:p>
+            <a:pPr lvl="1"/>
+            <a:r>
+              <a:rPr lang="en-US" altLang="en-US" dirty="0">
+                <a:solidFill>
+                  <a:srgbClr val="000000"/>
+                </a:solidFill>
+              </a:rPr>
+              <a:t>When a new value is placed into a variable, the new value replaces the previous value (if any) </a:t>
+            </a:r>
+          </a:p>
+          <a:p>
+            <a:pPr lvl="1"/>
+            <a:r>
+              <a:rPr lang="en-US" altLang="en-US" dirty="0">
+                <a:solidFill>
+                  <a:srgbClr val="000000"/>
+                </a:solidFill>
+              </a:rPr>
+              <a:t>The previous value is lost, so this process is said to be </a:t>
+            </a:r>
+            <a:r>
+              <a:rPr lang="en-US" altLang="en-US" i="1" dirty="0">
+                <a:solidFill>
+                  <a:srgbClr val="000000"/>
+                </a:solidFill>
+              </a:rPr>
+              <a:t>destructive</a:t>
+            </a:r>
+            <a:r>
+              <a:rPr lang="en-US" altLang="en-US" dirty="0">
+                <a:solidFill>
+                  <a:srgbClr val="000000"/>
+                </a:solidFill>
+              </a:rPr>
+              <a:t>.</a:t>
+            </a:r>
+          </a:p>
+          <a:p>
+            <a:pPr>
+              <a:defRPr/>
+            </a:pPr>
+            <a:r>
+              <a:rPr lang="en-US" dirty="0">
+                <a:ea typeface="ＭＳ Ｐゴシック" charset="0"/>
+              </a:rPr>
+              <a:t>Every variable must be declared before it can be used</a:t>
+            </a:r>
+          </a:p>
+          <a:p>
+            <a:pPr>
+              <a:defRPr/>
+            </a:pPr>
+            <a:r>
+              <a:rPr lang="en-US" dirty="0">
+                <a:ea typeface="ＭＳ Ｐゴシック" charset="0"/>
+              </a:rPr>
+              <a:t>Syntax</a:t>
+            </a:r>
+          </a:p>
+          <a:p>
+            <a:pPr marL="457200" lvl="1" indent="0">
+              <a:buNone/>
+              <a:defRPr/>
+            </a:pPr>
+            <a:r>
+              <a:rPr lang="en-US" dirty="0">
+                <a:ea typeface="ＭＳ Ｐゴシック" charset="0"/>
+              </a:rPr>
+              <a:t>type name [= value ];</a:t>
+            </a:r>
+          </a:p>
+          <a:p>
+            <a:pPr marL="457200" lvl="1" indent="0">
+              <a:buNone/>
+              <a:defRPr/>
+            </a:pPr>
+            <a:endParaRPr lang="en-US" dirty="0">
+              <a:ea typeface="ＭＳ Ｐゴシック" charset="0"/>
+            </a:endParaRPr>
+          </a:p>
+        </p:txBody>
+      </p:sp>
+      <p:sp>
+        <p:nvSpPr>
+          <p:cNvPr id="7172" name="Slide Number Placeholder 3"/>
+          <p:cNvSpPr>
+            <a:spLocks noGrp="1"/>
+          </p:cNvSpPr>
+          <p:nvPr>
+            <p:ph type="sldNum" sz="quarter" idx="11"/>
+          </p:nvPr>
+        </p:nvSpPr>
+        <p:spPr>
+          <a:noFill/>
         </p:spPr>
         <p:txBody>
           <a:bodyPr/>
-          <a:lstStyle/>
-          <a:p>
-            <a:pPr marL="432" indent="0">
+          <a:lstStyle>
+            <a:lvl1pPr>
+              <a:spcBef>
+                <a:spcPct val="20000"/>
+              </a:spcBef>
+              <a:buClr>
+                <a:schemeClr val="tx2"/>
+              </a:buClr>
+              <a:buSzPct val="75000"/>
+              <a:buFont typeface="Monotype Sorts" charset="2"/>
+              <a:buChar char="F"/>
+              <a:defRPr sz="3200">
+                <a:solidFill>
+                  <a:schemeClr val="tx1"/>
+                </a:solidFill>
+                <a:latin typeface="Times New Roman" panose="02020603050405020304" pitchFamily="18" charset="0"/>
+                <a:ea typeface="MS PGothic" panose="020B0600070205080204" pitchFamily="34" charset="-128"/>
+              </a:defRPr>
+            </a:lvl1pPr>
+            <a:lvl2pPr marL="742950" indent="-285750">
+              <a:spcBef>
+                <a:spcPct val="20000"/>
+              </a:spcBef>
+              <a:buClr>
+                <a:schemeClr val="tx1"/>
+              </a:buClr>
+              <a:buChar char="–"/>
+              <a:defRPr sz="2800">
+                <a:solidFill>
+                  <a:schemeClr val="tx1"/>
+                </a:solidFill>
+                <a:latin typeface="Times New Roman" panose="02020603050405020304" pitchFamily="18" charset="0"/>
+                <a:ea typeface="MS PGothic" panose="020B0600070205080204" pitchFamily="34" charset="-128"/>
+              </a:defRPr>
+            </a:lvl2pPr>
+            <a:lvl3pPr marL="1143000" indent="-228600">
+              <a:spcBef>
+                <a:spcPct val="20000"/>
+              </a:spcBef>
+              <a:buClr>
+                <a:schemeClr val="accent2"/>
+              </a:buClr>
+              <a:buSzPct val="65000"/>
+              <a:buFont typeface="Monotype Sorts" charset="2"/>
+              <a:buChar char="u"/>
+              <a:defRPr sz="2400">
+                <a:solidFill>
+                  <a:schemeClr val="tx1"/>
+                </a:solidFill>
+                <a:latin typeface="Times New Roman" panose="02020603050405020304" pitchFamily="18" charset="0"/>
+                <a:ea typeface="MS PGothic" panose="020B0600070205080204" pitchFamily="34" charset="-128"/>
+              </a:defRPr>
+            </a:lvl3pPr>
+            <a:lvl4pPr marL="1600200" indent="-228600">
+              <a:spcBef>
+                <a:spcPct val="20000"/>
+              </a:spcBef>
+              <a:buClr>
+                <a:schemeClr val="tx1"/>
+              </a:buClr>
+              <a:buChar char="–"/>
+              <a:defRPr sz="2000">
+                <a:solidFill>
+                  <a:schemeClr val="tx1"/>
+                </a:solidFill>
+                <a:latin typeface="Times New Roman" panose="02020603050405020304" pitchFamily="18" charset="0"/>
+                <a:ea typeface="MS PGothic" panose="020B0600070205080204" pitchFamily="34" charset="-128"/>
+              </a:defRPr>
+            </a:lvl4pPr>
+            <a:lvl5pPr marL="2057400" indent="-228600">
+              <a:spcBef>
+                <a:spcPct val="20000"/>
+              </a:spcBef>
+              <a:buClr>
+                <a:schemeClr val="tx2"/>
+              </a:buClr>
+              <a:buChar char="•"/>
+              <a:defRPr sz="2000">
+                <a:solidFill>
+                  <a:schemeClr val="tx1"/>
+                </a:solidFill>
+                <a:latin typeface="Times New Roman" panose="02020603050405020304" pitchFamily="18" charset="0"/>
+                <a:ea typeface="MS PGothic" panose="020B0600070205080204" pitchFamily="34" charset="-128"/>
+              </a:defRPr>
+            </a:lvl5pPr>
+            <a:lvl6pPr marL="2514600" indent="-228600" eaLnBrk="0" fontAlgn="base" hangingPunct="0">
+              <a:spcBef>
+                <a:spcPct val="20000"/>
+              </a:spcBef>
+              <a:spcAft>
+                <a:spcPct val="0"/>
+              </a:spcAft>
+              <a:buClr>
+                <a:schemeClr val="tx2"/>
+              </a:buClr>
+              <a:buChar char="•"/>
+              <a:defRPr sz="2000">
+                <a:solidFill>
+                  <a:schemeClr val="tx1"/>
+                </a:solidFill>
+                <a:latin typeface="Times New Roman" panose="02020603050405020304" pitchFamily="18" charset="0"/>
+                <a:ea typeface="MS PGothic" panose="020B0600070205080204" pitchFamily="34" charset="-128"/>
+              </a:defRPr>
+            </a:lvl6pPr>
+            <a:lvl7pPr marL="2971800" indent="-228600" eaLnBrk="0" fontAlgn="base" hangingPunct="0">
+              <a:spcBef>
+                <a:spcPct val="20000"/>
+              </a:spcBef>
+              <a:spcAft>
+                <a:spcPct val="0"/>
+              </a:spcAft>
+              <a:buClr>
+                <a:schemeClr val="tx2"/>
+              </a:buClr>
+              <a:buChar char="•"/>
+              <a:defRPr sz="2000">
+                <a:solidFill>
+                  <a:schemeClr val="tx1"/>
+                </a:solidFill>
+                <a:latin typeface="Times New Roman" panose="02020603050405020304" pitchFamily="18" charset="0"/>
+                <a:ea typeface="MS PGothic" panose="020B0600070205080204" pitchFamily="34" charset="-128"/>
+              </a:defRPr>
+            </a:lvl7pPr>
+            <a:lvl8pPr marL="3429000" indent="-228600" eaLnBrk="0" fontAlgn="base" hangingPunct="0">
+              <a:spcBef>
+                <a:spcPct val="20000"/>
+              </a:spcBef>
+              <a:spcAft>
+                <a:spcPct val="0"/>
+              </a:spcAft>
+              <a:buClr>
+                <a:schemeClr val="tx2"/>
+              </a:buClr>
+              <a:buChar char="•"/>
+              <a:defRPr sz="2000">
+                <a:solidFill>
+                  <a:schemeClr val="tx1"/>
+                </a:solidFill>
+                <a:latin typeface="Times New Roman" panose="02020603050405020304" pitchFamily="18" charset="0"/>
+                <a:ea typeface="MS PGothic" panose="020B0600070205080204" pitchFamily="34" charset="-128"/>
+              </a:defRPr>
+            </a:lvl8pPr>
+            <a:lvl9pPr marL="3886200" indent="-228600" eaLnBrk="0" fontAlgn="base" hangingPunct="0">
+              <a:spcBef>
+                <a:spcPct val="20000"/>
+              </a:spcBef>
+              <a:spcAft>
+                <a:spcPct val="0"/>
+              </a:spcAft>
+              <a:buClr>
+                <a:schemeClr val="tx2"/>
+              </a:buClr>
+              <a:buChar char="•"/>
+              <a:defRPr sz="2000">
+                <a:solidFill>
+                  <a:schemeClr val="tx1"/>
+                </a:solidFill>
+                <a:latin typeface="Times New Roman" panose="02020603050405020304" pitchFamily="18" charset="0"/>
+                <a:ea typeface="MS PGothic" panose="020B0600070205080204" pitchFamily="34" charset="-128"/>
+              </a:defRPr>
+            </a:lvl9pPr>
+          </a:lstStyle>
+          <a:p>
+            <a:pPr>
+              <a:spcBef>
+                <a:spcPct val="0"/>
+              </a:spcBef>
+              <a:buClrTx/>
+              <a:buSzTx/>
+              <a:buFontTx/>
               <a:buNone/>
             </a:pPr>
-            <a:r>
-              <a:rPr lang="en-US" b="1" noProof="0" dirty="0" err="1">
-                <a:latin typeface="Courier New" panose="02070309020205020404" pitchFamily="49" charset="0"/>
-                <a:cs typeface="Courier New" panose="02070309020205020404" pitchFamily="49" charset="0"/>
-              </a:rPr>
-              <a:t>int</a:t>
-            </a:r>
-            <a:r>
-              <a:rPr lang="en-US" b="1" noProof="0" dirty="0">
-                <a:latin typeface="Courier New" panose="02070309020205020404" pitchFamily="49" charset="0"/>
-                <a:cs typeface="Courier New" panose="02070309020205020404" pitchFamily="49" charset="0"/>
-              </a:rPr>
-              <a:t> x;         // Declare x to be an</a:t>
-            </a:r>
-          </a:p>
-          <a:p>
-            <a:pPr marL="432" indent="0">
-              <a:buNone/>
-            </a:pPr>
-            <a:r>
-              <a:rPr lang="en-US" b="1" noProof="0" dirty="0">
-                <a:latin typeface="Courier New" panose="02070309020205020404" pitchFamily="49" charset="0"/>
-                <a:cs typeface="Courier New" panose="02070309020205020404" pitchFamily="49" charset="0"/>
-              </a:rPr>
-              <a:t>               // integer variable;</a:t>
-            </a:r>
-          </a:p>
-          <a:p>
-            <a:pPr marL="432" indent="0">
-              <a:buNone/>
-            </a:pPr>
-            <a:r>
-              <a:rPr lang="en-US" b="1" noProof="0" dirty="0">
-                <a:latin typeface="Courier New" panose="02070309020205020404" pitchFamily="49" charset="0"/>
-                <a:cs typeface="Courier New" panose="02070309020205020404" pitchFamily="49" charset="0"/>
-              </a:rPr>
-              <a:t>double radius; // Declare radius to</a:t>
-            </a:r>
-          </a:p>
-          <a:p>
-            <a:pPr marL="432" indent="0">
-              <a:buNone/>
-            </a:pPr>
-            <a:r>
-              <a:rPr lang="en-US" b="1" noProof="0" dirty="0">
-                <a:latin typeface="Courier New" panose="02070309020205020404" pitchFamily="49" charset="0"/>
-                <a:cs typeface="Courier New" panose="02070309020205020404" pitchFamily="49" charset="0"/>
-              </a:rPr>
-              <a:t>               // be a double variable;</a:t>
-            </a:r>
-          </a:p>
-          <a:p>
-            <a:pPr marL="432" indent="0">
-              <a:buNone/>
-            </a:pPr>
-            <a:r>
-              <a:rPr lang="en-US" b="1" noProof="0" dirty="0">
-                <a:latin typeface="Courier New" panose="02070309020205020404" pitchFamily="49" charset="0"/>
-                <a:cs typeface="Courier New" panose="02070309020205020404" pitchFamily="49" charset="0"/>
-              </a:rPr>
-              <a:t>char a;        // Declare a to be a</a:t>
-            </a:r>
-          </a:p>
-          <a:p>
-            <a:pPr marL="432" indent="0">
-              <a:buNone/>
-            </a:pPr>
-            <a:r>
-              <a:rPr lang="en-US" b="1" noProof="0" dirty="0">
-                <a:latin typeface="Courier New" panose="02070309020205020404" pitchFamily="49" charset="0"/>
-                <a:cs typeface="Courier New" panose="02070309020205020404" pitchFamily="49" charset="0"/>
-              </a:rPr>
-              <a:t>               // character variable;</a:t>
-            </a:r>
+            <a:fld id="{DD3C3949-E7FA-4FE8-AB46-F3179367B217}" type="slidenum">
+              <a:rPr lang="en-US" altLang="en-US" sz="1400"/>
+              <a:pPr>
+                <a:spcBef>
+                  <a:spcPct val="0"/>
+                </a:spcBef>
+                <a:buClrTx/>
+                <a:buSzTx/>
+                <a:buFontTx/>
+                <a:buNone/>
+              </a:pPr>
+              <a:t>10</a:t>
+            </a:fld>
+            <a:endParaRPr lang="en-US" altLang="en-US" sz="1400"/>
           </a:p>
         </p:txBody>
       </p:sp>
     </p:spTree>
     <p:extLst>
       <p:ext uri="{BB962C8B-B14F-4D97-AF65-F5344CB8AC3E}">
-        <p14:creationId xmlns:p14="http://schemas.microsoft.com/office/powerpoint/2010/main" val="1261086674"/>
+        <p14:creationId xmlns:p14="http://schemas.microsoft.com/office/powerpoint/2010/main" val="3798748144"/>
       </p:ext>
     </p:extLst>
   </p:cSld>
@@ -14946,7 +15241,7 @@
           <p:cNvPr id="2" name="Title 1">
             <a:extLst>
               <a:ext uri="{FF2B5EF4-FFF2-40B4-BE49-F238E27FC236}">
-                <a16:creationId xmlns:a16="http://schemas.microsoft.com/office/drawing/2014/main" id="{15B92263-EBE5-4BCA-A36E-74FBE0AE376F}"/>
+                <a16:creationId xmlns:a16="http://schemas.microsoft.com/office/drawing/2014/main" id="{7D0EC1DC-3F4C-4DED-90E6-C5974052A14F}"/>
               </a:ext>
             </a:extLst>
           </p:cNvPr>
@@ -14964,7 +15259,7 @@
           <a:p>
             <a:r>
               <a:rPr lang="en-US" noProof="0" dirty="0"/>
-              <a:t>Assignment Statements</a:t>
+              <a:t>Declaring Variables</a:t>
             </a:r>
           </a:p>
         </p:txBody>
@@ -14974,7 +15269,7 @@
           <p:cNvPr id="3" name="Content Placeholder 2">
             <a:extLst>
               <a:ext uri="{FF2B5EF4-FFF2-40B4-BE49-F238E27FC236}">
-                <a16:creationId xmlns:a16="http://schemas.microsoft.com/office/drawing/2014/main" id="{29ACDAEE-83E5-45C4-B7A9-0C3274C15AB4}"/>
+                <a16:creationId xmlns:a16="http://schemas.microsoft.com/office/drawing/2014/main" id="{3BFE9A72-D2E0-4D1C-815E-C779A7EC9606}"/>
               </a:ext>
             </a:extLst>
           </p:cNvPr>
@@ -14987,8 +15282,8 @@
         </p:nvSpPr>
         <p:spPr>
           <a:xfrm>
-            <a:off x="1981201" y="1554921"/>
-            <a:ext cx="8232775" cy="2139255"/>
+            <a:off x="1981201" y="1554922"/>
+            <a:ext cx="8232775" cy="3638870"/>
           </a:xfrm>
         </p:spPr>
         <p:txBody>
@@ -14999,11 +15294,18 @@
               <a:buNone/>
             </a:pPr>
             <a:r>
+              <a:rPr lang="en-US" b="1" noProof="0" dirty="0" err="1">
+                <a:latin typeface="Courier New" panose="02070309020205020404" pitchFamily="49" charset="0"/>
+                <a:cs typeface="Courier New" panose="02070309020205020404" pitchFamily="49" charset="0"/>
+              </a:rPr>
+              <a:t>int</a:t>
+            </a:r>
+            <a:r>
               <a:rPr lang="en-US" b="1" noProof="0" dirty="0">
                 <a:latin typeface="Courier New" panose="02070309020205020404" pitchFamily="49" charset="0"/>
                 <a:cs typeface="Courier New" panose="02070309020205020404" pitchFamily="49" charset="0"/>
               </a:rPr>
-              <a:t>x = 1;          // Assign 1 to x;</a:t>
+              <a:t> x;         // Declare x to be an</a:t>
             </a:r>
           </a:p>
           <a:p>
@@ -15015,7 +15317,7 @@
                 <a:latin typeface="Courier New" panose="02070309020205020404" pitchFamily="49" charset="0"/>
                 <a:cs typeface="Courier New" panose="02070309020205020404" pitchFamily="49" charset="0"/>
               </a:rPr>
-              <a:t>radius = 1.0;   // Assign 1.0 to radius;</a:t>
+              <a:t>               // integer variable;</a:t>
             </a:r>
           </a:p>
           <a:p>
@@ -15027,7 +15329,274 @@
                 <a:latin typeface="Courier New" panose="02070309020205020404" pitchFamily="49" charset="0"/>
                 <a:cs typeface="Courier New" panose="02070309020205020404" pitchFamily="49" charset="0"/>
               </a:rPr>
-              <a:t>a = 'A';        // Assign 'A' to a;</a:t>
+              <a:t>double radius; // Declare radius to</a:t>
+            </a:r>
+          </a:p>
+          <a:p>
+            <a:pPr marL="432" indent="0">
+              <a:buNone/>
+            </a:pPr>
+            <a:r>
+              <a:rPr lang="en-US" b="1" noProof="0" dirty="0">
+                <a:latin typeface="Courier New" panose="02070309020205020404" pitchFamily="49" charset="0"/>
+                <a:cs typeface="Courier New" panose="02070309020205020404" pitchFamily="49" charset="0"/>
+              </a:rPr>
+              <a:t>               // be a double variable;</a:t>
+            </a:r>
+          </a:p>
+          <a:p>
+            <a:pPr marL="432" indent="0">
+              <a:buNone/>
+            </a:pPr>
+            <a:endParaRPr lang="en-US" b="1" noProof="0" dirty="0">
+              <a:latin typeface="Courier New" panose="02070309020205020404" pitchFamily="49" charset="0"/>
+              <a:cs typeface="Courier New" panose="02070309020205020404" pitchFamily="49" charset="0"/>
+            </a:endParaRPr>
+          </a:p>
+          <a:p>
+            <a:pPr marL="432" indent="0">
+              <a:buNone/>
+            </a:pPr>
+            <a:endParaRPr lang="en-US" b="1" dirty="0">
+              <a:latin typeface="Courier New" panose="02070309020205020404" pitchFamily="49" charset="0"/>
+              <a:cs typeface="Courier New" panose="02070309020205020404" pitchFamily="49" charset="0"/>
+            </a:endParaRPr>
+          </a:p>
+          <a:p>
+            <a:pPr marL="432" indent="0">
+              <a:buNone/>
+            </a:pPr>
+            <a:r>
+              <a:rPr lang="en-US" b="1" noProof="0" dirty="0">
+                <a:latin typeface="Courier New" panose="02070309020205020404" pitchFamily="49" charset="0"/>
+                <a:cs typeface="Courier New" panose="02070309020205020404" pitchFamily="49" charset="0"/>
+              </a:rPr>
+              <a:t>char a;        // Declare a to be a</a:t>
+            </a:r>
+          </a:p>
+          <a:p>
+            <a:pPr marL="432" indent="0">
+              <a:buNone/>
+            </a:pPr>
+            <a:r>
+              <a:rPr lang="en-US" b="1" noProof="0" dirty="0">
+                <a:latin typeface="Courier New" panose="02070309020205020404" pitchFamily="49" charset="0"/>
+                <a:cs typeface="Courier New" panose="02070309020205020404" pitchFamily="49" charset="0"/>
+              </a:rPr>
+              <a:t>               // character variable;</a:t>
+            </a:r>
+          </a:p>
+        </p:txBody>
+      </p:sp>
+      <p:pic>
+        <p:nvPicPr>
+          <p:cNvPr id="5" name="Picture 4">
+            <a:extLst>
+              <a:ext uri="{FF2B5EF4-FFF2-40B4-BE49-F238E27FC236}">
+                <a16:creationId xmlns:a16="http://schemas.microsoft.com/office/drawing/2014/main" id="{1CAB219A-0862-4563-BE95-B30CCDE98866}"/>
+              </a:ext>
+            </a:extLst>
+          </p:cNvPr>
+          <p:cNvPicPr>
+            <a:picLocks noChangeAspect="1"/>
+          </p:cNvPicPr>
+          <p:nvPr/>
+        </p:nvPicPr>
+        <p:blipFill>
+          <a:blip r:embed="rId2">
+            <a:extLst>
+              <a:ext uri="{28A0092B-C50C-407E-A947-70E740481C1C}">
+                <a14:useLocalDpi xmlns:a14="http://schemas.microsoft.com/office/drawing/2010/main" val="0"/>
+              </a:ext>
+            </a:extLst>
+          </a:blip>
+          <a:stretch>
+            <a:fillRect/>
+          </a:stretch>
+        </p:blipFill>
+        <p:spPr>
+          <a:xfrm>
+            <a:off x="3225451" y="1382875"/>
+            <a:ext cx="1434231" cy="1097279"/>
+          </a:xfrm>
+          <a:prstGeom prst="rect">
+            <a:avLst/>
+          </a:prstGeom>
+        </p:spPr>
+      </p:pic>
+      <p:sp>
+        <p:nvSpPr>
+          <p:cNvPr id="6" name="TextBox 5">
+            <a:extLst>
+              <a:ext uri="{FF2B5EF4-FFF2-40B4-BE49-F238E27FC236}">
+                <a16:creationId xmlns:a16="http://schemas.microsoft.com/office/drawing/2014/main" id="{4684DA8F-1F86-4CCF-846A-42370D16CAA7}"/>
+              </a:ext>
+            </a:extLst>
+          </p:cNvPr>
+          <p:cNvSpPr txBox="1"/>
+          <p:nvPr/>
+        </p:nvSpPr>
+        <p:spPr>
+          <a:xfrm>
+            <a:off x="3942566" y="2016690"/>
+            <a:ext cx="284052" cy="369332"/>
+          </a:xfrm>
+          <a:prstGeom prst="rect">
+            <a:avLst/>
+          </a:prstGeom>
+          <a:noFill/>
+        </p:spPr>
+        <p:txBody>
+          <a:bodyPr wrap="none" rtlCol="0">
+            <a:spAutoFit/>
+          </a:bodyPr>
+          <a:lstStyle/>
+          <a:p>
+            <a:r>
+              <a:rPr lang="en-US" dirty="0"/>
+              <a:t>x</a:t>
+            </a:r>
+          </a:p>
+        </p:txBody>
+      </p:sp>
+      <p:pic>
+        <p:nvPicPr>
+          <p:cNvPr id="7" name="Picture 6">
+            <a:extLst>
+              <a:ext uri="{FF2B5EF4-FFF2-40B4-BE49-F238E27FC236}">
+                <a16:creationId xmlns:a16="http://schemas.microsoft.com/office/drawing/2014/main" id="{77473ABA-673A-42D6-8C7C-C77D0AA36845}"/>
+              </a:ext>
+            </a:extLst>
+          </p:cNvPr>
+          <p:cNvPicPr>
+            <a:picLocks noChangeAspect="1"/>
+          </p:cNvPicPr>
+          <p:nvPr/>
+        </p:nvPicPr>
+        <p:blipFill>
+          <a:blip r:embed="rId2">
+            <a:extLst>
+              <a:ext uri="{28A0092B-C50C-407E-A947-70E740481C1C}">
+                <a14:useLocalDpi xmlns:a14="http://schemas.microsoft.com/office/drawing/2010/main" val="0"/>
+              </a:ext>
+            </a:extLst>
+          </a:blip>
+          <a:stretch>
+            <a:fillRect/>
+          </a:stretch>
+        </p:blipFill>
+        <p:spPr>
+          <a:xfrm>
+            <a:off x="3271380" y="2941922"/>
+            <a:ext cx="1434231" cy="1097279"/>
+          </a:xfrm>
+          <a:prstGeom prst="rect">
+            <a:avLst/>
+          </a:prstGeom>
+        </p:spPr>
+      </p:pic>
+      <p:sp>
+        <p:nvSpPr>
+          <p:cNvPr id="8" name="TextBox 7">
+            <a:extLst>
+              <a:ext uri="{FF2B5EF4-FFF2-40B4-BE49-F238E27FC236}">
+                <a16:creationId xmlns:a16="http://schemas.microsoft.com/office/drawing/2014/main" id="{BD4996A3-932F-4DE8-9211-4F6F609B504C}"/>
+              </a:ext>
+            </a:extLst>
+          </p:cNvPr>
+          <p:cNvSpPr txBox="1"/>
+          <p:nvPr/>
+        </p:nvSpPr>
+        <p:spPr>
+          <a:xfrm>
+            <a:off x="3706091" y="3588356"/>
+            <a:ext cx="757002" cy="369332"/>
+          </a:xfrm>
+          <a:prstGeom prst="rect">
+            <a:avLst/>
+          </a:prstGeom>
+          <a:noFill/>
+        </p:spPr>
+        <p:txBody>
+          <a:bodyPr wrap="none" rtlCol="0">
+            <a:spAutoFit/>
+          </a:bodyPr>
+          <a:lstStyle/>
+          <a:p>
+            <a:r>
+              <a:rPr lang="en-US" dirty="0"/>
+              <a:t>radius</a:t>
+            </a:r>
+          </a:p>
+        </p:txBody>
+      </p:sp>
+      <p:pic>
+        <p:nvPicPr>
+          <p:cNvPr id="9" name="Picture 8">
+            <a:extLst>
+              <a:ext uri="{FF2B5EF4-FFF2-40B4-BE49-F238E27FC236}">
+                <a16:creationId xmlns:a16="http://schemas.microsoft.com/office/drawing/2014/main" id="{3A2426DA-7310-4F7F-882A-70C1530C50CB}"/>
+              </a:ext>
+            </a:extLst>
+          </p:cNvPr>
+          <p:cNvPicPr>
+            <a:picLocks noChangeAspect="1"/>
+          </p:cNvPicPr>
+          <p:nvPr/>
+        </p:nvPicPr>
+        <p:blipFill>
+          <a:blip r:embed="rId2">
+            <a:extLst>
+              <a:ext uri="{28A0092B-C50C-407E-A947-70E740481C1C}">
+                <a14:useLocalDpi xmlns:a14="http://schemas.microsoft.com/office/drawing/2010/main" val="0"/>
+              </a:ext>
+            </a:extLst>
+          </a:blip>
+          <a:stretch>
+            <a:fillRect/>
+          </a:stretch>
+        </p:blipFill>
+        <p:spPr>
+          <a:xfrm>
+            <a:off x="2916476" y="4742947"/>
+            <a:ext cx="1434231" cy="1097279"/>
+          </a:xfrm>
+          <a:prstGeom prst="rect">
+            <a:avLst/>
+          </a:prstGeom>
+        </p:spPr>
+      </p:pic>
+      <p:sp>
+        <p:nvSpPr>
+          <p:cNvPr id="10" name="TextBox 9">
+            <a:extLst>
+              <a:ext uri="{FF2B5EF4-FFF2-40B4-BE49-F238E27FC236}">
+                <a16:creationId xmlns:a16="http://schemas.microsoft.com/office/drawing/2014/main" id="{D7ED391E-56B4-4FF2-9F0B-01BBA95650BE}"/>
+              </a:ext>
+            </a:extLst>
+          </p:cNvPr>
+          <p:cNvSpPr txBox="1"/>
+          <p:nvPr/>
+        </p:nvSpPr>
+        <p:spPr>
+          <a:xfrm>
+            <a:off x="3613189" y="5360999"/>
+            <a:ext cx="295274" cy="369332"/>
+          </a:xfrm>
+          <a:prstGeom prst="rect">
+            <a:avLst/>
+          </a:prstGeom>
+          <a:noFill/>
+        </p:spPr>
+        <p:txBody>
+          <a:bodyPr wrap="none" rtlCol="0">
+            <a:spAutoFit/>
+          </a:bodyPr>
+          <a:lstStyle/>
+          <a:p>
+            <a:r>
+              <a:rPr lang="en-US" dirty="0"/>
+              <a:t>a</a:t>
             </a:r>
           </a:p>
         </p:txBody>
@@ -15035,7 +15604,7 @@
     </p:spTree>
     <p:extLst>
       <p:ext uri="{BB962C8B-B14F-4D97-AF65-F5344CB8AC3E}">
-        <p14:creationId xmlns:p14="http://schemas.microsoft.com/office/powerpoint/2010/main" val="3233401818"/>
+        <p14:creationId xmlns:p14="http://schemas.microsoft.com/office/powerpoint/2010/main" val="1261086674"/>
       </p:ext>
     </p:extLst>
   </p:cSld>
@@ -15067,7 +15636,7 @@
           <p:cNvPr id="2" name="Title 1">
             <a:extLst>
               <a:ext uri="{FF2B5EF4-FFF2-40B4-BE49-F238E27FC236}">
-                <a16:creationId xmlns:a16="http://schemas.microsoft.com/office/drawing/2014/main" id="{836D11B0-53D4-4889-A146-E15C635596B8}"/>
+                <a16:creationId xmlns:a16="http://schemas.microsoft.com/office/drawing/2014/main" id="{15B92263-EBE5-4BCA-A36E-74FBE0AE376F}"/>
               </a:ext>
             </a:extLst>
           </p:cNvPr>
@@ -15084,8 +15653,8 @@
           <a:lstStyle/>
           <a:p>
             <a:r>
-              <a:rPr lang="en-US" sz="3400" dirty="0"/>
-              <a:t>Declaring and Initializing in One Step</a:t>
+              <a:rPr lang="en-US" noProof="0" dirty="0"/>
+              <a:t>Assignment Statements</a:t>
             </a:r>
           </a:p>
         </p:txBody>
@@ -15095,7 +15664,7 @@
           <p:cNvPr id="3" name="Content Placeholder 2">
             <a:extLst>
               <a:ext uri="{FF2B5EF4-FFF2-40B4-BE49-F238E27FC236}">
-                <a16:creationId xmlns:a16="http://schemas.microsoft.com/office/drawing/2014/main" id="{426CC454-F36A-41CB-98D8-E703250E324C}"/>
+                <a16:creationId xmlns:a16="http://schemas.microsoft.com/office/drawing/2014/main" id="{29ACDAEE-83E5-45C4-B7A9-0C3274C15AB4}"/>
               </a:ext>
             </a:extLst>
           </p:cNvPr>
@@ -15108,44 +15677,535 @@
         </p:nvSpPr>
         <p:spPr>
           <a:xfrm>
-            <a:off x="1981201" y="1554921"/>
-            <a:ext cx="8232775" cy="1189868"/>
+            <a:off x="1359075" y="1554921"/>
+            <a:ext cx="8854902" cy="4044213"/>
           </a:xfrm>
         </p:spPr>
         <p:txBody>
-          <a:bodyPr/>
+          <a:bodyPr>
+            <a:normAutofit/>
+          </a:bodyPr>
           <a:lstStyle/>
           <a:p>
-            <a:r>
-              <a:rPr lang="en-US" b="1" noProof="0" dirty="0" err="1">
-                <a:latin typeface="Courier New" panose="02070309020205020404" pitchFamily="49" charset="0"/>
-                <a:cs typeface="Courier New" panose="02070309020205020404" pitchFamily="49" charset="0"/>
-              </a:rPr>
-              <a:t>int</a:t>
-            </a:r>
+            <a:pPr marL="432" indent="0">
+              <a:buNone/>
+            </a:pPr>
             <a:r>
               <a:rPr lang="en-US" b="1" noProof="0" dirty="0">
                 <a:latin typeface="Courier New" panose="02070309020205020404" pitchFamily="49" charset="0"/>
                 <a:cs typeface="Courier New" panose="02070309020205020404" pitchFamily="49" charset="0"/>
               </a:rPr>
-              <a:t> x = 1;</a:t>
-            </a:r>
-          </a:p>
-          <a:p>
+              <a:t>x = 1;                    // Assign 1 to x;</a:t>
+            </a:r>
+          </a:p>
+          <a:p>
+            <a:pPr marL="432" indent="0">
+              <a:buNone/>
+            </a:pPr>
+            <a:endParaRPr lang="en-US" b="1" noProof="0" dirty="0">
+              <a:latin typeface="Courier New" panose="02070309020205020404" pitchFamily="49" charset="0"/>
+              <a:cs typeface="Courier New" panose="02070309020205020404" pitchFamily="49" charset="0"/>
+            </a:endParaRPr>
+          </a:p>
+          <a:p>
+            <a:pPr marL="432" indent="0">
+              <a:buNone/>
+            </a:pPr>
+            <a:endParaRPr lang="en-US" b="1" noProof="0" dirty="0">
+              <a:latin typeface="Courier New" panose="02070309020205020404" pitchFamily="49" charset="0"/>
+              <a:cs typeface="Courier New" panose="02070309020205020404" pitchFamily="49" charset="0"/>
+            </a:endParaRPr>
+          </a:p>
+          <a:p>
+            <a:pPr marL="432" indent="0">
+              <a:buNone/>
+            </a:pPr>
+            <a:r>
+              <a:rPr lang="en-US" sz="2000" b="1" noProof="0" dirty="0">
+                <a:latin typeface="Courier New" panose="02070309020205020404" pitchFamily="49" charset="0"/>
+                <a:cs typeface="Courier New" panose="02070309020205020404" pitchFamily="49" charset="0"/>
+              </a:rPr>
+              <a:t>radius = 1.0</a:t>
+            </a:r>
             <a:r>
               <a:rPr lang="en-US" b="1" noProof="0" dirty="0">
                 <a:latin typeface="Courier New" panose="02070309020205020404" pitchFamily="49" charset="0"/>
                 <a:cs typeface="Courier New" panose="02070309020205020404" pitchFamily="49" charset="0"/>
               </a:rPr>
-              <a:t>double d = 1.4;</a:t>
+              <a:t>;            // Assign 1.0 to radius;</a:t>
+            </a:r>
+          </a:p>
+          <a:p>
+            <a:pPr marL="432" indent="0">
+              <a:buNone/>
+            </a:pPr>
+            <a:endParaRPr lang="en-US" b="1" noProof="0" dirty="0">
+              <a:latin typeface="Courier New" panose="02070309020205020404" pitchFamily="49" charset="0"/>
+              <a:cs typeface="Courier New" panose="02070309020205020404" pitchFamily="49" charset="0"/>
+            </a:endParaRPr>
+          </a:p>
+          <a:p>
+            <a:pPr marL="432" indent="0">
+              <a:buNone/>
+            </a:pPr>
+            <a:r>
+              <a:rPr lang="en-US" b="1" noProof="0" dirty="0">
+                <a:latin typeface="Courier New" panose="02070309020205020404" pitchFamily="49" charset="0"/>
+                <a:cs typeface="Courier New" panose="02070309020205020404" pitchFamily="49" charset="0"/>
+              </a:rPr>
+              <a:t>Char a = 'A';        // Assign 'A' to a;</a:t>
             </a:r>
           </a:p>
         </p:txBody>
       </p:sp>
+      <p:pic>
+        <p:nvPicPr>
+          <p:cNvPr id="4" name="Picture 3">
+            <a:extLst>
+              <a:ext uri="{FF2B5EF4-FFF2-40B4-BE49-F238E27FC236}">
+                <a16:creationId xmlns:a16="http://schemas.microsoft.com/office/drawing/2014/main" id="{7E8F6385-A468-45D9-A87B-E9EF5E365AF6}"/>
+              </a:ext>
+            </a:extLst>
+          </p:cNvPr>
+          <p:cNvPicPr>
+            <a:picLocks noChangeAspect="1"/>
+          </p:cNvPicPr>
+          <p:nvPr/>
+        </p:nvPicPr>
+        <p:blipFill>
+          <a:blip r:embed="rId2">
+            <a:extLst>
+              <a:ext uri="{28A0092B-C50C-407E-A947-70E740481C1C}">
+                <a14:useLocalDpi xmlns:a14="http://schemas.microsoft.com/office/drawing/2010/main" val="0"/>
+              </a:ext>
+            </a:extLst>
+          </a:blip>
+          <a:stretch>
+            <a:fillRect/>
+          </a:stretch>
+        </p:blipFill>
+        <p:spPr>
+          <a:xfrm>
+            <a:off x="3449832" y="1312651"/>
+            <a:ext cx="1434231" cy="1097279"/>
+          </a:xfrm>
+          <a:prstGeom prst="rect">
+            <a:avLst/>
+          </a:prstGeom>
+        </p:spPr>
+      </p:pic>
+      <p:sp>
+        <p:nvSpPr>
+          <p:cNvPr id="5" name="TextBox 4">
+            <a:extLst>
+              <a:ext uri="{FF2B5EF4-FFF2-40B4-BE49-F238E27FC236}">
+                <a16:creationId xmlns:a16="http://schemas.microsoft.com/office/drawing/2014/main" id="{C1A45BE1-57DE-4A9C-B39F-EA664BB58CB7}"/>
+              </a:ext>
+            </a:extLst>
+          </p:cNvPr>
+          <p:cNvSpPr txBox="1"/>
+          <p:nvPr/>
+        </p:nvSpPr>
+        <p:spPr>
+          <a:xfrm>
+            <a:off x="4166947" y="1947797"/>
+            <a:ext cx="295274" cy="369332"/>
+          </a:xfrm>
+          <a:prstGeom prst="rect">
+            <a:avLst/>
+          </a:prstGeom>
+          <a:noFill/>
+        </p:spPr>
+        <p:txBody>
+          <a:bodyPr wrap="none" rtlCol="0">
+            <a:spAutoFit/>
+          </a:bodyPr>
+          <a:lstStyle/>
+          <a:p>
+            <a:r>
+              <a:rPr lang="en-US" dirty="0"/>
+              <a:t>a</a:t>
+            </a:r>
+          </a:p>
+        </p:txBody>
+      </p:sp>
+      <p:sp>
+        <p:nvSpPr>
+          <p:cNvPr id="6" name="TextBox 5">
+            <a:extLst>
+              <a:ext uri="{FF2B5EF4-FFF2-40B4-BE49-F238E27FC236}">
+                <a16:creationId xmlns:a16="http://schemas.microsoft.com/office/drawing/2014/main" id="{BE1F10EB-63DB-490D-BE65-CC07B74D5CCE}"/>
+              </a:ext>
+            </a:extLst>
+          </p:cNvPr>
+          <p:cNvSpPr txBox="1"/>
+          <p:nvPr/>
+        </p:nvSpPr>
+        <p:spPr>
+          <a:xfrm>
+            <a:off x="4043517" y="1561663"/>
+            <a:ext cx="301686" cy="369332"/>
+          </a:xfrm>
+          <a:prstGeom prst="rect">
+            <a:avLst/>
+          </a:prstGeom>
+          <a:noFill/>
+        </p:spPr>
+        <p:txBody>
+          <a:bodyPr wrap="none" rtlCol="0">
+            <a:spAutoFit/>
+          </a:bodyPr>
+          <a:lstStyle/>
+          <a:p>
+            <a:r>
+              <a:rPr lang="en-US" dirty="0"/>
+              <a:t>1</a:t>
+            </a:r>
+          </a:p>
+        </p:txBody>
+      </p:sp>
+      <p:cxnSp>
+        <p:nvCxnSpPr>
+          <p:cNvPr id="8" name="Straight Arrow Connector 7">
+            <a:extLst>
+              <a:ext uri="{FF2B5EF4-FFF2-40B4-BE49-F238E27FC236}">
+                <a16:creationId xmlns:a16="http://schemas.microsoft.com/office/drawing/2014/main" id="{127D1564-F5AA-4D7B-A520-F5292B32C8E4}"/>
+              </a:ext>
+            </a:extLst>
+          </p:cNvPr>
+          <p:cNvCxnSpPr>
+            <a:cxnSpLocks/>
+            <a:endCxn id="6" idx="1"/>
+          </p:cNvCxnSpPr>
+          <p:nvPr/>
+        </p:nvCxnSpPr>
+        <p:spPr>
+          <a:xfrm>
+            <a:off x="2396663" y="1700446"/>
+            <a:ext cx="1646854" cy="45883"/>
+          </a:xfrm>
+          <a:prstGeom prst="straightConnector1">
+            <a:avLst/>
+          </a:prstGeom>
+          <a:ln w="63500">
+            <a:tailEnd type="triangle"/>
+          </a:ln>
+        </p:spPr>
+        <p:style>
+          <a:lnRef idx="1">
+            <a:schemeClr val="accent1"/>
+          </a:lnRef>
+          <a:fillRef idx="0">
+            <a:schemeClr val="accent1"/>
+          </a:fillRef>
+          <a:effectRef idx="0">
+            <a:schemeClr val="accent1"/>
+          </a:effectRef>
+          <a:fontRef idx="minor">
+            <a:schemeClr val="tx1"/>
+          </a:fontRef>
+        </p:style>
+      </p:cxnSp>
+      <p:pic>
+        <p:nvPicPr>
+          <p:cNvPr id="10" name="Picture 9">
+            <a:extLst>
+              <a:ext uri="{FF2B5EF4-FFF2-40B4-BE49-F238E27FC236}">
+                <a16:creationId xmlns:a16="http://schemas.microsoft.com/office/drawing/2014/main" id="{17E45745-B525-4ACB-8BA7-A7AFD4560055}"/>
+              </a:ext>
+            </a:extLst>
+          </p:cNvPr>
+          <p:cNvPicPr>
+            <a:picLocks noChangeAspect="1"/>
+          </p:cNvPicPr>
+          <p:nvPr/>
+        </p:nvPicPr>
+        <p:blipFill>
+          <a:blip r:embed="rId2">
+            <a:extLst>
+              <a:ext uri="{28A0092B-C50C-407E-A947-70E740481C1C}">
+                <a14:useLocalDpi xmlns:a14="http://schemas.microsoft.com/office/drawing/2010/main" val="0"/>
+              </a:ext>
+            </a:extLst>
+          </a:blip>
+          <a:stretch>
+            <a:fillRect/>
+          </a:stretch>
+        </p:blipFill>
+        <p:spPr>
+          <a:xfrm>
+            <a:off x="3628087" y="2426732"/>
+            <a:ext cx="1434231" cy="1097279"/>
+          </a:xfrm>
+          <a:prstGeom prst="rect">
+            <a:avLst/>
+          </a:prstGeom>
+        </p:spPr>
+      </p:pic>
+      <p:sp>
+        <p:nvSpPr>
+          <p:cNvPr id="11" name="TextBox 10">
+            <a:extLst>
+              <a:ext uri="{FF2B5EF4-FFF2-40B4-BE49-F238E27FC236}">
+                <a16:creationId xmlns:a16="http://schemas.microsoft.com/office/drawing/2014/main" id="{C69A7D7C-9B30-43A3-98EB-10C52B5F6D1B}"/>
+              </a:ext>
+            </a:extLst>
+          </p:cNvPr>
+          <p:cNvSpPr txBox="1"/>
+          <p:nvPr/>
+        </p:nvSpPr>
+        <p:spPr>
+          <a:xfrm>
+            <a:off x="4127061" y="3113750"/>
+            <a:ext cx="757002" cy="369332"/>
+          </a:xfrm>
+          <a:prstGeom prst="rect">
+            <a:avLst/>
+          </a:prstGeom>
+          <a:noFill/>
+        </p:spPr>
+        <p:txBody>
+          <a:bodyPr wrap="none" rtlCol="0">
+            <a:spAutoFit/>
+          </a:bodyPr>
+          <a:lstStyle/>
+          <a:p>
+            <a:r>
+              <a:rPr lang="en-US" dirty="0"/>
+              <a:t>radius</a:t>
+            </a:r>
+          </a:p>
+        </p:txBody>
+      </p:sp>
+      <p:cxnSp>
+        <p:nvCxnSpPr>
+          <p:cNvPr id="12" name="Straight Arrow Connector 11">
+            <a:extLst>
+              <a:ext uri="{FF2B5EF4-FFF2-40B4-BE49-F238E27FC236}">
+                <a16:creationId xmlns:a16="http://schemas.microsoft.com/office/drawing/2014/main" id="{E4EEA4E1-476B-4309-AA37-E5F4AFFE9BB0}"/>
+              </a:ext>
+            </a:extLst>
+          </p:cNvPr>
+          <p:cNvCxnSpPr>
+            <a:cxnSpLocks/>
+            <a:endCxn id="14" idx="1"/>
+          </p:cNvCxnSpPr>
+          <p:nvPr/>
+        </p:nvCxnSpPr>
+        <p:spPr>
+          <a:xfrm flipV="1">
+            <a:off x="3300608" y="2870430"/>
+            <a:ext cx="926723" cy="243320"/>
+          </a:xfrm>
+          <a:prstGeom prst="straightConnector1">
+            <a:avLst/>
+          </a:prstGeom>
+          <a:ln w="63500">
+            <a:tailEnd type="triangle"/>
+          </a:ln>
+        </p:spPr>
+        <p:style>
+          <a:lnRef idx="1">
+            <a:schemeClr val="accent1"/>
+          </a:lnRef>
+          <a:fillRef idx="0">
+            <a:schemeClr val="accent1"/>
+          </a:fillRef>
+          <a:effectRef idx="0">
+            <a:schemeClr val="accent1"/>
+          </a:effectRef>
+          <a:fontRef idx="minor">
+            <a:schemeClr val="tx1"/>
+          </a:fontRef>
+        </p:style>
+      </p:cxnSp>
+      <p:sp>
+        <p:nvSpPr>
+          <p:cNvPr id="14" name="TextBox 13">
+            <a:extLst>
+              <a:ext uri="{FF2B5EF4-FFF2-40B4-BE49-F238E27FC236}">
+                <a16:creationId xmlns:a16="http://schemas.microsoft.com/office/drawing/2014/main" id="{8DB66A95-976D-456D-8881-8A530260B6D8}"/>
+              </a:ext>
+            </a:extLst>
+          </p:cNvPr>
+          <p:cNvSpPr txBox="1"/>
+          <p:nvPr/>
+        </p:nvSpPr>
+        <p:spPr>
+          <a:xfrm>
+            <a:off x="4227331" y="2685764"/>
+            <a:ext cx="476412" cy="369332"/>
+          </a:xfrm>
+          <a:prstGeom prst="rect">
+            <a:avLst/>
+          </a:prstGeom>
+          <a:noFill/>
+        </p:spPr>
+        <p:txBody>
+          <a:bodyPr wrap="none" rtlCol="0">
+            <a:spAutoFit/>
+          </a:bodyPr>
+          <a:lstStyle/>
+          <a:p>
+            <a:r>
+              <a:rPr lang="en-US" dirty="0"/>
+              <a:t>1.0</a:t>
+            </a:r>
+          </a:p>
+        </p:txBody>
+      </p:sp>
+      <p:pic>
+        <p:nvPicPr>
+          <p:cNvPr id="20" name="Picture 19">
+            <a:extLst>
+              <a:ext uri="{FF2B5EF4-FFF2-40B4-BE49-F238E27FC236}">
+                <a16:creationId xmlns:a16="http://schemas.microsoft.com/office/drawing/2014/main" id="{AAD592A4-73C3-4301-968B-6CB4BC70FAE5}"/>
+              </a:ext>
+            </a:extLst>
+          </p:cNvPr>
+          <p:cNvPicPr>
+            <a:picLocks noChangeAspect="1"/>
+          </p:cNvPicPr>
+          <p:nvPr/>
+        </p:nvPicPr>
+        <p:blipFill>
+          <a:blip r:embed="rId2">
+            <a:extLst>
+              <a:ext uri="{28A0092B-C50C-407E-A947-70E740481C1C}">
+                <a14:useLocalDpi xmlns:a14="http://schemas.microsoft.com/office/drawing/2010/main" val="0"/>
+              </a:ext>
+            </a:extLst>
+          </a:blip>
+          <a:stretch>
+            <a:fillRect/>
+          </a:stretch>
+        </p:blipFill>
+        <p:spPr>
+          <a:xfrm>
+            <a:off x="4884063" y="4395822"/>
+            <a:ext cx="1434231" cy="1097279"/>
+          </a:xfrm>
+          <a:prstGeom prst="rect">
+            <a:avLst/>
+          </a:prstGeom>
+        </p:spPr>
+      </p:pic>
+      <p:sp>
+        <p:nvSpPr>
+          <p:cNvPr id="21" name="TextBox 20">
+            <a:extLst>
+              <a:ext uri="{FF2B5EF4-FFF2-40B4-BE49-F238E27FC236}">
+                <a16:creationId xmlns:a16="http://schemas.microsoft.com/office/drawing/2014/main" id="{25937C63-98A9-4BD1-A2CB-3FCF9B5B397B}"/>
+              </a:ext>
+            </a:extLst>
+          </p:cNvPr>
+          <p:cNvSpPr txBox="1"/>
+          <p:nvPr/>
+        </p:nvSpPr>
+        <p:spPr>
+          <a:xfrm>
+            <a:off x="5669174" y="4993436"/>
+            <a:ext cx="45719" cy="369332"/>
+          </a:xfrm>
+          <a:prstGeom prst="rect">
+            <a:avLst/>
+          </a:prstGeom>
+          <a:noFill/>
+        </p:spPr>
+        <p:txBody>
+          <a:bodyPr wrap="square" rtlCol="0">
+            <a:spAutoFit/>
+          </a:bodyPr>
+          <a:lstStyle/>
+          <a:p>
+            <a:r>
+              <a:rPr lang="en-US" dirty="0"/>
+              <a:t>a</a:t>
+            </a:r>
+          </a:p>
+        </p:txBody>
+      </p:sp>
+      <p:sp>
+        <p:nvSpPr>
+          <p:cNvPr id="24" name="TextBox 23">
+            <a:extLst>
+              <a:ext uri="{FF2B5EF4-FFF2-40B4-BE49-F238E27FC236}">
+                <a16:creationId xmlns:a16="http://schemas.microsoft.com/office/drawing/2014/main" id="{077A33B0-072D-4C9D-8C1E-02892B77C54E}"/>
+              </a:ext>
+            </a:extLst>
+          </p:cNvPr>
+          <p:cNvSpPr txBox="1"/>
+          <p:nvPr/>
+        </p:nvSpPr>
+        <p:spPr>
+          <a:xfrm>
+            <a:off x="5442320" y="4703848"/>
+            <a:ext cx="317716" cy="369332"/>
+          </a:xfrm>
+          <a:prstGeom prst="rect">
+            <a:avLst/>
+          </a:prstGeom>
+          <a:noFill/>
+        </p:spPr>
+        <p:txBody>
+          <a:bodyPr wrap="none" rtlCol="0">
+            <a:spAutoFit/>
+          </a:bodyPr>
+          <a:lstStyle/>
+          <a:p>
+            <a:r>
+              <a:rPr lang="en-US" dirty="0"/>
+              <a:t>A</a:t>
+            </a:r>
+          </a:p>
+        </p:txBody>
+      </p:sp>
+      <p:cxnSp>
+        <p:nvCxnSpPr>
+          <p:cNvPr id="26" name="Straight Arrow Connector 25">
+            <a:extLst>
+              <a:ext uri="{FF2B5EF4-FFF2-40B4-BE49-F238E27FC236}">
+                <a16:creationId xmlns:a16="http://schemas.microsoft.com/office/drawing/2014/main" id="{E7008088-9D61-4EA7-AAD0-B15006D7CDA7}"/>
+              </a:ext>
+            </a:extLst>
+          </p:cNvPr>
+          <p:cNvCxnSpPr>
+            <a:cxnSpLocks/>
+            <a:endCxn id="24" idx="1"/>
+          </p:cNvCxnSpPr>
+          <p:nvPr/>
+        </p:nvCxnSpPr>
+        <p:spPr>
+          <a:xfrm>
+            <a:off x="3449832" y="4196504"/>
+            <a:ext cx="1992488" cy="692010"/>
+          </a:xfrm>
+          <a:prstGeom prst="straightConnector1">
+            <a:avLst/>
+          </a:prstGeom>
+          <a:ln w="63500">
+            <a:tailEnd type="triangle"/>
+          </a:ln>
+        </p:spPr>
+        <p:style>
+          <a:lnRef idx="1">
+            <a:schemeClr val="accent1"/>
+          </a:lnRef>
+          <a:fillRef idx="0">
+            <a:schemeClr val="accent1"/>
+          </a:fillRef>
+          <a:effectRef idx="0">
+            <a:schemeClr val="accent1"/>
+          </a:effectRef>
+          <a:fontRef idx="minor">
+            <a:schemeClr val="tx1"/>
+          </a:fontRef>
+        </p:style>
+      </p:cxnSp>
     </p:spTree>
     <p:extLst>
       <p:ext uri="{BB962C8B-B14F-4D97-AF65-F5344CB8AC3E}">
-        <p14:creationId xmlns:p14="http://schemas.microsoft.com/office/powerpoint/2010/main" val="3211013152"/>
+        <p14:creationId xmlns:p14="http://schemas.microsoft.com/office/powerpoint/2010/main" val="3233401818"/>
       </p:ext>
     </p:extLst>
   </p:cSld>
@@ -15177,7 +16237,7 @@
           <p:cNvPr id="2" name="Title 1">
             <a:extLst>
               <a:ext uri="{FF2B5EF4-FFF2-40B4-BE49-F238E27FC236}">
-                <a16:creationId xmlns:a16="http://schemas.microsoft.com/office/drawing/2014/main" id="{0DCEE41F-2731-49E9-80CD-8AF9BDA5A9F8}"/>
+                <a16:creationId xmlns:a16="http://schemas.microsoft.com/office/drawing/2014/main" id="{836D11B0-53D4-4889-A146-E15C635596B8}"/>
               </a:ext>
             </a:extLst>
           </p:cNvPr>
@@ -15194,8 +16254,8 @@
           <a:lstStyle/>
           <a:p>
             <a:r>
-              <a:rPr lang="en-US" noProof="0" dirty="0"/>
-              <a:t>Named Constants</a:t>
+              <a:rPr lang="en-US" sz="3400" dirty="0"/>
+              <a:t>Declaring and Initializing in One Step</a:t>
             </a:r>
           </a:p>
         </p:txBody>
@@ -15205,7 +16265,7 @@
           <p:cNvPr id="3" name="Content Placeholder 2">
             <a:extLst>
               <a:ext uri="{FF2B5EF4-FFF2-40B4-BE49-F238E27FC236}">
-                <a16:creationId xmlns:a16="http://schemas.microsoft.com/office/drawing/2014/main" id="{410E1A43-2301-401C-AF2A-8DD32CDE7B30}"/>
+                <a16:creationId xmlns:a16="http://schemas.microsoft.com/office/drawing/2014/main" id="{426CC454-F36A-41CB-98D8-E703250E324C}"/>
               </a:ext>
             </a:extLst>
           </p:cNvPr>
@@ -15219,47 +16279,13 @@
         <p:spPr>
           <a:xfrm>
             <a:off x="1981201" y="1554921"/>
-            <a:ext cx="8232775" cy="1736920"/>
+            <a:ext cx="8232775" cy="1189868"/>
           </a:xfrm>
         </p:spPr>
         <p:txBody>
           <a:bodyPr/>
           <a:lstStyle/>
           <a:p>
-            <a:pPr marL="432" indent="0">
-              <a:buNone/>
-            </a:pPr>
-            <a:r>
-              <a:rPr lang="en-US" b="1" noProof="0" dirty="0">
-                <a:latin typeface="Courier New" panose="02070309020205020404" pitchFamily="49" charset="0"/>
-                <a:cs typeface="Courier New" panose="02070309020205020404" pitchFamily="49" charset="0"/>
-              </a:rPr>
-              <a:t>final datatype CONSTANTNAME = VALUE;</a:t>
-            </a:r>
-          </a:p>
-          <a:p>
-            <a:pPr marL="432" indent="0">
-              <a:buNone/>
-            </a:pPr>
-            <a:r>
-              <a:rPr lang="en-US" b="1" noProof="0" dirty="0">
-                <a:latin typeface="Courier New" panose="02070309020205020404" pitchFamily="49" charset="0"/>
-                <a:cs typeface="Courier New" panose="02070309020205020404" pitchFamily="49" charset="0"/>
-              </a:rPr>
-              <a:t>final double PI = 3.14159;</a:t>
-            </a:r>
-          </a:p>
-          <a:p>
-            <a:pPr marL="432" indent="0">
-              <a:buNone/>
-            </a:pPr>
-            <a:r>
-              <a:rPr lang="en-US" b="1" noProof="0" dirty="0">
-                <a:latin typeface="Courier New" panose="02070309020205020404" pitchFamily="49" charset="0"/>
-                <a:cs typeface="Courier New" panose="02070309020205020404" pitchFamily="49" charset="0"/>
-              </a:rPr>
-              <a:t>final </a:t>
-            </a:r>
             <a:r>
               <a:rPr lang="en-US" b="1" noProof="0" dirty="0" err="1">
                 <a:latin typeface="Courier New" panose="02070309020205020404" pitchFamily="49" charset="0"/>
@@ -15272,7 +16298,16 @@
                 <a:latin typeface="Courier New" panose="02070309020205020404" pitchFamily="49" charset="0"/>
                 <a:cs typeface="Courier New" panose="02070309020205020404" pitchFamily="49" charset="0"/>
               </a:rPr>
-              <a:t> SIZE = 3;</a:t>
+              <a:t> x = 1;</a:t>
+            </a:r>
+          </a:p>
+          <a:p>
+            <a:r>
+              <a:rPr lang="en-US" b="1" noProof="0" dirty="0">
+                <a:latin typeface="Courier New" panose="02070309020205020404" pitchFamily="49" charset="0"/>
+                <a:cs typeface="Courier New" panose="02070309020205020404" pitchFamily="49" charset="0"/>
+              </a:rPr>
+              <a:t>double d = 1.4;</a:t>
             </a:r>
           </a:p>
         </p:txBody>
@@ -15280,7 +16315,7 @@
     </p:spTree>
     <p:extLst>
       <p:ext uri="{BB962C8B-B14F-4D97-AF65-F5344CB8AC3E}">
-        <p14:creationId xmlns:p14="http://schemas.microsoft.com/office/powerpoint/2010/main" val="1714180781"/>
+        <p14:creationId xmlns:p14="http://schemas.microsoft.com/office/powerpoint/2010/main" val="3211013152"/>
       </p:ext>
     </p:extLst>
   </p:cSld>
@@ -15312,7 +16347,7 @@
           <p:cNvPr id="2" name="Title 1">
             <a:extLst>
               <a:ext uri="{FF2B5EF4-FFF2-40B4-BE49-F238E27FC236}">
-                <a16:creationId xmlns:a16="http://schemas.microsoft.com/office/drawing/2014/main" id="{7957755B-C84D-4E07-84DF-F2AC1A3DC791}"/>
+                <a16:creationId xmlns:a16="http://schemas.microsoft.com/office/drawing/2014/main" id="{0DCEE41F-2731-49E9-80CD-8AF9BDA5A9F8}"/>
               </a:ext>
             </a:extLst>
           </p:cNvPr>
@@ -15330,13 +16365,8 @@
           <a:p>
             <a:r>
               <a:rPr lang="en-US" noProof="0" dirty="0"/>
-              <a:t>Naming Conventions </a:t>
-            </a:r>
-            <a:r>
-              <a:rPr lang="en-US" sz="2000" b="0" dirty="0"/>
-              <a:t>(1 of 2)</a:t>
-            </a:r>
-            <a:endParaRPr lang="en-US" b="0" noProof="0" dirty="0"/>
+              <a:t>Named Constants</a:t>
+            </a:r>
           </a:p>
         </p:txBody>
       </p:sp>
@@ -15345,7 +16375,7 @@
           <p:cNvPr id="3" name="Content Placeholder 2">
             <a:extLst>
               <a:ext uri="{FF2B5EF4-FFF2-40B4-BE49-F238E27FC236}">
-                <a16:creationId xmlns:a16="http://schemas.microsoft.com/office/drawing/2014/main" id="{5BFD2A6E-5E40-425D-A8D0-EC7BEC810CC7}"/>
+                <a16:creationId xmlns:a16="http://schemas.microsoft.com/office/drawing/2014/main" id="{410E1A43-2301-401C-AF2A-8DD32CDE7B30}"/>
               </a:ext>
             </a:extLst>
           </p:cNvPr>
@@ -15358,63 +16388,61 @@
         </p:nvSpPr>
         <p:spPr>
           <a:xfrm>
-            <a:off x="1981200" y="1554921"/>
-            <a:ext cx="7833360" cy="3443800"/>
+            <a:off x="1981201" y="1554921"/>
+            <a:ext cx="8232775" cy="1736920"/>
           </a:xfrm>
         </p:spPr>
         <p:txBody>
           <a:bodyPr/>
           <a:lstStyle/>
           <a:p>
-            <a:r>
-              <a:rPr lang="en-US" noProof="0" dirty="0"/>
-              <a:t>Choose meaningful and descriptive names.</a:t>
-            </a:r>
-          </a:p>
-          <a:p>
-            <a:r>
-              <a:rPr lang="en-US" noProof="0" dirty="0"/>
-              <a:t>Variables and method names:</a:t>
-            </a:r>
-          </a:p>
-          <a:p>
-            <a:pPr lvl="1"/>
-            <a:r>
-              <a:rPr lang="en-US" noProof="0" dirty="0"/>
-              <a:t>Use lowercase. If the name consists of several words, concatenate all in one, use lowercase for the first word, and capitalize the first letter of each subsequent word in the name. For example, the variables </a:t>
-            </a:r>
-            <a:r>
-              <a:rPr lang="en-US" noProof="0" dirty="0">
+            <a:pPr marL="432" indent="0">
+              <a:buNone/>
+            </a:pPr>
+            <a:r>
+              <a:rPr lang="en-US" b="1" noProof="0" dirty="0">
                 <a:latin typeface="Courier New" panose="02070309020205020404" pitchFamily="49" charset="0"/>
                 <a:cs typeface="Courier New" panose="02070309020205020404" pitchFamily="49" charset="0"/>
               </a:rPr>
-              <a:t>radius</a:t>
-            </a:r>
-            <a:r>
-              <a:rPr lang="en-US" noProof="0" dirty="0"/>
-              <a:t> and </a:t>
-            </a:r>
-            <a:r>
-              <a:rPr lang="en-US" noProof="0" dirty="0">
+              <a:t>final datatype CONSTANTNAME = VALUE;</a:t>
+            </a:r>
+          </a:p>
+          <a:p>
+            <a:pPr marL="432" indent="0">
+              <a:buNone/>
+            </a:pPr>
+            <a:r>
+              <a:rPr lang="en-US" b="1" noProof="0" dirty="0">
                 <a:latin typeface="Courier New" panose="02070309020205020404" pitchFamily="49" charset="0"/>
                 <a:cs typeface="Courier New" panose="02070309020205020404" pitchFamily="49" charset="0"/>
               </a:rPr>
-              <a:t>area</a:t>
-            </a:r>
-            <a:r>
-              <a:rPr lang="en-US" noProof="0" dirty="0"/>
-              <a:t>, and the method </a:t>
-            </a:r>
-            <a:r>
-              <a:rPr lang="en-US" noProof="0" dirty="0" err="1">
+              <a:t>final double PI = 3.14159;</a:t>
+            </a:r>
+          </a:p>
+          <a:p>
+            <a:pPr marL="432" indent="0">
+              <a:buNone/>
+            </a:pPr>
+            <a:r>
+              <a:rPr lang="en-US" b="1" noProof="0" dirty="0">
                 <a:latin typeface="Courier New" panose="02070309020205020404" pitchFamily="49" charset="0"/>
                 <a:cs typeface="Courier New" panose="02070309020205020404" pitchFamily="49" charset="0"/>
               </a:rPr>
-              <a:t>computeArea</a:t>
-            </a:r>
-            <a:r>
-              <a:rPr lang="en-US" noProof="0" dirty="0"/>
-              <a:t>.</a:t>
+              <a:t>final </a:t>
+            </a:r>
+            <a:r>
+              <a:rPr lang="en-US" b="1" noProof="0" dirty="0" err="1">
+                <a:latin typeface="Courier New" panose="02070309020205020404" pitchFamily="49" charset="0"/>
+                <a:cs typeface="Courier New" panose="02070309020205020404" pitchFamily="49" charset="0"/>
+              </a:rPr>
+              <a:t>int</a:t>
+            </a:r>
+            <a:r>
+              <a:rPr lang="en-US" b="1" noProof="0" dirty="0">
+                <a:latin typeface="Courier New" panose="02070309020205020404" pitchFamily="49" charset="0"/>
+                <a:cs typeface="Courier New" panose="02070309020205020404" pitchFamily="49" charset="0"/>
+              </a:rPr>
+              <a:t> SIZE = 3;</a:t>
             </a:r>
           </a:p>
         </p:txBody>
@@ -15422,7 +16450,7 @@
     </p:spTree>
     <p:extLst>
       <p:ext uri="{BB962C8B-B14F-4D97-AF65-F5344CB8AC3E}">
-        <p14:creationId xmlns:p14="http://schemas.microsoft.com/office/powerpoint/2010/main" val="3702780938"/>
+        <p14:creationId xmlns:p14="http://schemas.microsoft.com/office/powerpoint/2010/main" val="1714180781"/>
       </p:ext>
     </p:extLst>
   </p:cSld>
@@ -15454,7 +16482,7 @@
           <p:cNvPr id="2" name="Title 1">
             <a:extLst>
               <a:ext uri="{FF2B5EF4-FFF2-40B4-BE49-F238E27FC236}">
-                <a16:creationId xmlns:a16="http://schemas.microsoft.com/office/drawing/2014/main" id="{1E7DD62A-D91B-4D05-BE76-1254DE28A040}"/>
+                <a16:creationId xmlns:a16="http://schemas.microsoft.com/office/drawing/2014/main" id="{7957755B-C84D-4E07-84DF-F2AC1A3DC791}"/>
               </a:ext>
             </a:extLst>
           </p:cNvPr>
@@ -15476,7 +16504,7 @@
             </a:r>
             <a:r>
               <a:rPr lang="en-US" sz="2000" b="0" dirty="0"/>
-              <a:t>(2 of 2)</a:t>
+              <a:t>(1 of 2)</a:t>
             </a:r>
             <a:endParaRPr lang="en-US" b="0" noProof="0" dirty="0"/>
           </a:p>
@@ -15487,7 +16515,7 @@
           <p:cNvPr id="3" name="Content Placeholder 2">
             <a:extLst>
               <a:ext uri="{FF2B5EF4-FFF2-40B4-BE49-F238E27FC236}">
-                <a16:creationId xmlns:a16="http://schemas.microsoft.com/office/drawing/2014/main" id="{13B54DF8-A853-4AD0-9799-B78282583DE7}"/>
+                <a16:creationId xmlns:a16="http://schemas.microsoft.com/office/drawing/2014/main" id="{5BFD2A6E-5E40-425D-A8D0-EC7BEC810CC7}"/>
               </a:ext>
             </a:extLst>
           </p:cNvPr>
@@ -15500,8 +16528,8 @@
         </p:nvSpPr>
         <p:spPr>
           <a:xfrm>
-            <a:off x="1981201" y="1554921"/>
-            <a:ext cx="8232775" cy="3096000"/>
+            <a:off x="1981200" y="1554921"/>
+            <a:ext cx="7833360" cy="3443800"/>
           </a:xfrm>
         </p:spPr>
         <p:txBody>
@@ -15510,45 +16538,53 @@
           <a:p>
             <a:r>
               <a:rPr lang="en-US" noProof="0" dirty="0"/>
-              <a:t>Class names:</a:t>
+              <a:t>Choose meaningful and descriptive names.</a:t>
+            </a:r>
+          </a:p>
+          <a:p>
+            <a:r>
+              <a:rPr lang="en-US" noProof="0" dirty="0"/>
+              <a:t>Variables and method names:</a:t>
             </a:r>
           </a:p>
           <a:p>
             <a:pPr lvl="1"/>
             <a:r>
               <a:rPr lang="en-US" noProof="0" dirty="0"/>
-              <a:t>Capitalize the first letter of each word in the name. For example, the class name </a:t>
+              <a:t>Use lowercase. If the name consists of several words, concatenate all in one, use lowercase for the first word, and capitalize the first letter of each subsequent word in the name. For example, the variables </a:t>
+            </a:r>
+            <a:r>
+              <a:rPr lang="en-US" noProof="0" dirty="0">
+                <a:latin typeface="Courier New" panose="02070309020205020404" pitchFamily="49" charset="0"/>
+                <a:cs typeface="Courier New" panose="02070309020205020404" pitchFamily="49" charset="0"/>
+              </a:rPr>
+              <a:t>radius</a:t>
+            </a:r>
+            <a:r>
+              <a:rPr lang="en-US" noProof="0" dirty="0"/>
+              <a:t> and </a:t>
+            </a:r>
+            <a:r>
+              <a:rPr lang="en-US" noProof="0" dirty="0">
+                <a:latin typeface="Courier New" panose="02070309020205020404" pitchFamily="49" charset="0"/>
+                <a:cs typeface="Courier New" panose="02070309020205020404" pitchFamily="49" charset="0"/>
+              </a:rPr>
+              <a:t>area</a:t>
+            </a:r>
+            <a:r>
+              <a:rPr lang="en-US" noProof="0" dirty="0"/>
+              <a:t>, and the method </a:t>
             </a:r>
             <a:r>
               <a:rPr lang="en-US" noProof="0" dirty="0" err="1">
                 <a:latin typeface="Courier New" panose="02070309020205020404" pitchFamily="49" charset="0"/>
                 <a:cs typeface="Courier New" panose="02070309020205020404" pitchFamily="49" charset="0"/>
               </a:rPr>
-              <a:t>ComputeArea</a:t>
+              <a:t>computeArea</a:t>
             </a:r>
             <a:r>
               <a:rPr lang="en-US" noProof="0" dirty="0"/>
               <a:t>.</a:t>
-            </a:r>
-          </a:p>
-          <a:p>
-            <a:r>
-              <a:rPr lang="en-US" noProof="0" dirty="0"/>
-              <a:t>Constants:</a:t>
-            </a:r>
-          </a:p>
-          <a:p>
-            <a:pPr lvl="1"/>
-            <a:r>
-              <a:rPr lang="en-US" noProof="0" dirty="0"/>
-              <a:t>Capitalize all letters in constants, and use underscores to connect words. For example, the constant </a:t>
-            </a:r>
-            <a:r>
-              <a:rPr lang="en-US" noProof="0" dirty="0">
-                <a:latin typeface="Courier New" panose="02070309020205020404" pitchFamily="49" charset="0"/>
-                <a:cs typeface="Courier New" panose="02070309020205020404" pitchFamily="49" charset="0"/>
-              </a:rPr>
-              <a:t>PI and MAX_VALUE</a:t>
             </a:r>
           </a:p>
         </p:txBody>
@@ -15556,7 +16592,7 @@
     </p:spTree>
     <p:extLst>
       <p:ext uri="{BB962C8B-B14F-4D97-AF65-F5344CB8AC3E}">
-        <p14:creationId xmlns:p14="http://schemas.microsoft.com/office/powerpoint/2010/main" val="2732831943"/>
+        <p14:creationId xmlns:p14="http://schemas.microsoft.com/office/powerpoint/2010/main" val="3702780938"/>
       </p:ext>
     </p:extLst>
   </p:cSld>
@@ -15585,6 +16621,140 @@
       </p:grpSpPr>
       <p:sp>
         <p:nvSpPr>
+          <p:cNvPr id="2" name="Title 1">
+            <a:extLst>
+              <a:ext uri="{FF2B5EF4-FFF2-40B4-BE49-F238E27FC236}">
+                <a16:creationId xmlns:a16="http://schemas.microsoft.com/office/drawing/2014/main" id="{1E7DD62A-D91B-4D05-BE76-1254DE28A040}"/>
+              </a:ext>
+            </a:extLst>
+          </p:cNvPr>
+          <p:cNvSpPr>
+            <a:spLocks noGrp="1"/>
+          </p:cNvSpPr>
+          <p:nvPr>
+            <p:ph type="title"/>
+          </p:nvPr>
+        </p:nvSpPr>
+        <p:spPr/>
+        <p:txBody>
+          <a:bodyPr/>
+          <a:lstStyle/>
+          <a:p>
+            <a:r>
+              <a:rPr lang="en-US" noProof="0" dirty="0"/>
+              <a:t>Naming Conventions </a:t>
+            </a:r>
+            <a:r>
+              <a:rPr lang="en-US" sz="2000" b="0" dirty="0"/>
+              <a:t>(2 of 2)</a:t>
+            </a:r>
+            <a:endParaRPr lang="en-US" b="0" noProof="0" dirty="0"/>
+          </a:p>
+        </p:txBody>
+      </p:sp>
+      <p:sp>
+        <p:nvSpPr>
+          <p:cNvPr id="3" name="Content Placeholder 2">
+            <a:extLst>
+              <a:ext uri="{FF2B5EF4-FFF2-40B4-BE49-F238E27FC236}">
+                <a16:creationId xmlns:a16="http://schemas.microsoft.com/office/drawing/2014/main" id="{13B54DF8-A853-4AD0-9799-B78282583DE7}"/>
+              </a:ext>
+            </a:extLst>
+          </p:cNvPr>
+          <p:cNvSpPr>
+            <a:spLocks noGrp="1"/>
+          </p:cNvSpPr>
+          <p:nvPr>
+            <p:ph sz="quarter" idx="13"/>
+          </p:nvPr>
+        </p:nvSpPr>
+        <p:spPr>
+          <a:xfrm>
+            <a:off x="1981201" y="1554921"/>
+            <a:ext cx="8232775" cy="3096000"/>
+          </a:xfrm>
+        </p:spPr>
+        <p:txBody>
+          <a:bodyPr/>
+          <a:lstStyle/>
+          <a:p>
+            <a:r>
+              <a:rPr lang="en-US" noProof="0" dirty="0"/>
+              <a:t>Class names:</a:t>
+            </a:r>
+          </a:p>
+          <a:p>
+            <a:pPr lvl="1"/>
+            <a:r>
+              <a:rPr lang="en-US" noProof="0" dirty="0"/>
+              <a:t>Capitalize the first letter of each word in the name. For example, the class name </a:t>
+            </a:r>
+            <a:r>
+              <a:rPr lang="en-US" noProof="0" dirty="0" err="1">
+                <a:latin typeface="Courier New" panose="02070309020205020404" pitchFamily="49" charset="0"/>
+                <a:cs typeface="Courier New" panose="02070309020205020404" pitchFamily="49" charset="0"/>
+              </a:rPr>
+              <a:t>ComputeArea</a:t>
+            </a:r>
+            <a:r>
+              <a:rPr lang="en-US" noProof="0" dirty="0"/>
+              <a:t>.</a:t>
+            </a:r>
+          </a:p>
+          <a:p>
+            <a:r>
+              <a:rPr lang="en-US" noProof="0" dirty="0"/>
+              <a:t>Constants:</a:t>
+            </a:r>
+          </a:p>
+          <a:p>
+            <a:pPr lvl="1"/>
+            <a:r>
+              <a:rPr lang="en-US" noProof="0" dirty="0"/>
+              <a:t>Capitalize all letters in constants, and use underscores to connect words. For example, the constant </a:t>
+            </a:r>
+            <a:r>
+              <a:rPr lang="en-US" noProof="0" dirty="0">
+                <a:latin typeface="Courier New" panose="02070309020205020404" pitchFamily="49" charset="0"/>
+                <a:cs typeface="Courier New" panose="02070309020205020404" pitchFamily="49" charset="0"/>
+              </a:rPr>
+              <a:t>PI and MAX_VALUE</a:t>
+            </a:r>
+          </a:p>
+        </p:txBody>
+      </p:sp>
+    </p:spTree>
+    <p:extLst>
+      <p:ext uri="{BB962C8B-B14F-4D97-AF65-F5344CB8AC3E}">
+        <p14:creationId xmlns:p14="http://schemas.microsoft.com/office/powerpoint/2010/main" val="2732831943"/>
+      </p:ext>
+    </p:extLst>
+  </p:cSld>
+  <p:clrMapOvr>
+    <a:masterClrMapping/>
+  </p:clrMapOvr>
+</p:sld>
+</file>
+
+<file path=ppt/slides/slide17.xml><?xml version="1.0" encoding="utf-8"?>
+<p:sld xmlns:a="http://schemas.openxmlformats.org/drawingml/2006/main" xmlns:r="http://schemas.openxmlformats.org/officeDocument/2006/relationships" xmlns:p="http://schemas.openxmlformats.org/presentationml/2006/main">
+  <p:cSld>
+    <p:spTree>
+      <p:nvGrpSpPr>
+        <p:cNvPr id="1" name=""/>
+        <p:cNvGrpSpPr/>
+        <p:nvPr/>
+      </p:nvGrpSpPr>
+      <p:grpSpPr>
+        <a:xfrm>
+          <a:off x="0" y="0"/>
+          <a:ext cx="0" cy="0"/>
+          <a:chOff x="0" y="0"/>
+          <a:chExt cx="0" cy="0"/>
+        </a:xfrm>
+      </p:grpSpPr>
+      <p:sp>
+        <p:nvSpPr>
           <p:cNvPr id="13314" name="Slide Number Placeholder 4"/>
           <p:cNvSpPr>
             <a:spLocks noGrp="1"/>
@@ -15781,7 +16951,7 @@
                 <a:buFontTx/>
                 <a:buNone/>
               </a:pPr>
-              <a:t>16</a:t>
+              <a:t>17</a:t>
             </a:fld>
             <a:endParaRPr lang="en-US" altLang="en-US" sz="1400"/>
           </a:p>
@@ -16272,7 +17442,7 @@
           <a:graphicData uri="http://schemas.openxmlformats.org/presentationml/2006/ole">
             <mc:AlternateContent xmlns:mc="http://schemas.openxmlformats.org/markup-compatibility/2006">
               <mc:Choice xmlns:v="urn:schemas-microsoft-com:vml" Requires="v">
-                <p:oleObj spid="_x0000_s1030" name="Picture" r:id="rId4" imgW="5295900" imgH="2552700" progId="Word.Picture.8">
+                <p:oleObj spid="_x0000_s1034" name="Picture" r:id="rId4" imgW="5295900" imgH="2552700" progId="Word.Picture.8">
                   <p:embed/>
                 </p:oleObj>
               </mc:Choice>
@@ -16353,184 +17523,6 @@
 </p:sld>
 </file>
 
-<file path=ppt/slides/slide17.xml><?xml version="1.0" encoding="utf-8"?>
-<p:sld xmlns:a="http://schemas.openxmlformats.org/drawingml/2006/main" xmlns:r="http://schemas.openxmlformats.org/officeDocument/2006/relationships" xmlns:p="http://schemas.openxmlformats.org/presentationml/2006/main">
-  <p:cSld>
-    <p:spTree>
-      <p:nvGrpSpPr>
-        <p:cNvPr id="1" name=""/>
-        <p:cNvGrpSpPr/>
-        <p:nvPr/>
-      </p:nvGrpSpPr>
-      <p:grpSpPr>
-        <a:xfrm>
-          <a:off x="0" y="0"/>
-          <a:ext cx="0" cy="0"/>
-          <a:chOff x="0" y="0"/>
-          <a:chExt cx="0" cy="0"/>
-        </a:xfrm>
-      </p:grpSpPr>
-      <p:sp>
-        <p:nvSpPr>
-          <p:cNvPr id="2" name="Title 1">
-            <a:extLst>
-              <a:ext uri="{FF2B5EF4-FFF2-40B4-BE49-F238E27FC236}">
-                <a16:creationId xmlns:a16="http://schemas.microsoft.com/office/drawing/2014/main" id="{C7759D71-F07E-4EEE-BC86-1A00C35890A1}"/>
-              </a:ext>
-            </a:extLst>
-          </p:cNvPr>
-          <p:cNvSpPr>
-            <a:spLocks noGrp="1"/>
-          </p:cNvSpPr>
-          <p:nvPr>
-            <p:ph type="title"/>
-          </p:nvPr>
-        </p:nvSpPr>
-        <p:spPr/>
-        <p:txBody>
-          <a:bodyPr/>
-          <a:lstStyle/>
-          <a:p>
-            <a:r>
-              <a:rPr lang="en-US" sz="3200" dirty="0"/>
-              <a:t>Opening Problem</a:t>
-            </a:r>
-          </a:p>
-        </p:txBody>
-      </p:sp>
-      <p:sp>
-        <p:nvSpPr>
-          <p:cNvPr id="11" name="Content Placeholder 10"/>
-          <p:cNvSpPr>
-            <a:spLocks noGrp="1"/>
-          </p:cNvSpPr>
-          <p:nvPr>
-            <p:ph sz="quarter" idx="13"/>
-          </p:nvPr>
-        </p:nvSpPr>
-        <p:spPr>
-          <a:xfrm>
-            <a:off x="1981200" y="1552575"/>
-            <a:ext cx="8229600" cy="1116000"/>
-          </a:xfrm>
-        </p:spPr>
-        <p:txBody>
-          <a:bodyPr/>
-          <a:lstStyle/>
-          <a:p>
-            <a:pPr marL="432" indent="0">
-              <a:buNone/>
-            </a:pPr>
-            <a:r>
-              <a:rPr lang="en-US" noProof="0" dirty="0"/>
-              <a:t>Listing 2.1 Computing the Area of a Circle</a:t>
-            </a:r>
-          </a:p>
-          <a:p>
-            <a:pPr marL="432" indent="0">
-              <a:buNone/>
-            </a:pPr>
-            <a:r>
-              <a:rPr lang="en-US" noProof="0" dirty="0"/>
-              <a:t>This program computes the area of the circle with radius 20.</a:t>
-            </a:r>
-          </a:p>
-        </p:txBody>
-      </p:sp>
-      <p:sp>
-        <p:nvSpPr>
-          <p:cNvPr id="13" name="Text Placeholder 12"/>
-          <p:cNvSpPr>
-            <a:spLocks noGrp="1"/>
-          </p:cNvSpPr>
-          <p:nvPr>
-            <p:ph type="body" sz="quarter" idx="15"/>
-          </p:nvPr>
-        </p:nvSpPr>
-        <p:spPr>
-          <a:xfrm>
-            <a:off x="1981200" y="3343354"/>
-            <a:ext cx="2286000" cy="601550"/>
-          </a:xfrm>
-        </p:spPr>
-        <p:txBody>
-          <a:bodyPr/>
-          <a:lstStyle/>
-          <a:p>
-            <a:pPr marL="432" indent="0">
-              <a:buNone/>
-            </a:pPr>
-            <a:r>
-              <a:rPr lang="en-US" sz="2400" dirty="0" err="1">
-                <a:hlinkClick r:id="rId3" tooltip="https://liveexample.pearsoncmg.com/html/ComputeArea.html"/>
-              </a:rPr>
-              <a:t>ComputeArea</a:t>
-            </a:r>
-            <a:endParaRPr lang="en-US" sz="2400" dirty="0"/>
-          </a:p>
-        </p:txBody>
-      </p:sp>
-      <p:sp>
-        <p:nvSpPr>
-          <p:cNvPr id="14" name="Content Placeholder 13"/>
-          <p:cNvSpPr>
-            <a:spLocks noGrp="1"/>
-          </p:cNvSpPr>
-          <p:nvPr>
-            <p:ph sz="quarter" idx="16"/>
-          </p:nvPr>
-        </p:nvSpPr>
-        <p:spPr>
-          <a:xfrm>
-            <a:off x="4533610" y="3308594"/>
-            <a:ext cx="5651067" cy="1996831"/>
-          </a:xfrm>
-        </p:spPr>
-        <p:txBody>
-          <a:bodyPr/>
-          <a:lstStyle/>
-          <a:p>
-            <a:pPr marL="457632" indent="-457200">
-              <a:buAutoNum type="arabicParenR"/>
-            </a:pPr>
-            <a:r>
-              <a:rPr lang="en-US" sz="2400" dirty="0"/>
-              <a:t>radius = 20</a:t>
-            </a:r>
-          </a:p>
-          <a:p>
-            <a:pPr marL="457632" indent="-457200">
-              <a:buAutoNum type="arabicParenR"/>
-            </a:pPr>
-            <a:r>
-              <a:rPr lang="en-US" sz="2400" dirty="0"/>
-              <a:t>area = radius * radius * 3.14159</a:t>
-            </a:r>
-          </a:p>
-          <a:p>
-            <a:pPr marL="457632" indent="-457200">
-              <a:buAutoNum type="arabicParenR"/>
-            </a:pPr>
-            <a:r>
-              <a:rPr lang="en-US" sz="2400" dirty="0"/>
-              <a:t>Print area</a:t>
-            </a:r>
-          </a:p>
-        </p:txBody>
-      </p:sp>
-    </p:spTree>
-    <p:extLst>
-      <p:ext uri="{BB962C8B-B14F-4D97-AF65-F5344CB8AC3E}">
-        <p14:creationId xmlns:p14="http://schemas.microsoft.com/office/powerpoint/2010/main" val="3813154128"/>
-      </p:ext>
-    </p:extLst>
-  </p:cSld>
-  <p:clrMapOvr>
-    <a:masterClrMapping/>
-  </p:clrMapOvr>
-</p:sld>
-</file>
-
 <file path=ppt/slides/slide18.xml><?xml version="1.0" encoding="utf-8"?>
 <p:sld xmlns:a="http://schemas.openxmlformats.org/drawingml/2006/main" xmlns:r="http://schemas.openxmlformats.org/officeDocument/2006/relationships" xmlns:p="http://schemas.openxmlformats.org/presentationml/2006/main">
   <p:cSld>
@@ -16550,6 +17542,184 @@
       </p:grpSpPr>
       <p:sp>
         <p:nvSpPr>
+          <p:cNvPr id="2" name="Title 1">
+            <a:extLst>
+              <a:ext uri="{FF2B5EF4-FFF2-40B4-BE49-F238E27FC236}">
+                <a16:creationId xmlns:a16="http://schemas.microsoft.com/office/drawing/2014/main" id="{C7759D71-F07E-4EEE-BC86-1A00C35890A1}"/>
+              </a:ext>
+            </a:extLst>
+          </p:cNvPr>
+          <p:cNvSpPr>
+            <a:spLocks noGrp="1"/>
+          </p:cNvSpPr>
+          <p:nvPr>
+            <p:ph type="title"/>
+          </p:nvPr>
+        </p:nvSpPr>
+        <p:spPr/>
+        <p:txBody>
+          <a:bodyPr/>
+          <a:lstStyle/>
+          <a:p>
+            <a:r>
+              <a:rPr lang="en-US" sz="3200" dirty="0"/>
+              <a:t>Opening Problem</a:t>
+            </a:r>
+          </a:p>
+        </p:txBody>
+      </p:sp>
+      <p:sp>
+        <p:nvSpPr>
+          <p:cNvPr id="11" name="Content Placeholder 10"/>
+          <p:cNvSpPr>
+            <a:spLocks noGrp="1"/>
+          </p:cNvSpPr>
+          <p:nvPr>
+            <p:ph sz="quarter" idx="13"/>
+          </p:nvPr>
+        </p:nvSpPr>
+        <p:spPr>
+          <a:xfrm>
+            <a:off x="1981200" y="1552575"/>
+            <a:ext cx="8229600" cy="1116000"/>
+          </a:xfrm>
+        </p:spPr>
+        <p:txBody>
+          <a:bodyPr/>
+          <a:lstStyle/>
+          <a:p>
+            <a:pPr marL="432" indent="0">
+              <a:buNone/>
+            </a:pPr>
+            <a:r>
+              <a:rPr lang="en-US" noProof="0" dirty="0"/>
+              <a:t>Listing 2.1 Computing the Area of a Circle</a:t>
+            </a:r>
+          </a:p>
+          <a:p>
+            <a:pPr marL="432" indent="0">
+              <a:buNone/>
+            </a:pPr>
+            <a:r>
+              <a:rPr lang="en-US" noProof="0" dirty="0"/>
+              <a:t>This program computes the area of the circle with radius 20.</a:t>
+            </a:r>
+          </a:p>
+        </p:txBody>
+      </p:sp>
+      <p:sp>
+        <p:nvSpPr>
+          <p:cNvPr id="13" name="Text Placeholder 12"/>
+          <p:cNvSpPr>
+            <a:spLocks noGrp="1"/>
+          </p:cNvSpPr>
+          <p:nvPr>
+            <p:ph type="body" sz="quarter" idx="15"/>
+          </p:nvPr>
+        </p:nvSpPr>
+        <p:spPr>
+          <a:xfrm>
+            <a:off x="1981200" y="3343354"/>
+            <a:ext cx="2286000" cy="601550"/>
+          </a:xfrm>
+        </p:spPr>
+        <p:txBody>
+          <a:bodyPr/>
+          <a:lstStyle/>
+          <a:p>
+            <a:pPr marL="432" indent="0">
+              <a:buNone/>
+            </a:pPr>
+            <a:r>
+              <a:rPr lang="en-US" sz="2400" dirty="0" err="1">
+                <a:hlinkClick r:id="rId3" tooltip="https://liveexample.pearsoncmg.com/html/ComputeArea.html"/>
+              </a:rPr>
+              <a:t>ComputeArea</a:t>
+            </a:r>
+            <a:endParaRPr lang="en-US" sz="2400" dirty="0"/>
+          </a:p>
+        </p:txBody>
+      </p:sp>
+      <p:sp>
+        <p:nvSpPr>
+          <p:cNvPr id="14" name="Content Placeholder 13"/>
+          <p:cNvSpPr>
+            <a:spLocks noGrp="1"/>
+          </p:cNvSpPr>
+          <p:nvPr>
+            <p:ph sz="quarter" idx="16"/>
+          </p:nvPr>
+        </p:nvSpPr>
+        <p:spPr>
+          <a:xfrm>
+            <a:off x="4533610" y="3308594"/>
+            <a:ext cx="5651067" cy="1996831"/>
+          </a:xfrm>
+        </p:spPr>
+        <p:txBody>
+          <a:bodyPr/>
+          <a:lstStyle/>
+          <a:p>
+            <a:pPr marL="457632" indent="-457200">
+              <a:buAutoNum type="arabicParenR"/>
+            </a:pPr>
+            <a:r>
+              <a:rPr lang="en-US" sz="2400" dirty="0"/>
+              <a:t>radius = 20</a:t>
+            </a:r>
+          </a:p>
+          <a:p>
+            <a:pPr marL="457632" indent="-457200">
+              <a:buAutoNum type="arabicParenR"/>
+            </a:pPr>
+            <a:r>
+              <a:rPr lang="en-US" sz="2400" dirty="0"/>
+              <a:t>area = radius * radius * 3.14159</a:t>
+            </a:r>
+          </a:p>
+          <a:p>
+            <a:pPr marL="457632" indent="-457200">
+              <a:buAutoNum type="arabicParenR"/>
+            </a:pPr>
+            <a:r>
+              <a:rPr lang="en-US" sz="2400" dirty="0"/>
+              <a:t>Print area</a:t>
+            </a:r>
+          </a:p>
+        </p:txBody>
+      </p:sp>
+    </p:spTree>
+    <p:extLst>
+      <p:ext uri="{BB962C8B-B14F-4D97-AF65-F5344CB8AC3E}">
+        <p14:creationId xmlns:p14="http://schemas.microsoft.com/office/powerpoint/2010/main" val="3813154128"/>
+      </p:ext>
+    </p:extLst>
+  </p:cSld>
+  <p:clrMapOvr>
+    <a:masterClrMapping/>
+  </p:clrMapOvr>
+</p:sld>
+</file>
+
+<file path=ppt/slides/slide19.xml><?xml version="1.0" encoding="utf-8"?>
+<p:sld xmlns:a="http://schemas.openxmlformats.org/drawingml/2006/main" xmlns:r="http://schemas.openxmlformats.org/officeDocument/2006/relationships" xmlns:p="http://schemas.openxmlformats.org/presentationml/2006/main">
+  <p:cSld>
+    <p:spTree>
+      <p:nvGrpSpPr>
+        <p:cNvPr id="1" name=""/>
+        <p:cNvGrpSpPr/>
+        <p:nvPr/>
+      </p:nvGrpSpPr>
+      <p:grpSpPr>
+        <a:xfrm>
+          <a:off x="0" y="0"/>
+          <a:ext cx="0" cy="0"/>
+          <a:chOff x="0" y="0"/>
+          <a:chExt cx="0" cy="0"/>
+        </a:xfrm>
+      </p:grpSpPr>
+      <p:sp>
+        <p:nvSpPr>
           <p:cNvPr id="14338" name="Slide Number Placeholder 4"/>
           <p:cNvSpPr>
             <a:spLocks noGrp="1"/>
@@ -16746,7 +17916,7 @@
                 <a:buFontTx/>
                 <a:buNone/>
               </a:pPr>
-              <a:t>18</a:t>
+              <a:t>19</a:t>
             </a:fld>
             <a:endParaRPr lang="en-US" altLang="en-US" sz="1400"/>
           </a:p>
@@ -17291,7 +18461,7 @@
           <a:graphicData uri="http://schemas.openxmlformats.org/presentationml/2006/ole">
             <mc:AlternateContent xmlns:mc="http://schemas.openxmlformats.org/markup-compatibility/2006">
               <mc:Choice xmlns:v="urn:schemas-microsoft-com:vml" Requires="v">
-                <p:oleObj spid="_x0000_s2054" name="Picture" r:id="rId4" imgW="3251200" imgH="1765300" progId="Word.Picture.8">
+                <p:oleObj spid="_x0000_s2058" name="Picture" r:id="rId4" imgW="3251200" imgH="1765300" progId="Word.Picture.8">
                   <p:embed/>
                 </p:oleObj>
               </mc:Choice>
@@ -17372,142 +18542,6 @@
 </p:sld>
 </file>
 
-<file path=ppt/slides/slide19.xml><?xml version="1.0" encoding="utf-8"?>
-<p:sld xmlns:a="http://schemas.openxmlformats.org/drawingml/2006/main" xmlns:r="http://schemas.openxmlformats.org/officeDocument/2006/relationships" xmlns:p="http://schemas.openxmlformats.org/presentationml/2006/main">
-  <p:cSld>
-    <p:spTree>
-      <p:nvGrpSpPr>
-        <p:cNvPr id="1" name=""/>
-        <p:cNvGrpSpPr/>
-        <p:nvPr/>
-      </p:nvGrpSpPr>
-      <p:grpSpPr>
-        <a:xfrm>
-          <a:off x="0" y="0"/>
-          <a:ext cx="0" cy="0"/>
-          <a:chOff x="0" y="0"/>
-          <a:chExt cx="0" cy="0"/>
-        </a:xfrm>
-      </p:grpSpPr>
-      <p:sp>
-        <p:nvSpPr>
-          <p:cNvPr id="2" name="Title 1">
-            <a:extLst>
-              <a:ext uri="{FF2B5EF4-FFF2-40B4-BE49-F238E27FC236}">
-                <a16:creationId xmlns:a16="http://schemas.microsoft.com/office/drawing/2014/main" id="{C7759D71-F07E-4EEE-BC86-1A00C35890A1}"/>
-              </a:ext>
-            </a:extLst>
-          </p:cNvPr>
-          <p:cNvSpPr>
-            <a:spLocks noGrp="1"/>
-          </p:cNvSpPr>
-          <p:nvPr>
-            <p:ph type="title"/>
-          </p:nvPr>
-        </p:nvSpPr>
-        <p:spPr/>
-        <p:txBody>
-          <a:bodyPr/>
-          <a:lstStyle/>
-          <a:p>
-            <a:r>
-              <a:rPr lang="en-US" sz="3200" dirty="0"/>
-              <a:t>Opening Problem (interactive)</a:t>
-            </a:r>
-          </a:p>
-        </p:txBody>
-      </p:sp>
-      <p:sp>
-        <p:nvSpPr>
-          <p:cNvPr id="11" name="Content Placeholder 10"/>
-          <p:cNvSpPr>
-            <a:spLocks noGrp="1"/>
-          </p:cNvSpPr>
-          <p:nvPr>
-            <p:ph sz="quarter" idx="13"/>
-          </p:nvPr>
-        </p:nvSpPr>
-        <p:spPr>
-          <a:xfrm>
-            <a:off x="1981200" y="1552575"/>
-            <a:ext cx="8229600" cy="1116000"/>
-          </a:xfrm>
-        </p:spPr>
-        <p:txBody>
-          <a:bodyPr/>
-          <a:lstStyle/>
-          <a:p>
-            <a:pPr marL="432" indent="0">
-              <a:buNone/>
-            </a:pPr>
-            <a:r>
-              <a:rPr lang="en-US" noProof="0" dirty="0"/>
-              <a:t>This program computes the area of the circle with a given radius.</a:t>
-            </a:r>
-          </a:p>
-        </p:txBody>
-      </p:sp>
-      <p:sp>
-        <p:nvSpPr>
-          <p:cNvPr id="14" name="Content Placeholder 13"/>
-          <p:cNvSpPr>
-            <a:spLocks noGrp="1"/>
-          </p:cNvSpPr>
-          <p:nvPr>
-            <p:ph sz="quarter" idx="16"/>
-          </p:nvPr>
-        </p:nvSpPr>
-        <p:spPr>
-          <a:xfrm>
-            <a:off x="4533610" y="3308594"/>
-            <a:ext cx="5651067" cy="1996831"/>
-          </a:xfrm>
-        </p:spPr>
-        <p:txBody>
-          <a:bodyPr/>
-          <a:lstStyle/>
-          <a:p>
-            <a:pPr marL="457632" indent="-457200">
-              <a:buAutoNum type="arabicParenR"/>
-            </a:pPr>
-            <a:r>
-              <a:rPr lang="en-US" sz="2400" dirty="0"/>
-              <a:t>Input radius</a:t>
-            </a:r>
-          </a:p>
-          <a:p>
-            <a:pPr marL="457632" indent="-457200">
-              <a:buAutoNum type="arabicParenR"/>
-            </a:pPr>
-            <a:r>
-              <a:rPr lang="en-US" sz="2400" dirty="0"/>
-              <a:t>area = radius * radius * 3.14159</a:t>
-            </a:r>
-          </a:p>
-          <a:p>
-            <a:pPr marL="457632" indent="-457200">
-              <a:buAutoNum type="arabicParenR"/>
-            </a:pPr>
-            <a:r>
-              <a:rPr lang="en-US" sz="2400" dirty="0"/>
-              <a:t>Print area</a:t>
-            </a:r>
-          </a:p>
-        </p:txBody>
-      </p:sp>
-    </p:spTree>
-    <p:extLst>
-      <p:ext uri="{BB962C8B-B14F-4D97-AF65-F5344CB8AC3E}">
-        <p14:creationId xmlns:p14="http://schemas.microsoft.com/office/powerpoint/2010/main" val="309527835"/>
-      </p:ext>
-    </p:extLst>
-  </p:cSld>
-  <p:clrMapOvr>
-    <a:masterClrMapping/>
-  </p:clrMapOvr>
-</p:sld>
-</file>
-
 <file path=ppt/slides/slide2.xml><?xml version="1.0" encoding="utf-8"?>
 <p:sld xmlns:a="http://schemas.openxmlformats.org/drawingml/2006/main" xmlns:r="http://schemas.openxmlformats.org/officeDocument/2006/relationships" xmlns:p="http://schemas.openxmlformats.org/presentationml/2006/main">
   <p:cSld>
@@ -17591,6 +18625,271 @@
 </file>
 
 <file path=ppt/slides/slide20.xml><?xml version="1.0" encoding="utf-8"?>
+<p:sld xmlns:a="http://schemas.openxmlformats.org/drawingml/2006/main" xmlns:r="http://schemas.openxmlformats.org/officeDocument/2006/relationships" xmlns:p="http://schemas.openxmlformats.org/presentationml/2006/main">
+  <p:cSld>
+    <p:spTree>
+      <p:nvGrpSpPr>
+        <p:cNvPr id="1" name=""/>
+        <p:cNvGrpSpPr/>
+        <p:nvPr/>
+      </p:nvGrpSpPr>
+      <p:grpSpPr>
+        <a:xfrm>
+          <a:off x="0" y="0"/>
+          <a:ext cx="0" cy="0"/>
+          <a:chOff x="0" y="0"/>
+          <a:chExt cx="0" cy="0"/>
+        </a:xfrm>
+      </p:grpSpPr>
+      <p:sp>
+        <p:nvSpPr>
+          <p:cNvPr id="2" name="Title 1">
+            <a:extLst>
+              <a:ext uri="{FF2B5EF4-FFF2-40B4-BE49-F238E27FC236}">
+                <a16:creationId xmlns:a16="http://schemas.microsoft.com/office/drawing/2014/main" id="{C7759D71-F07E-4EEE-BC86-1A00C35890A1}"/>
+              </a:ext>
+            </a:extLst>
+          </p:cNvPr>
+          <p:cNvSpPr>
+            <a:spLocks noGrp="1"/>
+          </p:cNvSpPr>
+          <p:nvPr>
+            <p:ph type="title"/>
+          </p:nvPr>
+        </p:nvSpPr>
+        <p:spPr/>
+        <p:txBody>
+          <a:bodyPr/>
+          <a:lstStyle/>
+          <a:p>
+            <a:r>
+              <a:rPr lang="en-US" sz="3200" dirty="0"/>
+              <a:t>Opening Problem (interactive)</a:t>
+            </a:r>
+          </a:p>
+        </p:txBody>
+      </p:sp>
+      <p:sp>
+        <p:nvSpPr>
+          <p:cNvPr id="11" name="Content Placeholder 10"/>
+          <p:cNvSpPr>
+            <a:spLocks noGrp="1"/>
+          </p:cNvSpPr>
+          <p:nvPr>
+            <p:ph sz="quarter" idx="13"/>
+          </p:nvPr>
+        </p:nvSpPr>
+        <p:spPr>
+          <a:xfrm>
+            <a:off x="1981200" y="1552575"/>
+            <a:ext cx="8229600" cy="1116000"/>
+          </a:xfrm>
+        </p:spPr>
+        <p:txBody>
+          <a:bodyPr/>
+          <a:lstStyle/>
+          <a:p>
+            <a:pPr marL="432" indent="0">
+              <a:buNone/>
+            </a:pPr>
+            <a:r>
+              <a:rPr lang="en-US" noProof="0" dirty="0"/>
+              <a:t>This program computes the area of the circle with a given radius.</a:t>
+            </a:r>
+          </a:p>
+        </p:txBody>
+      </p:sp>
+      <p:sp>
+        <p:nvSpPr>
+          <p:cNvPr id="14" name="Content Placeholder 13"/>
+          <p:cNvSpPr>
+            <a:spLocks noGrp="1"/>
+          </p:cNvSpPr>
+          <p:nvPr>
+            <p:ph sz="quarter" idx="16"/>
+          </p:nvPr>
+        </p:nvSpPr>
+        <p:spPr>
+          <a:xfrm>
+            <a:off x="4533610" y="3308594"/>
+            <a:ext cx="5651067" cy="1996831"/>
+          </a:xfrm>
+        </p:spPr>
+        <p:txBody>
+          <a:bodyPr/>
+          <a:lstStyle/>
+          <a:p>
+            <a:pPr marL="457632" indent="-457200">
+              <a:buAutoNum type="arabicParenR"/>
+            </a:pPr>
+            <a:r>
+              <a:rPr lang="en-US" sz="2400" dirty="0"/>
+              <a:t>Input radius</a:t>
+            </a:r>
+          </a:p>
+          <a:p>
+            <a:pPr marL="457632" indent="-457200">
+              <a:buAutoNum type="arabicParenR"/>
+            </a:pPr>
+            <a:r>
+              <a:rPr lang="en-US" sz="2400" dirty="0"/>
+              <a:t>area = radius * radius * 3.14159</a:t>
+            </a:r>
+          </a:p>
+          <a:p>
+            <a:pPr marL="457632" indent="-457200">
+              <a:buAutoNum type="arabicParenR"/>
+            </a:pPr>
+            <a:r>
+              <a:rPr lang="en-US" sz="2400" dirty="0"/>
+              <a:t>Print area</a:t>
+            </a:r>
+          </a:p>
+        </p:txBody>
+      </p:sp>
+    </p:spTree>
+    <p:extLst>
+      <p:ext uri="{BB962C8B-B14F-4D97-AF65-F5344CB8AC3E}">
+        <p14:creationId xmlns:p14="http://schemas.microsoft.com/office/powerpoint/2010/main" val="309527835"/>
+      </p:ext>
+    </p:extLst>
+  </p:cSld>
+  <p:clrMapOvr>
+    <a:masterClrMapping/>
+  </p:clrMapOvr>
+</p:sld>
+</file>
+
+<file path=ppt/slides/slide21.xml><?xml version="1.0" encoding="utf-8"?>
+<p:sld xmlns:a="http://schemas.openxmlformats.org/drawingml/2006/main" xmlns:r="http://schemas.openxmlformats.org/officeDocument/2006/relationships" xmlns:p="http://schemas.openxmlformats.org/presentationml/2006/main">
+  <p:cSld>
+    <p:spTree>
+      <p:nvGrpSpPr>
+        <p:cNvPr id="1" name=""/>
+        <p:cNvGrpSpPr/>
+        <p:nvPr/>
+      </p:nvGrpSpPr>
+      <p:grpSpPr>
+        <a:xfrm>
+          <a:off x="0" y="0"/>
+          <a:ext cx="0" cy="0"/>
+          <a:chOff x="0" y="0"/>
+          <a:chExt cx="0" cy="0"/>
+        </a:xfrm>
+      </p:grpSpPr>
+      <p:sp>
+        <p:nvSpPr>
+          <p:cNvPr id="2" name="Title 1">
+            <a:extLst>
+              <a:ext uri="{FF2B5EF4-FFF2-40B4-BE49-F238E27FC236}">
+                <a16:creationId xmlns:a16="http://schemas.microsoft.com/office/drawing/2014/main" id="{5BBDAE5F-03D4-4E51-BABA-7BD4AD455FD1}"/>
+              </a:ext>
+            </a:extLst>
+          </p:cNvPr>
+          <p:cNvSpPr>
+            <a:spLocks noGrp="1"/>
+          </p:cNvSpPr>
+          <p:nvPr>
+            <p:ph type="title"/>
+          </p:nvPr>
+        </p:nvSpPr>
+        <p:spPr/>
+        <p:txBody>
+          <a:bodyPr/>
+          <a:lstStyle/>
+          <a:p>
+            <a:pPr algn="ctr"/>
+            <a:r>
+              <a:rPr lang="en-US" dirty="0"/>
+              <a:t>Calculate Gross Pay</a:t>
+            </a:r>
+          </a:p>
+        </p:txBody>
+      </p:sp>
+      <p:sp>
+        <p:nvSpPr>
+          <p:cNvPr id="3" name="Content Placeholder 2">
+            <a:extLst>
+              <a:ext uri="{FF2B5EF4-FFF2-40B4-BE49-F238E27FC236}">
+                <a16:creationId xmlns:a16="http://schemas.microsoft.com/office/drawing/2014/main" id="{23EAE0FD-9B6A-4080-9126-65A2D5218C6D}"/>
+              </a:ext>
+            </a:extLst>
+          </p:cNvPr>
+          <p:cNvSpPr>
+            <a:spLocks noGrp="1"/>
+          </p:cNvSpPr>
+          <p:nvPr>
+            <p:ph idx="1"/>
+          </p:nvPr>
+        </p:nvSpPr>
+        <p:spPr/>
+        <p:txBody>
+          <a:bodyPr/>
+          <a:lstStyle/>
+          <a:p>
+            <a:r>
+              <a:rPr lang="en-US" dirty="0"/>
+              <a:t>Given hours worked and pay rate, calculate and print gross pay.</a:t>
+            </a:r>
+          </a:p>
+          <a:p>
+            <a:pPr marL="0" indent="0">
+              <a:buNone/>
+            </a:pPr>
+            <a:endParaRPr lang="en-US" dirty="0"/>
+          </a:p>
+          <a:p>
+            <a:pPr marL="514350" indent="-514350">
+              <a:buAutoNum type="arabicParenR"/>
+            </a:pPr>
+            <a:r>
+              <a:rPr lang="en-US" dirty="0"/>
+              <a:t>Analyze the problem (input/output)</a:t>
+            </a:r>
+          </a:p>
+          <a:p>
+            <a:pPr marL="514350" indent="-514350">
+              <a:buAutoNum type="arabicParenR"/>
+            </a:pPr>
+            <a:r>
+              <a:rPr lang="en-US" dirty="0"/>
+              <a:t>Algorithm</a:t>
+            </a:r>
+          </a:p>
+          <a:p>
+            <a:pPr marL="514350" indent="-514350">
+              <a:buAutoNum type="arabicParenR"/>
+            </a:pPr>
+            <a:r>
+              <a:rPr lang="en-US" dirty="0"/>
+              <a:t>Coding</a:t>
+            </a:r>
+          </a:p>
+          <a:p>
+            <a:pPr marL="514350" indent="-514350">
+              <a:buAutoNum type="arabicParenR"/>
+            </a:pPr>
+            <a:r>
+              <a:rPr lang="en-US" dirty="0"/>
+              <a:t>Testing</a:t>
+            </a:r>
+          </a:p>
+        </p:txBody>
+      </p:sp>
+    </p:spTree>
+    <p:extLst>
+      <p:ext uri="{BB962C8B-B14F-4D97-AF65-F5344CB8AC3E}">
+        <p14:creationId xmlns:p14="http://schemas.microsoft.com/office/powerpoint/2010/main" val="1043830955"/>
+      </p:ext>
+    </p:extLst>
+  </p:cSld>
+  <p:clrMapOvr>
+    <a:masterClrMapping/>
+  </p:clrMapOvr>
+</p:sld>
+</file>
+
+<file path=ppt/slides/slide22.xml><?xml version="1.0" encoding="utf-8"?>
 <p:sld xmlns:a="http://schemas.openxmlformats.org/drawingml/2006/main" xmlns:r="http://schemas.openxmlformats.org/officeDocument/2006/relationships" xmlns:p="http://schemas.openxmlformats.org/presentationml/2006/main">
   <p:cSld>
     <p:spTree>
@@ -17734,7 +19033,7 @@
 </p:sld>
 </file>
 
-<file path=ppt/slides/slide21.xml><?xml version="1.0" encoding="utf-8"?>
+<file path=ppt/slides/slide23.xml><?xml version="1.0" encoding="utf-8"?>
 <p:sld xmlns:a="http://schemas.openxmlformats.org/drawingml/2006/main" xmlns:r="http://schemas.openxmlformats.org/officeDocument/2006/relationships" xmlns:p="http://schemas.openxmlformats.org/presentationml/2006/main">
   <p:cSld>
     <p:spTree>
@@ -17800,720 +19099,6 @@
 </p:sld>
 </file>
 
-<file path=ppt/slides/slide22.xml><?xml version="1.0" encoding="utf-8"?>
-<p:sld xmlns:a="http://schemas.openxmlformats.org/drawingml/2006/main" xmlns:r="http://schemas.openxmlformats.org/officeDocument/2006/relationships" xmlns:p="http://schemas.openxmlformats.org/presentationml/2006/main">
-  <p:cSld>
-    <p:spTree>
-      <p:nvGrpSpPr>
-        <p:cNvPr id="1" name=""/>
-        <p:cNvGrpSpPr/>
-        <p:nvPr/>
-      </p:nvGrpSpPr>
-      <p:grpSpPr>
-        <a:xfrm>
-          <a:off x="0" y="0"/>
-          <a:ext cx="0" cy="0"/>
-          <a:chOff x="0" y="0"/>
-          <a:chExt cx="0" cy="0"/>
-        </a:xfrm>
-      </p:grpSpPr>
-      <p:sp>
-        <p:nvSpPr>
-          <p:cNvPr id="18434" name="Slide Number Placeholder 4"/>
-          <p:cNvSpPr>
-            <a:spLocks noGrp="1"/>
-          </p:cNvSpPr>
-          <p:nvPr>
-            <p:ph type="sldNum" sz="quarter" idx="11"/>
-          </p:nvPr>
-        </p:nvSpPr>
-        <p:spPr>
-          <a:noFill/>
-        </p:spPr>
-        <p:txBody>
-          <a:bodyPr/>
-          <a:lstStyle>
-            <a:lvl1pPr>
-              <a:spcBef>
-                <a:spcPct val="20000"/>
-              </a:spcBef>
-              <a:buClr>
-                <a:schemeClr val="tx2"/>
-              </a:buClr>
-              <a:buSzPct val="75000"/>
-              <a:buFont typeface="Monotype Sorts" charset="2"/>
-              <a:buChar char="F"/>
-              <a:defRPr sz="3200">
-                <a:solidFill>
-                  <a:schemeClr val="tx1"/>
-                </a:solidFill>
-                <a:latin typeface="Times New Roman" panose="02020603050405020304" pitchFamily="18" charset="0"/>
-                <a:ea typeface="MS PGothic" panose="020B0600070205080204" pitchFamily="34" charset="-128"/>
-              </a:defRPr>
-            </a:lvl1pPr>
-            <a:lvl2pPr marL="742950" indent="-285750">
-              <a:spcBef>
-                <a:spcPct val="20000"/>
-              </a:spcBef>
-              <a:buClr>
-                <a:schemeClr val="tx1"/>
-              </a:buClr>
-              <a:buChar char="–"/>
-              <a:defRPr sz="2800">
-                <a:solidFill>
-                  <a:schemeClr val="tx1"/>
-                </a:solidFill>
-                <a:latin typeface="Times New Roman" panose="02020603050405020304" pitchFamily="18" charset="0"/>
-                <a:ea typeface="MS PGothic" panose="020B0600070205080204" pitchFamily="34" charset="-128"/>
-              </a:defRPr>
-            </a:lvl2pPr>
-            <a:lvl3pPr marL="1143000" indent="-228600">
-              <a:spcBef>
-                <a:spcPct val="20000"/>
-              </a:spcBef>
-              <a:buClr>
-                <a:schemeClr val="accent2"/>
-              </a:buClr>
-              <a:buSzPct val="65000"/>
-              <a:buFont typeface="Monotype Sorts" charset="2"/>
-              <a:buChar char="u"/>
-              <a:defRPr sz="2400">
-                <a:solidFill>
-                  <a:schemeClr val="tx1"/>
-                </a:solidFill>
-                <a:latin typeface="Times New Roman" panose="02020603050405020304" pitchFamily="18" charset="0"/>
-                <a:ea typeface="MS PGothic" panose="020B0600070205080204" pitchFamily="34" charset="-128"/>
-              </a:defRPr>
-            </a:lvl3pPr>
-            <a:lvl4pPr marL="1600200" indent="-228600">
-              <a:spcBef>
-                <a:spcPct val="20000"/>
-              </a:spcBef>
-              <a:buClr>
-                <a:schemeClr val="tx1"/>
-              </a:buClr>
-              <a:buChar char="–"/>
-              <a:defRPr sz="2000">
-                <a:solidFill>
-                  <a:schemeClr val="tx1"/>
-                </a:solidFill>
-                <a:latin typeface="Times New Roman" panose="02020603050405020304" pitchFamily="18" charset="0"/>
-                <a:ea typeface="MS PGothic" panose="020B0600070205080204" pitchFamily="34" charset="-128"/>
-              </a:defRPr>
-            </a:lvl4pPr>
-            <a:lvl5pPr marL="2057400" indent="-228600">
-              <a:spcBef>
-                <a:spcPct val="20000"/>
-              </a:spcBef>
-              <a:buClr>
-                <a:schemeClr val="tx2"/>
-              </a:buClr>
-              <a:buChar char="•"/>
-              <a:defRPr sz="2000">
-                <a:solidFill>
-                  <a:schemeClr val="tx1"/>
-                </a:solidFill>
-                <a:latin typeface="Times New Roman" panose="02020603050405020304" pitchFamily="18" charset="0"/>
-                <a:ea typeface="MS PGothic" panose="020B0600070205080204" pitchFamily="34" charset="-128"/>
-              </a:defRPr>
-            </a:lvl5pPr>
-            <a:lvl6pPr marL="2514600" indent="-228600" eaLnBrk="0" fontAlgn="base" hangingPunct="0">
-              <a:spcBef>
-                <a:spcPct val="20000"/>
-              </a:spcBef>
-              <a:spcAft>
-                <a:spcPct val="0"/>
-              </a:spcAft>
-              <a:buClr>
-                <a:schemeClr val="tx2"/>
-              </a:buClr>
-              <a:buChar char="•"/>
-              <a:defRPr sz="2000">
-                <a:solidFill>
-                  <a:schemeClr val="tx1"/>
-                </a:solidFill>
-                <a:latin typeface="Times New Roman" panose="02020603050405020304" pitchFamily="18" charset="0"/>
-                <a:ea typeface="MS PGothic" panose="020B0600070205080204" pitchFamily="34" charset="-128"/>
-              </a:defRPr>
-            </a:lvl6pPr>
-            <a:lvl7pPr marL="2971800" indent="-228600" eaLnBrk="0" fontAlgn="base" hangingPunct="0">
-              <a:spcBef>
-                <a:spcPct val="20000"/>
-              </a:spcBef>
-              <a:spcAft>
-                <a:spcPct val="0"/>
-              </a:spcAft>
-              <a:buClr>
-                <a:schemeClr val="tx2"/>
-              </a:buClr>
-              <a:buChar char="•"/>
-              <a:defRPr sz="2000">
-                <a:solidFill>
-                  <a:schemeClr val="tx1"/>
-                </a:solidFill>
-                <a:latin typeface="Times New Roman" panose="02020603050405020304" pitchFamily="18" charset="0"/>
-                <a:ea typeface="MS PGothic" panose="020B0600070205080204" pitchFamily="34" charset="-128"/>
-              </a:defRPr>
-            </a:lvl7pPr>
-            <a:lvl8pPr marL="3429000" indent="-228600" eaLnBrk="0" fontAlgn="base" hangingPunct="0">
-              <a:spcBef>
-                <a:spcPct val="20000"/>
-              </a:spcBef>
-              <a:spcAft>
-                <a:spcPct val="0"/>
-              </a:spcAft>
-              <a:buClr>
-                <a:schemeClr val="tx2"/>
-              </a:buClr>
-              <a:buChar char="•"/>
-              <a:defRPr sz="2000">
-                <a:solidFill>
-                  <a:schemeClr val="tx1"/>
-                </a:solidFill>
-                <a:latin typeface="Times New Roman" panose="02020603050405020304" pitchFamily="18" charset="0"/>
-                <a:ea typeface="MS PGothic" panose="020B0600070205080204" pitchFamily="34" charset="-128"/>
-              </a:defRPr>
-            </a:lvl8pPr>
-            <a:lvl9pPr marL="3886200" indent="-228600" eaLnBrk="0" fontAlgn="base" hangingPunct="0">
-              <a:spcBef>
-                <a:spcPct val="20000"/>
-              </a:spcBef>
-              <a:spcAft>
-                <a:spcPct val="0"/>
-              </a:spcAft>
-              <a:buClr>
-                <a:schemeClr val="tx2"/>
-              </a:buClr>
-              <a:buChar char="•"/>
-              <a:defRPr sz="2000">
-                <a:solidFill>
-                  <a:schemeClr val="tx1"/>
-                </a:solidFill>
-                <a:latin typeface="Times New Roman" panose="02020603050405020304" pitchFamily="18" charset="0"/>
-                <a:ea typeface="MS PGothic" panose="020B0600070205080204" pitchFamily="34" charset="-128"/>
-              </a:defRPr>
-            </a:lvl9pPr>
-          </a:lstStyle>
-          <a:p>
-            <a:pPr>
-              <a:spcBef>
-                <a:spcPct val="0"/>
-              </a:spcBef>
-              <a:buClrTx/>
-              <a:buSzTx/>
-              <a:buFontTx/>
-              <a:buNone/>
-            </a:pPr>
-            <a:fld id="{D4BBDC0B-EB25-4077-8BF8-7D72B744E665}" type="slidenum">
-              <a:rPr lang="en-US" altLang="en-US" sz="1400"/>
-              <a:pPr>
-                <a:spcBef>
-                  <a:spcPct val="0"/>
-                </a:spcBef>
-                <a:buClrTx/>
-                <a:buSzTx/>
-                <a:buFontTx/>
-                <a:buNone/>
-              </a:pPr>
-              <a:t>22</a:t>
-            </a:fld>
-            <a:endParaRPr lang="en-US" altLang="en-US" sz="1400"/>
-          </a:p>
-        </p:txBody>
-      </p:sp>
-      <p:sp>
-        <p:nvSpPr>
-          <p:cNvPr id="18435" name="Rectangle 2"/>
-          <p:cNvSpPr>
-            <a:spLocks noGrp="1" noChangeArrowheads="1"/>
-          </p:cNvSpPr>
-          <p:nvPr>
-            <p:ph type="title"/>
-          </p:nvPr>
-        </p:nvSpPr>
-        <p:spPr>
-          <a:xfrm>
-            <a:off x="2209800" y="152400"/>
-            <a:ext cx="7772400" cy="762000"/>
-          </a:xfrm>
-        </p:spPr>
-        <p:txBody>
-          <a:bodyPr/>
-          <a:lstStyle/>
-          <a:p>
-            <a:r>
-              <a:rPr lang="en-US" altLang="en-US"/>
-              <a:t>NOTE</a:t>
-            </a:r>
-          </a:p>
-        </p:txBody>
-      </p:sp>
-      <p:sp>
-        <p:nvSpPr>
-          <p:cNvPr id="18436" name="Rectangle 3"/>
-          <p:cNvSpPr>
-            <a:spLocks noGrp="1" noChangeArrowheads="1"/>
-          </p:cNvSpPr>
-          <p:nvPr>
-            <p:ph type="body" idx="1"/>
-          </p:nvPr>
-        </p:nvSpPr>
-        <p:spPr>
-          <a:xfrm>
-            <a:off x="1905000" y="1143000"/>
-            <a:ext cx="8610600" cy="5257800"/>
-          </a:xfrm>
-        </p:spPr>
-        <p:txBody>
-          <a:bodyPr/>
-          <a:lstStyle/>
-          <a:p>
-            <a:pPr marL="0" indent="0">
-              <a:spcAft>
-                <a:spcPct val="25000"/>
-              </a:spcAft>
-              <a:buNone/>
-            </a:pPr>
-            <a:r>
-              <a:rPr lang="en-US" altLang="en-US" sz="3000"/>
-              <a:t>Calculations involving floating-point numbers are approximated because these numbers are not stored with complete accuracy. For example, </a:t>
-            </a:r>
-          </a:p>
-          <a:p>
-            <a:pPr marL="0" indent="0" algn="just">
-              <a:spcAft>
-                <a:spcPct val="25000"/>
-              </a:spcAft>
-              <a:buNone/>
-            </a:pPr>
-            <a:r>
-              <a:rPr lang="en-US" altLang="en-US" sz="3000"/>
-              <a:t>System.out.println(1.0 - 0.1 - 0.1 - 0.1 - 0.1 - 0.1);</a:t>
-            </a:r>
-          </a:p>
-          <a:p>
-            <a:pPr marL="0" indent="0" algn="just">
-              <a:spcAft>
-                <a:spcPct val="25000"/>
-              </a:spcAft>
-              <a:buNone/>
-            </a:pPr>
-            <a:r>
-              <a:rPr lang="en-US" altLang="en-US" sz="3000"/>
-              <a:t>displays 0.5000000000000001, not 0.5, and </a:t>
-            </a:r>
-          </a:p>
-          <a:p>
-            <a:pPr marL="0" indent="0" algn="just">
-              <a:spcAft>
-                <a:spcPct val="25000"/>
-              </a:spcAft>
-              <a:buNone/>
-            </a:pPr>
-            <a:r>
-              <a:rPr lang="en-US" altLang="en-US" sz="3000"/>
-              <a:t>System.out.println(1.0 - 0.9);</a:t>
-            </a:r>
-          </a:p>
-          <a:p>
-            <a:pPr marL="0" indent="0">
-              <a:spcAft>
-                <a:spcPct val="25000"/>
-              </a:spcAft>
-              <a:buNone/>
-            </a:pPr>
-            <a:r>
-              <a:rPr lang="en-US" altLang="en-US" sz="3000"/>
-              <a:t>displays 0.09999999999999998, not 0.1. Integers are stored precisely. Therefore, calculations with integers yield a precise integer result. </a:t>
-            </a:r>
-          </a:p>
-        </p:txBody>
-      </p:sp>
-    </p:spTree>
-    <p:extLst>
-      <p:ext uri="{BB962C8B-B14F-4D97-AF65-F5344CB8AC3E}">
-        <p14:creationId xmlns:p14="http://schemas.microsoft.com/office/powerpoint/2010/main" val="1591666736"/>
-      </p:ext>
-    </p:extLst>
-  </p:cSld>
-  <p:clrMapOvr>
-    <a:masterClrMapping/>
-  </p:clrMapOvr>
-  <p:transition/>
-</p:sld>
-</file>
-
-<file path=ppt/slides/slide23.xml><?xml version="1.0" encoding="utf-8"?>
-<p:sld xmlns:a="http://schemas.openxmlformats.org/drawingml/2006/main" xmlns:r="http://schemas.openxmlformats.org/officeDocument/2006/relationships" xmlns:p="http://schemas.openxmlformats.org/presentationml/2006/main">
-  <p:cSld>
-    <p:spTree>
-      <p:nvGrpSpPr>
-        <p:cNvPr id="1" name=""/>
-        <p:cNvGrpSpPr/>
-        <p:nvPr/>
-      </p:nvGrpSpPr>
-      <p:grpSpPr>
-        <a:xfrm>
-          <a:off x="0" y="0"/>
-          <a:ext cx="0" cy="0"/>
-          <a:chOff x="0" y="0"/>
-          <a:chExt cx="0" cy="0"/>
-        </a:xfrm>
-      </p:grpSpPr>
-      <p:sp>
-        <p:nvSpPr>
-          <p:cNvPr id="20482" name="Slide Number Placeholder 4"/>
-          <p:cNvSpPr>
-            <a:spLocks noGrp="1"/>
-          </p:cNvSpPr>
-          <p:nvPr>
-            <p:ph type="sldNum" sz="quarter" idx="11"/>
-          </p:nvPr>
-        </p:nvSpPr>
-        <p:spPr>
-          <a:noFill/>
-        </p:spPr>
-        <p:txBody>
-          <a:bodyPr/>
-          <a:lstStyle>
-            <a:lvl1pPr>
-              <a:spcBef>
-                <a:spcPct val="20000"/>
-              </a:spcBef>
-              <a:buClr>
-                <a:schemeClr val="tx2"/>
-              </a:buClr>
-              <a:buSzPct val="75000"/>
-              <a:buFont typeface="Monotype Sorts" charset="2"/>
-              <a:buChar char="F"/>
-              <a:defRPr sz="3200">
-                <a:solidFill>
-                  <a:schemeClr val="tx1"/>
-                </a:solidFill>
-                <a:latin typeface="Times New Roman" panose="02020603050405020304" pitchFamily="18" charset="0"/>
-                <a:ea typeface="MS PGothic" panose="020B0600070205080204" pitchFamily="34" charset="-128"/>
-              </a:defRPr>
-            </a:lvl1pPr>
-            <a:lvl2pPr marL="742950" indent="-285750">
-              <a:spcBef>
-                <a:spcPct val="20000"/>
-              </a:spcBef>
-              <a:buClr>
-                <a:schemeClr val="tx1"/>
-              </a:buClr>
-              <a:buChar char="–"/>
-              <a:defRPr sz="2800">
-                <a:solidFill>
-                  <a:schemeClr val="tx1"/>
-                </a:solidFill>
-                <a:latin typeface="Times New Roman" panose="02020603050405020304" pitchFamily="18" charset="0"/>
-                <a:ea typeface="MS PGothic" panose="020B0600070205080204" pitchFamily="34" charset="-128"/>
-              </a:defRPr>
-            </a:lvl2pPr>
-            <a:lvl3pPr marL="1143000" indent="-228600">
-              <a:spcBef>
-                <a:spcPct val="20000"/>
-              </a:spcBef>
-              <a:buClr>
-                <a:schemeClr val="accent2"/>
-              </a:buClr>
-              <a:buSzPct val="65000"/>
-              <a:buFont typeface="Monotype Sorts" charset="2"/>
-              <a:buChar char="u"/>
-              <a:defRPr sz="2400">
-                <a:solidFill>
-                  <a:schemeClr val="tx1"/>
-                </a:solidFill>
-                <a:latin typeface="Times New Roman" panose="02020603050405020304" pitchFamily="18" charset="0"/>
-                <a:ea typeface="MS PGothic" panose="020B0600070205080204" pitchFamily="34" charset="-128"/>
-              </a:defRPr>
-            </a:lvl3pPr>
-            <a:lvl4pPr marL="1600200" indent="-228600">
-              <a:spcBef>
-                <a:spcPct val="20000"/>
-              </a:spcBef>
-              <a:buClr>
-                <a:schemeClr val="tx1"/>
-              </a:buClr>
-              <a:buChar char="–"/>
-              <a:defRPr sz="2000">
-                <a:solidFill>
-                  <a:schemeClr val="tx1"/>
-                </a:solidFill>
-                <a:latin typeface="Times New Roman" panose="02020603050405020304" pitchFamily="18" charset="0"/>
-                <a:ea typeface="MS PGothic" panose="020B0600070205080204" pitchFamily="34" charset="-128"/>
-              </a:defRPr>
-            </a:lvl4pPr>
-            <a:lvl5pPr marL="2057400" indent="-228600">
-              <a:spcBef>
-                <a:spcPct val="20000"/>
-              </a:spcBef>
-              <a:buClr>
-                <a:schemeClr val="tx2"/>
-              </a:buClr>
-              <a:buChar char="•"/>
-              <a:defRPr sz="2000">
-                <a:solidFill>
-                  <a:schemeClr val="tx1"/>
-                </a:solidFill>
-                <a:latin typeface="Times New Roman" panose="02020603050405020304" pitchFamily="18" charset="0"/>
-                <a:ea typeface="MS PGothic" panose="020B0600070205080204" pitchFamily="34" charset="-128"/>
-              </a:defRPr>
-            </a:lvl5pPr>
-            <a:lvl6pPr marL="2514600" indent="-228600" eaLnBrk="0" fontAlgn="base" hangingPunct="0">
-              <a:spcBef>
-                <a:spcPct val="20000"/>
-              </a:spcBef>
-              <a:spcAft>
-                <a:spcPct val="0"/>
-              </a:spcAft>
-              <a:buClr>
-                <a:schemeClr val="tx2"/>
-              </a:buClr>
-              <a:buChar char="•"/>
-              <a:defRPr sz="2000">
-                <a:solidFill>
-                  <a:schemeClr val="tx1"/>
-                </a:solidFill>
-                <a:latin typeface="Times New Roman" panose="02020603050405020304" pitchFamily="18" charset="0"/>
-                <a:ea typeface="MS PGothic" panose="020B0600070205080204" pitchFamily="34" charset="-128"/>
-              </a:defRPr>
-            </a:lvl6pPr>
-            <a:lvl7pPr marL="2971800" indent="-228600" eaLnBrk="0" fontAlgn="base" hangingPunct="0">
-              <a:spcBef>
-                <a:spcPct val="20000"/>
-              </a:spcBef>
-              <a:spcAft>
-                <a:spcPct val="0"/>
-              </a:spcAft>
-              <a:buClr>
-                <a:schemeClr val="tx2"/>
-              </a:buClr>
-              <a:buChar char="•"/>
-              <a:defRPr sz="2000">
-                <a:solidFill>
-                  <a:schemeClr val="tx1"/>
-                </a:solidFill>
-                <a:latin typeface="Times New Roman" panose="02020603050405020304" pitchFamily="18" charset="0"/>
-                <a:ea typeface="MS PGothic" panose="020B0600070205080204" pitchFamily="34" charset="-128"/>
-              </a:defRPr>
-            </a:lvl7pPr>
-            <a:lvl8pPr marL="3429000" indent="-228600" eaLnBrk="0" fontAlgn="base" hangingPunct="0">
-              <a:spcBef>
-                <a:spcPct val="20000"/>
-              </a:spcBef>
-              <a:spcAft>
-                <a:spcPct val="0"/>
-              </a:spcAft>
-              <a:buClr>
-                <a:schemeClr val="tx2"/>
-              </a:buClr>
-              <a:buChar char="•"/>
-              <a:defRPr sz="2000">
-                <a:solidFill>
-                  <a:schemeClr val="tx1"/>
-                </a:solidFill>
-                <a:latin typeface="Times New Roman" panose="02020603050405020304" pitchFamily="18" charset="0"/>
-                <a:ea typeface="MS PGothic" panose="020B0600070205080204" pitchFamily="34" charset="-128"/>
-              </a:defRPr>
-            </a:lvl8pPr>
-            <a:lvl9pPr marL="3886200" indent="-228600" eaLnBrk="0" fontAlgn="base" hangingPunct="0">
-              <a:spcBef>
-                <a:spcPct val="20000"/>
-              </a:spcBef>
-              <a:spcAft>
-                <a:spcPct val="0"/>
-              </a:spcAft>
-              <a:buClr>
-                <a:schemeClr val="tx2"/>
-              </a:buClr>
-              <a:buChar char="•"/>
-              <a:defRPr sz="2000">
-                <a:solidFill>
-                  <a:schemeClr val="tx1"/>
-                </a:solidFill>
-                <a:latin typeface="Times New Roman" panose="02020603050405020304" pitchFamily="18" charset="0"/>
-                <a:ea typeface="MS PGothic" panose="020B0600070205080204" pitchFamily="34" charset="-128"/>
-              </a:defRPr>
-            </a:lvl9pPr>
-          </a:lstStyle>
-          <a:p>
-            <a:pPr>
-              <a:spcBef>
-                <a:spcPct val="0"/>
-              </a:spcBef>
-              <a:buClrTx/>
-              <a:buSzTx/>
-              <a:buFontTx/>
-              <a:buNone/>
-            </a:pPr>
-            <a:fld id="{564F1C9B-EA57-46D0-A149-04696DF5CC8B}" type="slidenum">
-              <a:rPr lang="en-US" altLang="en-US" sz="1400"/>
-              <a:pPr>
-                <a:spcBef>
-                  <a:spcPct val="0"/>
-                </a:spcBef>
-                <a:buClrTx/>
-                <a:buSzTx/>
-                <a:buFontTx/>
-                <a:buNone/>
-              </a:pPr>
-              <a:t>23</a:t>
-            </a:fld>
-            <a:endParaRPr lang="en-US" altLang="en-US" sz="1400"/>
-          </a:p>
-        </p:txBody>
-      </p:sp>
-      <p:sp>
-        <p:nvSpPr>
-          <p:cNvPr id="20483" name="Rectangle 2"/>
-          <p:cNvSpPr>
-            <a:spLocks noGrp="1" noChangeArrowheads="1"/>
-          </p:cNvSpPr>
-          <p:nvPr>
-            <p:ph type="title"/>
-          </p:nvPr>
-        </p:nvSpPr>
-        <p:spPr>
-          <a:xfrm>
-            <a:off x="2209800" y="0"/>
-            <a:ext cx="7772400" cy="1428750"/>
-          </a:xfrm>
-        </p:spPr>
-        <p:txBody>
-          <a:bodyPr/>
-          <a:lstStyle/>
-          <a:p>
-            <a:r>
-              <a:rPr lang="en-US" altLang="en-US"/>
-              <a:t>Number Literals</a:t>
-            </a:r>
-          </a:p>
-        </p:txBody>
-      </p:sp>
-      <p:sp>
-        <p:nvSpPr>
-          <p:cNvPr id="20484" name="Rectangle 3"/>
-          <p:cNvSpPr>
-            <a:spLocks noGrp="1" noChangeArrowheads="1"/>
-          </p:cNvSpPr>
-          <p:nvPr>
-            <p:ph type="body" idx="1"/>
-          </p:nvPr>
-        </p:nvSpPr>
-        <p:spPr>
-          <a:xfrm>
-            <a:off x="2209800" y="1371600"/>
-            <a:ext cx="7772400" cy="4114800"/>
-          </a:xfrm>
-        </p:spPr>
-        <p:txBody>
-          <a:bodyPr/>
-          <a:lstStyle/>
-          <a:p>
-            <a:pPr marL="0" indent="0">
-              <a:spcAft>
-                <a:spcPct val="25000"/>
-              </a:spcAft>
-              <a:buNone/>
-            </a:pPr>
-            <a:r>
-              <a:rPr lang="en-US" altLang="en-US" sz="3000">
-                <a:cs typeface="Times New Roman" panose="02020603050405020304" pitchFamily="18" charset="0"/>
-              </a:rPr>
-              <a:t>A </a:t>
-            </a:r>
-            <a:r>
-              <a:rPr lang="en-US" altLang="en-US" sz="3000" i="1">
-                <a:cs typeface="Times New Roman" panose="02020603050405020304" pitchFamily="18" charset="0"/>
-              </a:rPr>
-              <a:t>literal</a:t>
-            </a:r>
-            <a:r>
-              <a:rPr lang="en-US" altLang="en-US" sz="3000">
-                <a:cs typeface="Times New Roman" panose="02020603050405020304" pitchFamily="18" charset="0"/>
-              </a:rPr>
-              <a:t> is a constant value that appears directly in the program. For example, 34, 1,000,000, and 5.0 are literals in the following statements:</a:t>
-            </a:r>
-          </a:p>
-          <a:p>
-            <a:pPr marL="0" indent="0" algn="just">
-              <a:spcAft>
-                <a:spcPct val="25000"/>
-              </a:spcAft>
-              <a:buNone/>
-            </a:pPr>
-            <a:r>
-              <a:rPr lang="en-US" altLang="en-US" sz="3000">
-                <a:cs typeface="Times New Roman" panose="02020603050405020304" pitchFamily="18" charset="0"/>
-              </a:rPr>
-              <a:t> </a:t>
-            </a:r>
-          </a:p>
-          <a:p>
-            <a:pPr marL="0" indent="0" algn="just">
-              <a:spcAft>
-                <a:spcPct val="25000"/>
-              </a:spcAft>
-              <a:buNone/>
-            </a:pPr>
-            <a:r>
-              <a:rPr lang="en-US" altLang="en-US" sz="3000">
-                <a:cs typeface="Times New Roman" panose="02020603050405020304" pitchFamily="18" charset="0"/>
-              </a:rPr>
-              <a:t>int i = 34;</a:t>
-            </a:r>
-          </a:p>
-          <a:p>
-            <a:pPr marL="0" indent="0" algn="just">
-              <a:spcAft>
-                <a:spcPct val="25000"/>
-              </a:spcAft>
-              <a:buNone/>
-            </a:pPr>
-            <a:r>
-              <a:rPr lang="en-US" altLang="en-US" sz="3000">
-                <a:cs typeface="Times New Roman" panose="02020603050405020304" pitchFamily="18" charset="0"/>
-              </a:rPr>
-              <a:t>long x = 1000000;</a:t>
-            </a:r>
-          </a:p>
-          <a:p>
-            <a:pPr marL="0" indent="0" algn="just">
-              <a:spcAft>
-                <a:spcPct val="25000"/>
-              </a:spcAft>
-              <a:buNone/>
-            </a:pPr>
-            <a:r>
-              <a:rPr lang="en-US" altLang="en-US" sz="3000">
-                <a:cs typeface="Times New Roman" panose="02020603050405020304" pitchFamily="18" charset="0"/>
-              </a:rPr>
-              <a:t>double d = 5.0;</a:t>
-            </a:r>
-            <a:r>
-              <a:rPr lang="en-US" altLang="en-US" sz="3000">
-                <a:latin typeface="Courier New" panose="02070309020205020404" pitchFamily="49" charset="0"/>
-              </a:rPr>
-              <a:t> </a:t>
-            </a:r>
-          </a:p>
-        </p:txBody>
-      </p:sp>
-    </p:spTree>
-    <p:extLst>
-      <p:ext uri="{BB962C8B-B14F-4D97-AF65-F5344CB8AC3E}">
-        <p14:creationId xmlns:p14="http://schemas.microsoft.com/office/powerpoint/2010/main" val="3211564799"/>
-      </p:ext>
-    </p:extLst>
-  </p:cSld>
-  <p:clrMapOvr>
-    <a:masterClrMapping/>
-  </p:clrMapOvr>
-  <p:transition/>
-</p:sld>
-</file>
-
 <file path=ppt/slides/slide24.xml><?xml version="1.0" encoding="utf-8"?>
 <p:sld xmlns:a="http://schemas.openxmlformats.org/drawingml/2006/main" xmlns:r="http://schemas.openxmlformats.org/officeDocument/2006/relationships" xmlns:p="http://schemas.openxmlformats.org/presentationml/2006/main">
   <p:cSld>
@@ -18533,6 +19118,720 @@
       </p:grpSpPr>
       <p:sp>
         <p:nvSpPr>
+          <p:cNvPr id="18434" name="Slide Number Placeholder 4"/>
+          <p:cNvSpPr>
+            <a:spLocks noGrp="1"/>
+          </p:cNvSpPr>
+          <p:nvPr>
+            <p:ph type="sldNum" sz="quarter" idx="11"/>
+          </p:nvPr>
+        </p:nvSpPr>
+        <p:spPr>
+          <a:noFill/>
+        </p:spPr>
+        <p:txBody>
+          <a:bodyPr/>
+          <a:lstStyle>
+            <a:lvl1pPr>
+              <a:spcBef>
+                <a:spcPct val="20000"/>
+              </a:spcBef>
+              <a:buClr>
+                <a:schemeClr val="tx2"/>
+              </a:buClr>
+              <a:buSzPct val="75000"/>
+              <a:buFont typeface="Monotype Sorts" charset="2"/>
+              <a:buChar char="F"/>
+              <a:defRPr sz="3200">
+                <a:solidFill>
+                  <a:schemeClr val="tx1"/>
+                </a:solidFill>
+                <a:latin typeface="Times New Roman" panose="02020603050405020304" pitchFamily="18" charset="0"/>
+                <a:ea typeface="MS PGothic" panose="020B0600070205080204" pitchFamily="34" charset="-128"/>
+              </a:defRPr>
+            </a:lvl1pPr>
+            <a:lvl2pPr marL="742950" indent="-285750">
+              <a:spcBef>
+                <a:spcPct val="20000"/>
+              </a:spcBef>
+              <a:buClr>
+                <a:schemeClr val="tx1"/>
+              </a:buClr>
+              <a:buChar char="–"/>
+              <a:defRPr sz="2800">
+                <a:solidFill>
+                  <a:schemeClr val="tx1"/>
+                </a:solidFill>
+                <a:latin typeface="Times New Roman" panose="02020603050405020304" pitchFamily="18" charset="0"/>
+                <a:ea typeface="MS PGothic" panose="020B0600070205080204" pitchFamily="34" charset="-128"/>
+              </a:defRPr>
+            </a:lvl2pPr>
+            <a:lvl3pPr marL="1143000" indent="-228600">
+              <a:spcBef>
+                <a:spcPct val="20000"/>
+              </a:spcBef>
+              <a:buClr>
+                <a:schemeClr val="accent2"/>
+              </a:buClr>
+              <a:buSzPct val="65000"/>
+              <a:buFont typeface="Monotype Sorts" charset="2"/>
+              <a:buChar char="u"/>
+              <a:defRPr sz="2400">
+                <a:solidFill>
+                  <a:schemeClr val="tx1"/>
+                </a:solidFill>
+                <a:latin typeface="Times New Roman" panose="02020603050405020304" pitchFamily="18" charset="0"/>
+                <a:ea typeface="MS PGothic" panose="020B0600070205080204" pitchFamily="34" charset="-128"/>
+              </a:defRPr>
+            </a:lvl3pPr>
+            <a:lvl4pPr marL="1600200" indent="-228600">
+              <a:spcBef>
+                <a:spcPct val="20000"/>
+              </a:spcBef>
+              <a:buClr>
+                <a:schemeClr val="tx1"/>
+              </a:buClr>
+              <a:buChar char="–"/>
+              <a:defRPr sz="2000">
+                <a:solidFill>
+                  <a:schemeClr val="tx1"/>
+                </a:solidFill>
+                <a:latin typeface="Times New Roman" panose="02020603050405020304" pitchFamily="18" charset="0"/>
+                <a:ea typeface="MS PGothic" panose="020B0600070205080204" pitchFamily="34" charset="-128"/>
+              </a:defRPr>
+            </a:lvl4pPr>
+            <a:lvl5pPr marL="2057400" indent="-228600">
+              <a:spcBef>
+                <a:spcPct val="20000"/>
+              </a:spcBef>
+              <a:buClr>
+                <a:schemeClr val="tx2"/>
+              </a:buClr>
+              <a:buChar char="•"/>
+              <a:defRPr sz="2000">
+                <a:solidFill>
+                  <a:schemeClr val="tx1"/>
+                </a:solidFill>
+                <a:latin typeface="Times New Roman" panose="02020603050405020304" pitchFamily="18" charset="0"/>
+                <a:ea typeface="MS PGothic" panose="020B0600070205080204" pitchFamily="34" charset="-128"/>
+              </a:defRPr>
+            </a:lvl5pPr>
+            <a:lvl6pPr marL="2514600" indent="-228600" eaLnBrk="0" fontAlgn="base" hangingPunct="0">
+              <a:spcBef>
+                <a:spcPct val="20000"/>
+              </a:spcBef>
+              <a:spcAft>
+                <a:spcPct val="0"/>
+              </a:spcAft>
+              <a:buClr>
+                <a:schemeClr val="tx2"/>
+              </a:buClr>
+              <a:buChar char="•"/>
+              <a:defRPr sz="2000">
+                <a:solidFill>
+                  <a:schemeClr val="tx1"/>
+                </a:solidFill>
+                <a:latin typeface="Times New Roman" panose="02020603050405020304" pitchFamily="18" charset="0"/>
+                <a:ea typeface="MS PGothic" panose="020B0600070205080204" pitchFamily="34" charset="-128"/>
+              </a:defRPr>
+            </a:lvl6pPr>
+            <a:lvl7pPr marL="2971800" indent="-228600" eaLnBrk="0" fontAlgn="base" hangingPunct="0">
+              <a:spcBef>
+                <a:spcPct val="20000"/>
+              </a:spcBef>
+              <a:spcAft>
+                <a:spcPct val="0"/>
+              </a:spcAft>
+              <a:buClr>
+                <a:schemeClr val="tx2"/>
+              </a:buClr>
+              <a:buChar char="•"/>
+              <a:defRPr sz="2000">
+                <a:solidFill>
+                  <a:schemeClr val="tx1"/>
+                </a:solidFill>
+                <a:latin typeface="Times New Roman" panose="02020603050405020304" pitchFamily="18" charset="0"/>
+                <a:ea typeface="MS PGothic" panose="020B0600070205080204" pitchFamily="34" charset="-128"/>
+              </a:defRPr>
+            </a:lvl7pPr>
+            <a:lvl8pPr marL="3429000" indent="-228600" eaLnBrk="0" fontAlgn="base" hangingPunct="0">
+              <a:spcBef>
+                <a:spcPct val="20000"/>
+              </a:spcBef>
+              <a:spcAft>
+                <a:spcPct val="0"/>
+              </a:spcAft>
+              <a:buClr>
+                <a:schemeClr val="tx2"/>
+              </a:buClr>
+              <a:buChar char="•"/>
+              <a:defRPr sz="2000">
+                <a:solidFill>
+                  <a:schemeClr val="tx1"/>
+                </a:solidFill>
+                <a:latin typeface="Times New Roman" panose="02020603050405020304" pitchFamily="18" charset="0"/>
+                <a:ea typeface="MS PGothic" panose="020B0600070205080204" pitchFamily="34" charset="-128"/>
+              </a:defRPr>
+            </a:lvl8pPr>
+            <a:lvl9pPr marL="3886200" indent="-228600" eaLnBrk="0" fontAlgn="base" hangingPunct="0">
+              <a:spcBef>
+                <a:spcPct val="20000"/>
+              </a:spcBef>
+              <a:spcAft>
+                <a:spcPct val="0"/>
+              </a:spcAft>
+              <a:buClr>
+                <a:schemeClr val="tx2"/>
+              </a:buClr>
+              <a:buChar char="•"/>
+              <a:defRPr sz="2000">
+                <a:solidFill>
+                  <a:schemeClr val="tx1"/>
+                </a:solidFill>
+                <a:latin typeface="Times New Roman" panose="02020603050405020304" pitchFamily="18" charset="0"/>
+                <a:ea typeface="MS PGothic" panose="020B0600070205080204" pitchFamily="34" charset="-128"/>
+              </a:defRPr>
+            </a:lvl9pPr>
+          </a:lstStyle>
+          <a:p>
+            <a:pPr>
+              <a:spcBef>
+                <a:spcPct val="0"/>
+              </a:spcBef>
+              <a:buClrTx/>
+              <a:buSzTx/>
+              <a:buFontTx/>
+              <a:buNone/>
+            </a:pPr>
+            <a:fld id="{D4BBDC0B-EB25-4077-8BF8-7D72B744E665}" type="slidenum">
+              <a:rPr lang="en-US" altLang="en-US" sz="1400"/>
+              <a:pPr>
+                <a:spcBef>
+                  <a:spcPct val="0"/>
+                </a:spcBef>
+                <a:buClrTx/>
+                <a:buSzTx/>
+                <a:buFontTx/>
+                <a:buNone/>
+              </a:pPr>
+              <a:t>24</a:t>
+            </a:fld>
+            <a:endParaRPr lang="en-US" altLang="en-US" sz="1400"/>
+          </a:p>
+        </p:txBody>
+      </p:sp>
+      <p:sp>
+        <p:nvSpPr>
+          <p:cNvPr id="18435" name="Rectangle 2"/>
+          <p:cNvSpPr>
+            <a:spLocks noGrp="1" noChangeArrowheads="1"/>
+          </p:cNvSpPr>
+          <p:nvPr>
+            <p:ph type="title"/>
+          </p:nvPr>
+        </p:nvSpPr>
+        <p:spPr>
+          <a:xfrm>
+            <a:off x="2209800" y="152400"/>
+            <a:ext cx="7772400" cy="762000"/>
+          </a:xfrm>
+        </p:spPr>
+        <p:txBody>
+          <a:bodyPr/>
+          <a:lstStyle/>
+          <a:p>
+            <a:r>
+              <a:rPr lang="en-US" altLang="en-US"/>
+              <a:t>NOTE</a:t>
+            </a:r>
+          </a:p>
+        </p:txBody>
+      </p:sp>
+      <p:sp>
+        <p:nvSpPr>
+          <p:cNvPr id="18436" name="Rectangle 3"/>
+          <p:cNvSpPr>
+            <a:spLocks noGrp="1" noChangeArrowheads="1"/>
+          </p:cNvSpPr>
+          <p:nvPr>
+            <p:ph type="body" idx="1"/>
+          </p:nvPr>
+        </p:nvSpPr>
+        <p:spPr>
+          <a:xfrm>
+            <a:off x="1905000" y="1143000"/>
+            <a:ext cx="8610600" cy="5257800"/>
+          </a:xfrm>
+        </p:spPr>
+        <p:txBody>
+          <a:bodyPr/>
+          <a:lstStyle/>
+          <a:p>
+            <a:pPr marL="0" indent="0">
+              <a:spcAft>
+                <a:spcPct val="25000"/>
+              </a:spcAft>
+              <a:buNone/>
+            </a:pPr>
+            <a:r>
+              <a:rPr lang="en-US" altLang="en-US" sz="3000"/>
+              <a:t>Calculations involving floating-point numbers are approximated because these numbers are not stored with complete accuracy. For example, </a:t>
+            </a:r>
+          </a:p>
+          <a:p>
+            <a:pPr marL="0" indent="0" algn="just">
+              <a:spcAft>
+                <a:spcPct val="25000"/>
+              </a:spcAft>
+              <a:buNone/>
+            </a:pPr>
+            <a:r>
+              <a:rPr lang="en-US" altLang="en-US" sz="3000"/>
+              <a:t>System.out.println(1.0 - 0.1 - 0.1 - 0.1 - 0.1 - 0.1);</a:t>
+            </a:r>
+          </a:p>
+          <a:p>
+            <a:pPr marL="0" indent="0" algn="just">
+              <a:spcAft>
+                <a:spcPct val="25000"/>
+              </a:spcAft>
+              <a:buNone/>
+            </a:pPr>
+            <a:r>
+              <a:rPr lang="en-US" altLang="en-US" sz="3000"/>
+              <a:t>displays 0.5000000000000001, not 0.5, and </a:t>
+            </a:r>
+          </a:p>
+          <a:p>
+            <a:pPr marL="0" indent="0" algn="just">
+              <a:spcAft>
+                <a:spcPct val="25000"/>
+              </a:spcAft>
+              <a:buNone/>
+            </a:pPr>
+            <a:r>
+              <a:rPr lang="en-US" altLang="en-US" sz="3000"/>
+              <a:t>System.out.println(1.0 - 0.9);</a:t>
+            </a:r>
+          </a:p>
+          <a:p>
+            <a:pPr marL="0" indent="0">
+              <a:spcAft>
+                <a:spcPct val="25000"/>
+              </a:spcAft>
+              <a:buNone/>
+            </a:pPr>
+            <a:r>
+              <a:rPr lang="en-US" altLang="en-US" sz="3000"/>
+              <a:t>displays 0.09999999999999998, not 0.1. Integers are stored precisely. Therefore, calculations with integers yield a precise integer result. </a:t>
+            </a:r>
+          </a:p>
+        </p:txBody>
+      </p:sp>
+    </p:spTree>
+    <p:extLst>
+      <p:ext uri="{BB962C8B-B14F-4D97-AF65-F5344CB8AC3E}">
+        <p14:creationId xmlns:p14="http://schemas.microsoft.com/office/powerpoint/2010/main" val="1591666736"/>
+      </p:ext>
+    </p:extLst>
+  </p:cSld>
+  <p:clrMapOvr>
+    <a:masterClrMapping/>
+  </p:clrMapOvr>
+  <p:transition/>
+</p:sld>
+</file>
+
+<file path=ppt/slides/slide25.xml><?xml version="1.0" encoding="utf-8"?>
+<p:sld xmlns:a="http://schemas.openxmlformats.org/drawingml/2006/main" xmlns:r="http://schemas.openxmlformats.org/officeDocument/2006/relationships" xmlns:p="http://schemas.openxmlformats.org/presentationml/2006/main">
+  <p:cSld>
+    <p:spTree>
+      <p:nvGrpSpPr>
+        <p:cNvPr id="1" name=""/>
+        <p:cNvGrpSpPr/>
+        <p:nvPr/>
+      </p:nvGrpSpPr>
+      <p:grpSpPr>
+        <a:xfrm>
+          <a:off x="0" y="0"/>
+          <a:ext cx="0" cy="0"/>
+          <a:chOff x="0" y="0"/>
+          <a:chExt cx="0" cy="0"/>
+        </a:xfrm>
+      </p:grpSpPr>
+      <p:sp>
+        <p:nvSpPr>
+          <p:cNvPr id="20482" name="Slide Number Placeholder 4"/>
+          <p:cNvSpPr>
+            <a:spLocks noGrp="1"/>
+          </p:cNvSpPr>
+          <p:nvPr>
+            <p:ph type="sldNum" sz="quarter" idx="11"/>
+          </p:nvPr>
+        </p:nvSpPr>
+        <p:spPr>
+          <a:noFill/>
+        </p:spPr>
+        <p:txBody>
+          <a:bodyPr/>
+          <a:lstStyle>
+            <a:lvl1pPr>
+              <a:spcBef>
+                <a:spcPct val="20000"/>
+              </a:spcBef>
+              <a:buClr>
+                <a:schemeClr val="tx2"/>
+              </a:buClr>
+              <a:buSzPct val="75000"/>
+              <a:buFont typeface="Monotype Sorts" charset="2"/>
+              <a:buChar char="F"/>
+              <a:defRPr sz="3200">
+                <a:solidFill>
+                  <a:schemeClr val="tx1"/>
+                </a:solidFill>
+                <a:latin typeface="Times New Roman" panose="02020603050405020304" pitchFamily="18" charset="0"/>
+                <a:ea typeface="MS PGothic" panose="020B0600070205080204" pitchFamily="34" charset="-128"/>
+              </a:defRPr>
+            </a:lvl1pPr>
+            <a:lvl2pPr marL="742950" indent="-285750">
+              <a:spcBef>
+                <a:spcPct val="20000"/>
+              </a:spcBef>
+              <a:buClr>
+                <a:schemeClr val="tx1"/>
+              </a:buClr>
+              <a:buChar char="–"/>
+              <a:defRPr sz="2800">
+                <a:solidFill>
+                  <a:schemeClr val="tx1"/>
+                </a:solidFill>
+                <a:latin typeface="Times New Roman" panose="02020603050405020304" pitchFamily="18" charset="0"/>
+                <a:ea typeface="MS PGothic" panose="020B0600070205080204" pitchFamily="34" charset="-128"/>
+              </a:defRPr>
+            </a:lvl2pPr>
+            <a:lvl3pPr marL="1143000" indent="-228600">
+              <a:spcBef>
+                <a:spcPct val="20000"/>
+              </a:spcBef>
+              <a:buClr>
+                <a:schemeClr val="accent2"/>
+              </a:buClr>
+              <a:buSzPct val="65000"/>
+              <a:buFont typeface="Monotype Sorts" charset="2"/>
+              <a:buChar char="u"/>
+              <a:defRPr sz="2400">
+                <a:solidFill>
+                  <a:schemeClr val="tx1"/>
+                </a:solidFill>
+                <a:latin typeface="Times New Roman" panose="02020603050405020304" pitchFamily="18" charset="0"/>
+                <a:ea typeface="MS PGothic" panose="020B0600070205080204" pitchFamily="34" charset="-128"/>
+              </a:defRPr>
+            </a:lvl3pPr>
+            <a:lvl4pPr marL="1600200" indent="-228600">
+              <a:spcBef>
+                <a:spcPct val="20000"/>
+              </a:spcBef>
+              <a:buClr>
+                <a:schemeClr val="tx1"/>
+              </a:buClr>
+              <a:buChar char="–"/>
+              <a:defRPr sz="2000">
+                <a:solidFill>
+                  <a:schemeClr val="tx1"/>
+                </a:solidFill>
+                <a:latin typeface="Times New Roman" panose="02020603050405020304" pitchFamily="18" charset="0"/>
+                <a:ea typeface="MS PGothic" panose="020B0600070205080204" pitchFamily="34" charset="-128"/>
+              </a:defRPr>
+            </a:lvl4pPr>
+            <a:lvl5pPr marL="2057400" indent="-228600">
+              <a:spcBef>
+                <a:spcPct val="20000"/>
+              </a:spcBef>
+              <a:buClr>
+                <a:schemeClr val="tx2"/>
+              </a:buClr>
+              <a:buChar char="•"/>
+              <a:defRPr sz="2000">
+                <a:solidFill>
+                  <a:schemeClr val="tx1"/>
+                </a:solidFill>
+                <a:latin typeface="Times New Roman" panose="02020603050405020304" pitchFamily="18" charset="0"/>
+                <a:ea typeface="MS PGothic" panose="020B0600070205080204" pitchFamily="34" charset="-128"/>
+              </a:defRPr>
+            </a:lvl5pPr>
+            <a:lvl6pPr marL="2514600" indent="-228600" eaLnBrk="0" fontAlgn="base" hangingPunct="0">
+              <a:spcBef>
+                <a:spcPct val="20000"/>
+              </a:spcBef>
+              <a:spcAft>
+                <a:spcPct val="0"/>
+              </a:spcAft>
+              <a:buClr>
+                <a:schemeClr val="tx2"/>
+              </a:buClr>
+              <a:buChar char="•"/>
+              <a:defRPr sz="2000">
+                <a:solidFill>
+                  <a:schemeClr val="tx1"/>
+                </a:solidFill>
+                <a:latin typeface="Times New Roman" panose="02020603050405020304" pitchFamily="18" charset="0"/>
+                <a:ea typeface="MS PGothic" panose="020B0600070205080204" pitchFamily="34" charset="-128"/>
+              </a:defRPr>
+            </a:lvl6pPr>
+            <a:lvl7pPr marL="2971800" indent="-228600" eaLnBrk="0" fontAlgn="base" hangingPunct="0">
+              <a:spcBef>
+                <a:spcPct val="20000"/>
+              </a:spcBef>
+              <a:spcAft>
+                <a:spcPct val="0"/>
+              </a:spcAft>
+              <a:buClr>
+                <a:schemeClr val="tx2"/>
+              </a:buClr>
+              <a:buChar char="•"/>
+              <a:defRPr sz="2000">
+                <a:solidFill>
+                  <a:schemeClr val="tx1"/>
+                </a:solidFill>
+                <a:latin typeface="Times New Roman" panose="02020603050405020304" pitchFamily="18" charset="0"/>
+                <a:ea typeface="MS PGothic" panose="020B0600070205080204" pitchFamily="34" charset="-128"/>
+              </a:defRPr>
+            </a:lvl7pPr>
+            <a:lvl8pPr marL="3429000" indent="-228600" eaLnBrk="0" fontAlgn="base" hangingPunct="0">
+              <a:spcBef>
+                <a:spcPct val="20000"/>
+              </a:spcBef>
+              <a:spcAft>
+                <a:spcPct val="0"/>
+              </a:spcAft>
+              <a:buClr>
+                <a:schemeClr val="tx2"/>
+              </a:buClr>
+              <a:buChar char="•"/>
+              <a:defRPr sz="2000">
+                <a:solidFill>
+                  <a:schemeClr val="tx1"/>
+                </a:solidFill>
+                <a:latin typeface="Times New Roman" panose="02020603050405020304" pitchFamily="18" charset="0"/>
+                <a:ea typeface="MS PGothic" panose="020B0600070205080204" pitchFamily="34" charset="-128"/>
+              </a:defRPr>
+            </a:lvl8pPr>
+            <a:lvl9pPr marL="3886200" indent="-228600" eaLnBrk="0" fontAlgn="base" hangingPunct="0">
+              <a:spcBef>
+                <a:spcPct val="20000"/>
+              </a:spcBef>
+              <a:spcAft>
+                <a:spcPct val="0"/>
+              </a:spcAft>
+              <a:buClr>
+                <a:schemeClr val="tx2"/>
+              </a:buClr>
+              <a:buChar char="•"/>
+              <a:defRPr sz="2000">
+                <a:solidFill>
+                  <a:schemeClr val="tx1"/>
+                </a:solidFill>
+                <a:latin typeface="Times New Roman" panose="02020603050405020304" pitchFamily="18" charset="0"/>
+                <a:ea typeface="MS PGothic" panose="020B0600070205080204" pitchFamily="34" charset="-128"/>
+              </a:defRPr>
+            </a:lvl9pPr>
+          </a:lstStyle>
+          <a:p>
+            <a:pPr>
+              <a:spcBef>
+                <a:spcPct val="0"/>
+              </a:spcBef>
+              <a:buClrTx/>
+              <a:buSzTx/>
+              <a:buFontTx/>
+              <a:buNone/>
+            </a:pPr>
+            <a:fld id="{564F1C9B-EA57-46D0-A149-04696DF5CC8B}" type="slidenum">
+              <a:rPr lang="en-US" altLang="en-US" sz="1400"/>
+              <a:pPr>
+                <a:spcBef>
+                  <a:spcPct val="0"/>
+                </a:spcBef>
+                <a:buClrTx/>
+                <a:buSzTx/>
+                <a:buFontTx/>
+                <a:buNone/>
+              </a:pPr>
+              <a:t>25</a:t>
+            </a:fld>
+            <a:endParaRPr lang="en-US" altLang="en-US" sz="1400"/>
+          </a:p>
+        </p:txBody>
+      </p:sp>
+      <p:sp>
+        <p:nvSpPr>
+          <p:cNvPr id="20483" name="Rectangle 2"/>
+          <p:cNvSpPr>
+            <a:spLocks noGrp="1" noChangeArrowheads="1"/>
+          </p:cNvSpPr>
+          <p:nvPr>
+            <p:ph type="title"/>
+          </p:nvPr>
+        </p:nvSpPr>
+        <p:spPr>
+          <a:xfrm>
+            <a:off x="2209800" y="0"/>
+            <a:ext cx="7772400" cy="1428750"/>
+          </a:xfrm>
+        </p:spPr>
+        <p:txBody>
+          <a:bodyPr/>
+          <a:lstStyle/>
+          <a:p>
+            <a:r>
+              <a:rPr lang="en-US" altLang="en-US"/>
+              <a:t>Number Literals</a:t>
+            </a:r>
+          </a:p>
+        </p:txBody>
+      </p:sp>
+      <p:sp>
+        <p:nvSpPr>
+          <p:cNvPr id="20484" name="Rectangle 3"/>
+          <p:cNvSpPr>
+            <a:spLocks noGrp="1" noChangeArrowheads="1"/>
+          </p:cNvSpPr>
+          <p:nvPr>
+            <p:ph type="body" idx="1"/>
+          </p:nvPr>
+        </p:nvSpPr>
+        <p:spPr>
+          <a:xfrm>
+            <a:off x="2209800" y="1371600"/>
+            <a:ext cx="7772400" cy="4114800"/>
+          </a:xfrm>
+        </p:spPr>
+        <p:txBody>
+          <a:bodyPr/>
+          <a:lstStyle/>
+          <a:p>
+            <a:pPr marL="0" indent="0">
+              <a:spcAft>
+                <a:spcPct val="25000"/>
+              </a:spcAft>
+              <a:buNone/>
+            </a:pPr>
+            <a:r>
+              <a:rPr lang="en-US" altLang="en-US" sz="3000">
+                <a:cs typeface="Times New Roman" panose="02020603050405020304" pitchFamily="18" charset="0"/>
+              </a:rPr>
+              <a:t>A </a:t>
+            </a:r>
+            <a:r>
+              <a:rPr lang="en-US" altLang="en-US" sz="3000" i="1">
+                <a:cs typeface="Times New Roman" panose="02020603050405020304" pitchFamily="18" charset="0"/>
+              </a:rPr>
+              <a:t>literal</a:t>
+            </a:r>
+            <a:r>
+              <a:rPr lang="en-US" altLang="en-US" sz="3000">
+                <a:cs typeface="Times New Roman" panose="02020603050405020304" pitchFamily="18" charset="0"/>
+              </a:rPr>
+              <a:t> is a constant value that appears directly in the program. For example, 34, 1,000,000, and 5.0 are literals in the following statements:</a:t>
+            </a:r>
+          </a:p>
+          <a:p>
+            <a:pPr marL="0" indent="0" algn="just">
+              <a:spcAft>
+                <a:spcPct val="25000"/>
+              </a:spcAft>
+              <a:buNone/>
+            </a:pPr>
+            <a:r>
+              <a:rPr lang="en-US" altLang="en-US" sz="3000">
+                <a:cs typeface="Times New Roman" panose="02020603050405020304" pitchFamily="18" charset="0"/>
+              </a:rPr>
+              <a:t> </a:t>
+            </a:r>
+          </a:p>
+          <a:p>
+            <a:pPr marL="0" indent="0" algn="just">
+              <a:spcAft>
+                <a:spcPct val="25000"/>
+              </a:spcAft>
+              <a:buNone/>
+            </a:pPr>
+            <a:r>
+              <a:rPr lang="en-US" altLang="en-US" sz="3000">
+                <a:cs typeface="Times New Roman" panose="02020603050405020304" pitchFamily="18" charset="0"/>
+              </a:rPr>
+              <a:t>int i = 34;</a:t>
+            </a:r>
+          </a:p>
+          <a:p>
+            <a:pPr marL="0" indent="0" algn="just">
+              <a:spcAft>
+                <a:spcPct val="25000"/>
+              </a:spcAft>
+              <a:buNone/>
+            </a:pPr>
+            <a:r>
+              <a:rPr lang="en-US" altLang="en-US" sz="3000">
+                <a:cs typeface="Times New Roman" panose="02020603050405020304" pitchFamily="18" charset="0"/>
+              </a:rPr>
+              <a:t>long x = 1000000;</a:t>
+            </a:r>
+          </a:p>
+          <a:p>
+            <a:pPr marL="0" indent="0" algn="just">
+              <a:spcAft>
+                <a:spcPct val="25000"/>
+              </a:spcAft>
+              <a:buNone/>
+            </a:pPr>
+            <a:r>
+              <a:rPr lang="en-US" altLang="en-US" sz="3000">
+                <a:cs typeface="Times New Roman" panose="02020603050405020304" pitchFamily="18" charset="0"/>
+              </a:rPr>
+              <a:t>double d = 5.0;</a:t>
+            </a:r>
+            <a:r>
+              <a:rPr lang="en-US" altLang="en-US" sz="3000">
+                <a:latin typeface="Courier New" panose="02070309020205020404" pitchFamily="49" charset="0"/>
+              </a:rPr>
+              <a:t> </a:t>
+            </a:r>
+          </a:p>
+        </p:txBody>
+      </p:sp>
+    </p:spTree>
+    <p:extLst>
+      <p:ext uri="{BB962C8B-B14F-4D97-AF65-F5344CB8AC3E}">
+        <p14:creationId xmlns:p14="http://schemas.microsoft.com/office/powerpoint/2010/main" val="3211564799"/>
+      </p:ext>
+    </p:extLst>
+  </p:cSld>
+  <p:clrMapOvr>
+    <a:masterClrMapping/>
+  </p:clrMapOvr>
+  <p:transition/>
+</p:sld>
+</file>
+
+<file path=ppt/slides/slide26.xml><?xml version="1.0" encoding="utf-8"?>
+<p:sld xmlns:a="http://schemas.openxmlformats.org/drawingml/2006/main" xmlns:r="http://schemas.openxmlformats.org/officeDocument/2006/relationships" xmlns:p="http://schemas.openxmlformats.org/presentationml/2006/main">
+  <p:cSld>
+    <p:spTree>
+      <p:nvGrpSpPr>
+        <p:cNvPr id="1" name=""/>
+        <p:cNvGrpSpPr/>
+        <p:nvPr/>
+      </p:nvGrpSpPr>
+      <p:grpSpPr>
+        <a:xfrm>
+          <a:off x="0" y="0"/>
+          <a:ext cx="0" cy="0"/>
+          <a:chOff x="0" y="0"/>
+          <a:chExt cx="0" cy="0"/>
+        </a:xfrm>
+      </p:grpSpPr>
+      <p:sp>
+        <p:nvSpPr>
           <p:cNvPr id="21506" name="Slide Number Placeholder 4"/>
           <p:cNvSpPr>
             <a:spLocks noGrp="1"/>
@@ -18729,7 +20028,7 @@
                 <a:buFontTx/>
                 <a:buNone/>
               </a:pPr>
-              <a:t>24</a:t>
+              <a:t>26</a:t>
             </a:fld>
             <a:endParaRPr lang="en-US" altLang="en-US" sz="1400"/>
           </a:p>
@@ -18998,7 +20297,7 @@
           <a:graphicData uri="http://schemas.openxmlformats.org/presentationml/2006/ole">
             <mc:AlternateContent xmlns:mc="http://schemas.openxmlformats.org/markup-compatibility/2006">
               <mc:Choice xmlns:v="urn:schemas-microsoft-com:vml" Requires="v">
-                <p:oleObj spid="_x0000_s3078" name="Equation" r:id="rId4" imgW="2667000" imgH="419100" progId="Equation.3">
+                <p:oleObj spid="_x0000_s3082" name="Equation" r:id="rId4" imgW="2667000" imgH="419100" progId="Equation.3">
                   <p:embed/>
                 </p:oleObj>
               </mc:Choice>
@@ -19342,7 +20641,7 @@
 </p:sld>
 </file>
 
-<file path=ppt/slides/slide25.xml><?xml version="1.0" encoding="utf-8"?>
+<file path=ppt/slides/slide27.xml><?xml version="1.0" encoding="utf-8"?>
 <p:sld xmlns:a="http://schemas.openxmlformats.org/drawingml/2006/main" xmlns:r="http://schemas.openxmlformats.org/officeDocument/2006/relationships" xmlns:p="http://schemas.openxmlformats.org/presentationml/2006/main">
   <p:cSld>
     <p:spTree>
@@ -19557,7 +20856,7 @@
                 <a:buFontTx/>
                 <a:buNone/>
               </a:pPr>
-              <a:t>25</a:t>
+              <a:t>27</a:t>
             </a:fld>
             <a:endParaRPr lang="en-US" altLang="en-US" sz="1400"/>
           </a:p>
@@ -20079,7 +21378,7 @@
           <a:graphicData uri="http://schemas.openxmlformats.org/presentationml/2006/ole">
             <mc:AlternateContent xmlns:mc="http://schemas.openxmlformats.org/markup-compatibility/2006">
               <mc:Choice xmlns:v="urn:schemas-microsoft-com:vml" Requires="v">
-                <p:oleObj spid="_x0000_s4102" name="Equation" r:id="rId4" imgW="1879997" imgH="228997" progId="Equation.3">
+                <p:oleObj spid="_x0000_s4106" name="Equation" r:id="rId4" imgW="1879997" imgH="228997" progId="Equation.3">
                   <p:embed/>
                 </p:oleObj>
               </mc:Choice>
@@ -20392,7 +21691,7 @@
 </p:sld>
 </file>
 
-<file path=ppt/slides/slide26.xml><?xml version="1.0" encoding="utf-8"?>
+<file path=ppt/slides/slide28.xml><?xml version="1.0" encoding="utf-8"?>
 <p:sld xmlns:a="http://schemas.openxmlformats.org/drawingml/2006/main" xmlns:r="http://schemas.openxmlformats.org/officeDocument/2006/relationships" xmlns:p="http://schemas.openxmlformats.org/presentationml/2006/main">
   <p:cSld>
     <p:spTree>
@@ -20607,7 +21906,7 @@
                 <a:buFontTx/>
                 <a:buNone/>
               </a:pPr>
-              <a:t>26</a:t>
+              <a:t>28</a:t>
             </a:fld>
             <a:endParaRPr lang="en-US" altLang="en-US" sz="1400"/>
           </a:p>
@@ -20708,7 +22007,7 @@
 </p:sld>
 </file>
 
-<file path=ppt/slides/slide27.xml><?xml version="1.0" encoding="utf-8"?>
+<file path=ppt/slides/slide29.xml><?xml version="1.0" encoding="utf-8"?>
 <p:sld xmlns:a="http://schemas.openxmlformats.org/drawingml/2006/main" xmlns:r="http://schemas.openxmlformats.org/officeDocument/2006/relationships" xmlns:p="http://schemas.openxmlformats.org/presentationml/2006/main">
   <p:cSld>
     <p:spTree>
@@ -20923,7 +22222,7 @@
                 <a:buFontTx/>
                 <a:buNone/>
               </a:pPr>
-              <a:t>27</a:t>
+              <a:t>29</a:t>
             </a:fld>
             <a:endParaRPr lang="en-US" altLang="en-US" sz="1400"/>
           </a:p>
@@ -21500,7 +22799,7 @@
 </p:sld>
 </file>
 
-<file path=ppt/slides/slide28.xml><?xml version="1.0" encoding="utf-8"?>
+<file path=ppt/slides/slide3.xml><?xml version="1.0" encoding="utf-8"?>
 <p:sld xmlns:a="http://schemas.openxmlformats.org/drawingml/2006/main" xmlns:r="http://schemas.openxmlformats.org/officeDocument/2006/relationships" xmlns:p="http://schemas.openxmlformats.org/presentationml/2006/main">
   <p:cSld>
     <p:spTree>
@@ -21519,6 +22818,427 @@
       </p:grpSpPr>
       <p:sp>
         <p:nvSpPr>
+          <p:cNvPr id="5122" name="Slide Number Placeholder 4"/>
+          <p:cNvSpPr>
+            <a:spLocks noGrp="1"/>
+          </p:cNvSpPr>
+          <p:nvPr>
+            <p:ph type="sldNum" sz="quarter" idx="11"/>
+          </p:nvPr>
+        </p:nvSpPr>
+        <p:spPr>
+          <a:noFill/>
+        </p:spPr>
+        <p:txBody>
+          <a:bodyPr/>
+          <a:lstStyle>
+            <a:lvl1pPr>
+              <a:spcBef>
+                <a:spcPct val="20000"/>
+              </a:spcBef>
+              <a:buClr>
+                <a:schemeClr val="tx2"/>
+              </a:buClr>
+              <a:buSzPct val="75000"/>
+              <a:buFont typeface="Monotype Sorts" charset="2"/>
+              <a:buChar char="F"/>
+              <a:defRPr sz="3200">
+                <a:solidFill>
+                  <a:schemeClr val="tx1"/>
+                </a:solidFill>
+                <a:latin typeface="Times New Roman" panose="02020603050405020304" pitchFamily="18" charset="0"/>
+                <a:ea typeface="MS PGothic" panose="020B0600070205080204" pitchFamily="34" charset="-128"/>
+              </a:defRPr>
+            </a:lvl1pPr>
+            <a:lvl2pPr marL="742950" indent="-285750">
+              <a:spcBef>
+                <a:spcPct val="20000"/>
+              </a:spcBef>
+              <a:buClr>
+                <a:schemeClr val="tx1"/>
+              </a:buClr>
+              <a:buChar char="–"/>
+              <a:defRPr sz="2800">
+                <a:solidFill>
+                  <a:schemeClr val="tx1"/>
+                </a:solidFill>
+                <a:latin typeface="Times New Roman" panose="02020603050405020304" pitchFamily="18" charset="0"/>
+                <a:ea typeface="MS PGothic" panose="020B0600070205080204" pitchFamily="34" charset="-128"/>
+              </a:defRPr>
+            </a:lvl2pPr>
+            <a:lvl3pPr marL="1143000" indent="-228600">
+              <a:spcBef>
+                <a:spcPct val="20000"/>
+              </a:spcBef>
+              <a:buClr>
+                <a:schemeClr val="accent2"/>
+              </a:buClr>
+              <a:buSzPct val="65000"/>
+              <a:buFont typeface="Monotype Sorts" charset="2"/>
+              <a:buChar char="u"/>
+              <a:defRPr sz="2400">
+                <a:solidFill>
+                  <a:schemeClr val="tx1"/>
+                </a:solidFill>
+                <a:latin typeface="Times New Roman" panose="02020603050405020304" pitchFamily="18" charset="0"/>
+                <a:ea typeface="MS PGothic" panose="020B0600070205080204" pitchFamily="34" charset="-128"/>
+              </a:defRPr>
+            </a:lvl3pPr>
+            <a:lvl4pPr marL="1600200" indent="-228600">
+              <a:spcBef>
+                <a:spcPct val="20000"/>
+              </a:spcBef>
+              <a:buClr>
+                <a:schemeClr val="tx1"/>
+              </a:buClr>
+              <a:buChar char="–"/>
+              <a:defRPr sz="2000">
+                <a:solidFill>
+                  <a:schemeClr val="tx1"/>
+                </a:solidFill>
+                <a:latin typeface="Times New Roman" panose="02020603050405020304" pitchFamily="18" charset="0"/>
+                <a:ea typeface="MS PGothic" panose="020B0600070205080204" pitchFamily="34" charset="-128"/>
+              </a:defRPr>
+            </a:lvl4pPr>
+            <a:lvl5pPr marL="2057400" indent="-228600">
+              <a:spcBef>
+                <a:spcPct val="20000"/>
+              </a:spcBef>
+              <a:buClr>
+                <a:schemeClr val="tx2"/>
+              </a:buClr>
+              <a:buChar char="•"/>
+              <a:defRPr sz="2000">
+                <a:solidFill>
+                  <a:schemeClr val="tx1"/>
+                </a:solidFill>
+                <a:latin typeface="Times New Roman" panose="02020603050405020304" pitchFamily="18" charset="0"/>
+                <a:ea typeface="MS PGothic" panose="020B0600070205080204" pitchFamily="34" charset="-128"/>
+              </a:defRPr>
+            </a:lvl5pPr>
+            <a:lvl6pPr marL="2514600" indent="-228600" eaLnBrk="0" fontAlgn="base" hangingPunct="0">
+              <a:spcBef>
+                <a:spcPct val="20000"/>
+              </a:spcBef>
+              <a:spcAft>
+                <a:spcPct val="0"/>
+              </a:spcAft>
+              <a:buClr>
+                <a:schemeClr val="tx2"/>
+              </a:buClr>
+              <a:buChar char="•"/>
+              <a:defRPr sz="2000">
+                <a:solidFill>
+                  <a:schemeClr val="tx1"/>
+                </a:solidFill>
+                <a:latin typeface="Times New Roman" panose="02020603050405020304" pitchFamily="18" charset="0"/>
+                <a:ea typeface="MS PGothic" panose="020B0600070205080204" pitchFamily="34" charset="-128"/>
+              </a:defRPr>
+            </a:lvl6pPr>
+            <a:lvl7pPr marL="2971800" indent="-228600" eaLnBrk="0" fontAlgn="base" hangingPunct="0">
+              <a:spcBef>
+                <a:spcPct val="20000"/>
+              </a:spcBef>
+              <a:spcAft>
+                <a:spcPct val="0"/>
+              </a:spcAft>
+              <a:buClr>
+                <a:schemeClr val="tx2"/>
+              </a:buClr>
+              <a:buChar char="•"/>
+              <a:defRPr sz="2000">
+                <a:solidFill>
+                  <a:schemeClr val="tx1"/>
+                </a:solidFill>
+                <a:latin typeface="Times New Roman" panose="02020603050405020304" pitchFamily="18" charset="0"/>
+                <a:ea typeface="MS PGothic" panose="020B0600070205080204" pitchFamily="34" charset="-128"/>
+              </a:defRPr>
+            </a:lvl7pPr>
+            <a:lvl8pPr marL="3429000" indent="-228600" eaLnBrk="0" fontAlgn="base" hangingPunct="0">
+              <a:spcBef>
+                <a:spcPct val="20000"/>
+              </a:spcBef>
+              <a:spcAft>
+                <a:spcPct val="0"/>
+              </a:spcAft>
+              <a:buClr>
+                <a:schemeClr val="tx2"/>
+              </a:buClr>
+              <a:buChar char="•"/>
+              <a:defRPr sz="2000">
+                <a:solidFill>
+                  <a:schemeClr val="tx1"/>
+                </a:solidFill>
+                <a:latin typeface="Times New Roman" panose="02020603050405020304" pitchFamily="18" charset="0"/>
+                <a:ea typeface="MS PGothic" panose="020B0600070205080204" pitchFamily="34" charset="-128"/>
+              </a:defRPr>
+            </a:lvl8pPr>
+            <a:lvl9pPr marL="3886200" indent="-228600" eaLnBrk="0" fontAlgn="base" hangingPunct="0">
+              <a:spcBef>
+                <a:spcPct val="20000"/>
+              </a:spcBef>
+              <a:spcAft>
+                <a:spcPct val="0"/>
+              </a:spcAft>
+              <a:buClr>
+                <a:schemeClr val="tx2"/>
+              </a:buClr>
+              <a:buChar char="•"/>
+              <a:defRPr sz="2000">
+                <a:solidFill>
+                  <a:schemeClr val="tx1"/>
+                </a:solidFill>
+                <a:latin typeface="Times New Roman" panose="02020603050405020304" pitchFamily="18" charset="0"/>
+                <a:ea typeface="MS PGothic" panose="020B0600070205080204" pitchFamily="34" charset="-128"/>
+              </a:defRPr>
+            </a:lvl9pPr>
+          </a:lstStyle>
+          <a:p>
+            <a:pPr>
+              <a:spcBef>
+                <a:spcPct val="0"/>
+              </a:spcBef>
+              <a:buClrTx/>
+              <a:buSzTx/>
+              <a:buFontTx/>
+              <a:buNone/>
+            </a:pPr>
+            <a:fld id="{B3AA1469-CD8E-4CF1-80AC-5102D93F4827}" type="slidenum">
+              <a:rPr lang="en-US" altLang="en-US" sz="1400"/>
+              <a:pPr>
+                <a:spcBef>
+                  <a:spcPct val="0"/>
+                </a:spcBef>
+                <a:buClrTx/>
+                <a:buSzTx/>
+                <a:buFontTx/>
+                <a:buNone/>
+              </a:pPr>
+              <a:t>3</a:t>
+            </a:fld>
+            <a:endParaRPr lang="en-US" altLang="en-US" sz="1400"/>
+          </a:p>
+        </p:txBody>
+      </p:sp>
+      <p:sp>
+        <p:nvSpPr>
+          <p:cNvPr id="5123" name="Rectangle 2"/>
+          <p:cNvSpPr>
+            <a:spLocks noGrp="1" noChangeArrowheads="1"/>
+          </p:cNvSpPr>
+          <p:nvPr>
+            <p:ph type="title"/>
+          </p:nvPr>
+        </p:nvSpPr>
+        <p:spPr>
+          <a:xfrm>
+            <a:off x="2209800" y="304800"/>
+            <a:ext cx="7772400" cy="1428750"/>
+          </a:xfrm>
+        </p:spPr>
+        <p:txBody>
+          <a:bodyPr>
+            <a:normAutofit/>
+          </a:bodyPr>
+          <a:lstStyle/>
+          <a:p>
+            <a:pPr algn="ctr"/>
+            <a:r>
+              <a:rPr lang="en-US" altLang="en-US" sz="3200" dirty="0">
+                <a:solidFill>
+                  <a:schemeClr val="accent1"/>
+                </a:solidFill>
+              </a:rPr>
+              <a:t>Introducing Programming with an Example</a:t>
+            </a:r>
+          </a:p>
+        </p:txBody>
+      </p:sp>
+      <p:sp>
+        <p:nvSpPr>
+          <p:cNvPr id="5124" name="Rectangle 3"/>
+          <p:cNvSpPr>
+            <a:spLocks noGrp="1" noChangeArrowheads="1"/>
+          </p:cNvSpPr>
+          <p:nvPr>
+            <p:ph type="body" idx="1"/>
+          </p:nvPr>
+        </p:nvSpPr>
+        <p:spPr>
+          <a:xfrm>
+            <a:off x="1717675" y="1854200"/>
+            <a:ext cx="8718550" cy="4262438"/>
+          </a:xfrm>
+        </p:spPr>
+        <p:txBody>
+          <a:bodyPr>
+            <a:normAutofit fontScale="62500" lnSpcReduction="20000"/>
+          </a:bodyPr>
+          <a:lstStyle/>
+          <a:p>
+            <a:pPr marL="432" indent="0">
+              <a:buNone/>
+            </a:pPr>
+            <a:r>
+              <a:rPr lang="en-US" sz="3200" noProof="0" dirty="0"/>
+              <a:t>Listing 2.1 Computing the Area of a Circle</a:t>
+            </a:r>
+          </a:p>
+          <a:p>
+            <a:pPr>
+              <a:spcBef>
+                <a:spcPct val="50000"/>
+              </a:spcBef>
+              <a:buFont typeface="Wingdings" panose="05000000000000000000" pitchFamily="2" charset="2"/>
+              <a:buChar char="Ø"/>
+            </a:pPr>
+            <a:r>
+              <a:rPr lang="en-US" altLang="en-US" sz="3600" dirty="0"/>
+              <a:t>Write a program to calculate the area of a circle with radius 20.</a:t>
+            </a:r>
+          </a:p>
+          <a:p>
+            <a:pPr>
+              <a:spcBef>
+                <a:spcPct val="50000"/>
+              </a:spcBef>
+            </a:pPr>
+            <a:r>
+              <a:rPr lang="en-US" altLang="en-US" sz="3600" dirty="0"/>
+              <a:t>Problem Solving</a:t>
+            </a:r>
+          </a:p>
+          <a:p>
+            <a:pPr lvl="1">
+              <a:spcBef>
+                <a:spcPct val="50000"/>
+              </a:spcBef>
+            </a:pPr>
+            <a:r>
+              <a:rPr lang="en-US" altLang="en-US" sz="3200" dirty="0"/>
+              <a:t>Analyze the problem </a:t>
+            </a:r>
+          </a:p>
+          <a:p>
+            <a:pPr lvl="2">
+              <a:spcBef>
+                <a:spcPct val="50000"/>
+              </a:spcBef>
+            </a:pPr>
+            <a:r>
+              <a:rPr lang="en-US" altLang="en-US" sz="2800" dirty="0"/>
+              <a:t>input/output</a:t>
+            </a:r>
+          </a:p>
+          <a:p>
+            <a:pPr lvl="1">
+              <a:spcBef>
+                <a:spcPct val="50000"/>
+              </a:spcBef>
+            </a:pPr>
+            <a:r>
+              <a:rPr lang="en-US" altLang="en-US" sz="3200" dirty="0"/>
+              <a:t>Design Solution</a:t>
+            </a:r>
+          </a:p>
+          <a:p>
+            <a:pPr lvl="2">
+              <a:spcBef>
+                <a:spcPct val="50000"/>
+              </a:spcBef>
+            </a:pPr>
+            <a:r>
+              <a:rPr lang="en-US" altLang="en-US" sz="2800" dirty="0"/>
+              <a:t>Algorithm</a:t>
+            </a:r>
+          </a:p>
+          <a:p>
+            <a:pPr lvl="1">
+              <a:spcBef>
+                <a:spcPct val="50000"/>
+              </a:spcBef>
+            </a:pPr>
+            <a:r>
+              <a:rPr lang="en-US" altLang="en-US" sz="3200" dirty="0"/>
+              <a:t>Coding</a:t>
+            </a:r>
+          </a:p>
+          <a:p>
+            <a:pPr lvl="2">
+              <a:spcBef>
+                <a:spcPct val="50000"/>
+              </a:spcBef>
+            </a:pPr>
+            <a:r>
+              <a:rPr lang="en-US" altLang="en-US" sz="2800" dirty="0"/>
+              <a:t>Program</a:t>
+            </a:r>
+          </a:p>
+          <a:p>
+            <a:pPr lvl="1">
+              <a:spcBef>
+                <a:spcPct val="50000"/>
+              </a:spcBef>
+            </a:pPr>
+            <a:r>
+              <a:rPr lang="en-US" altLang="en-US" sz="3200" dirty="0"/>
+              <a:t>Testing </a:t>
+            </a:r>
+          </a:p>
+          <a:p>
+            <a:pPr lvl="2">
+              <a:spcBef>
+                <a:spcPct val="50000"/>
+              </a:spcBef>
+            </a:pPr>
+            <a:r>
+              <a:rPr lang="en-US" altLang="en-US" sz="2800" dirty="0"/>
+              <a:t>Syntax error, run-time error, logical error</a:t>
+            </a:r>
+          </a:p>
+          <a:p>
+            <a:pPr lvl="1">
+              <a:spcBef>
+                <a:spcPct val="50000"/>
+              </a:spcBef>
+            </a:pPr>
+            <a:endParaRPr lang="en-US" altLang="en-US" sz="3200" dirty="0"/>
+          </a:p>
+        </p:txBody>
+      </p:sp>
+    </p:spTree>
+    <p:extLst>
+      <p:ext uri="{BB962C8B-B14F-4D97-AF65-F5344CB8AC3E}">
+        <p14:creationId xmlns:p14="http://schemas.microsoft.com/office/powerpoint/2010/main" val="3996506807"/>
+      </p:ext>
+    </p:extLst>
+  </p:cSld>
+  <p:clrMapOvr>
+    <a:masterClrMapping/>
+  </p:clrMapOvr>
+  <p:transition/>
+</p:sld>
+</file>
+
+<file path=ppt/slides/slide30.xml><?xml version="1.0" encoding="utf-8"?>
+<p:sld xmlns:a="http://schemas.openxmlformats.org/drawingml/2006/main" xmlns:r="http://schemas.openxmlformats.org/officeDocument/2006/relationships" xmlns:p="http://schemas.openxmlformats.org/presentationml/2006/main">
+  <p:cSld>
+    <p:spTree>
+      <p:nvGrpSpPr>
+        <p:cNvPr id="1" name=""/>
+        <p:cNvGrpSpPr/>
+        <p:nvPr/>
+      </p:nvGrpSpPr>
+      <p:grpSpPr>
+        <a:xfrm>
+          <a:off x="0" y="0"/>
+          <a:ext cx="0" cy="0"/>
+          <a:chOff x="0" y="0"/>
+          <a:chExt cx="0" cy="0"/>
+        </a:xfrm>
+      </p:grpSpPr>
+      <p:sp>
+        <p:nvSpPr>
           <p:cNvPr id="27650" name="Slide Number Placeholder 4"/>
           <p:cNvSpPr>
             <a:spLocks noGrp="1"/>
@@ -21715,7 +23435,7 @@
                 <a:buFontTx/>
                 <a:buNone/>
               </a:pPr>
-              <a:t>28</a:t>
+              <a:t>30</a:t>
             </a:fld>
             <a:endParaRPr lang="en-US" altLang="en-US" sz="1400"/>
           </a:p>
@@ -22873,7 +24593,7 @@
           <a:graphicData uri="http://schemas.openxmlformats.org/presentationml/2006/ole">
             <mc:AlternateContent xmlns:mc="http://schemas.openxmlformats.org/markup-compatibility/2006">
               <mc:Choice xmlns:v="urn:schemas-microsoft-com:vml" Requires="v">
-                <p:oleObj spid="_x0000_s5130" name="Picture" r:id="rId4" imgW="4422648" imgH="685800" progId="Word.Picture.8">
+                <p:oleObj spid="_x0000_s5138" name="Picture" r:id="rId4" imgW="4422648" imgH="685800" progId="Word.Picture.8">
                   <p:embed/>
                 </p:oleObj>
               </mc:Choice>
@@ -23176,7 +24896,7 @@
           <a:graphicData uri="http://schemas.openxmlformats.org/presentationml/2006/ole">
             <mc:AlternateContent xmlns:mc="http://schemas.openxmlformats.org/markup-compatibility/2006">
               <mc:Choice xmlns:v="urn:schemas-microsoft-com:vml" Requires="v">
-                <p:oleObj spid="_x0000_s5131" name="Picture" r:id="rId6" imgW="4575048" imgH="685800" progId="Word.Picture.8">
+                <p:oleObj spid="_x0000_s5139" name="Picture" r:id="rId6" imgW="4575048" imgH="685800" progId="Word.Picture.8">
                   <p:embed/>
                 </p:oleObj>
               </mc:Choice>
@@ -23257,7 +24977,7 @@
 </p:sld>
 </file>
 
-<file path=ppt/slides/slide29.xml><?xml version="1.0" encoding="utf-8"?>
+<file path=ppt/slides/slide31.xml><?xml version="1.0" encoding="utf-8"?>
 <p:sld xmlns:a="http://schemas.openxmlformats.org/drawingml/2006/main" xmlns:r="http://schemas.openxmlformats.org/officeDocument/2006/relationships" xmlns:p="http://schemas.openxmlformats.org/presentationml/2006/main">
   <p:cSld>
     <p:spTree>
@@ -23472,7 +25192,7 @@
                 <a:buFontTx/>
                 <a:buNone/>
               </a:pPr>
-              <a:t>29</a:t>
+              <a:t>31</a:t>
             </a:fld>
             <a:endParaRPr lang="en-US" altLang="en-US" sz="1400"/>
           </a:p>
@@ -23598,7 +25318,7 @@
 </p:sld>
 </file>
 
-<file path=ppt/slides/slide3.xml><?xml version="1.0" encoding="utf-8"?>
+<file path=ppt/slides/slide32.xml><?xml version="1.0" encoding="utf-8"?>
 <p:sld xmlns:a="http://schemas.openxmlformats.org/drawingml/2006/main" xmlns:r="http://schemas.openxmlformats.org/officeDocument/2006/relationships" xmlns:p="http://schemas.openxmlformats.org/presentationml/2006/main">
   <p:cSld>
     <p:spTree>
@@ -23617,427 +25337,6 @@
       </p:grpSpPr>
       <p:sp>
         <p:nvSpPr>
-          <p:cNvPr id="5122" name="Slide Number Placeholder 4"/>
-          <p:cNvSpPr>
-            <a:spLocks noGrp="1"/>
-          </p:cNvSpPr>
-          <p:nvPr>
-            <p:ph type="sldNum" sz="quarter" idx="11"/>
-          </p:nvPr>
-        </p:nvSpPr>
-        <p:spPr>
-          <a:noFill/>
-        </p:spPr>
-        <p:txBody>
-          <a:bodyPr/>
-          <a:lstStyle>
-            <a:lvl1pPr>
-              <a:spcBef>
-                <a:spcPct val="20000"/>
-              </a:spcBef>
-              <a:buClr>
-                <a:schemeClr val="tx2"/>
-              </a:buClr>
-              <a:buSzPct val="75000"/>
-              <a:buFont typeface="Monotype Sorts" charset="2"/>
-              <a:buChar char="F"/>
-              <a:defRPr sz="3200">
-                <a:solidFill>
-                  <a:schemeClr val="tx1"/>
-                </a:solidFill>
-                <a:latin typeface="Times New Roman" panose="02020603050405020304" pitchFamily="18" charset="0"/>
-                <a:ea typeface="MS PGothic" panose="020B0600070205080204" pitchFamily="34" charset="-128"/>
-              </a:defRPr>
-            </a:lvl1pPr>
-            <a:lvl2pPr marL="742950" indent="-285750">
-              <a:spcBef>
-                <a:spcPct val="20000"/>
-              </a:spcBef>
-              <a:buClr>
-                <a:schemeClr val="tx1"/>
-              </a:buClr>
-              <a:buChar char="–"/>
-              <a:defRPr sz="2800">
-                <a:solidFill>
-                  <a:schemeClr val="tx1"/>
-                </a:solidFill>
-                <a:latin typeface="Times New Roman" panose="02020603050405020304" pitchFamily="18" charset="0"/>
-                <a:ea typeface="MS PGothic" panose="020B0600070205080204" pitchFamily="34" charset="-128"/>
-              </a:defRPr>
-            </a:lvl2pPr>
-            <a:lvl3pPr marL="1143000" indent="-228600">
-              <a:spcBef>
-                <a:spcPct val="20000"/>
-              </a:spcBef>
-              <a:buClr>
-                <a:schemeClr val="accent2"/>
-              </a:buClr>
-              <a:buSzPct val="65000"/>
-              <a:buFont typeface="Monotype Sorts" charset="2"/>
-              <a:buChar char="u"/>
-              <a:defRPr sz="2400">
-                <a:solidFill>
-                  <a:schemeClr val="tx1"/>
-                </a:solidFill>
-                <a:latin typeface="Times New Roman" panose="02020603050405020304" pitchFamily="18" charset="0"/>
-                <a:ea typeface="MS PGothic" panose="020B0600070205080204" pitchFamily="34" charset="-128"/>
-              </a:defRPr>
-            </a:lvl3pPr>
-            <a:lvl4pPr marL="1600200" indent="-228600">
-              <a:spcBef>
-                <a:spcPct val="20000"/>
-              </a:spcBef>
-              <a:buClr>
-                <a:schemeClr val="tx1"/>
-              </a:buClr>
-              <a:buChar char="–"/>
-              <a:defRPr sz="2000">
-                <a:solidFill>
-                  <a:schemeClr val="tx1"/>
-                </a:solidFill>
-                <a:latin typeface="Times New Roman" panose="02020603050405020304" pitchFamily="18" charset="0"/>
-                <a:ea typeface="MS PGothic" panose="020B0600070205080204" pitchFamily="34" charset="-128"/>
-              </a:defRPr>
-            </a:lvl4pPr>
-            <a:lvl5pPr marL="2057400" indent="-228600">
-              <a:spcBef>
-                <a:spcPct val="20000"/>
-              </a:spcBef>
-              <a:buClr>
-                <a:schemeClr val="tx2"/>
-              </a:buClr>
-              <a:buChar char="•"/>
-              <a:defRPr sz="2000">
-                <a:solidFill>
-                  <a:schemeClr val="tx1"/>
-                </a:solidFill>
-                <a:latin typeface="Times New Roman" panose="02020603050405020304" pitchFamily="18" charset="0"/>
-                <a:ea typeface="MS PGothic" panose="020B0600070205080204" pitchFamily="34" charset="-128"/>
-              </a:defRPr>
-            </a:lvl5pPr>
-            <a:lvl6pPr marL="2514600" indent="-228600" eaLnBrk="0" fontAlgn="base" hangingPunct="0">
-              <a:spcBef>
-                <a:spcPct val="20000"/>
-              </a:spcBef>
-              <a:spcAft>
-                <a:spcPct val="0"/>
-              </a:spcAft>
-              <a:buClr>
-                <a:schemeClr val="tx2"/>
-              </a:buClr>
-              <a:buChar char="•"/>
-              <a:defRPr sz="2000">
-                <a:solidFill>
-                  <a:schemeClr val="tx1"/>
-                </a:solidFill>
-                <a:latin typeface="Times New Roman" panose="02020603050405020304" pitchFamily="18" charset="0"/>
-                <a:ea typeface="MS PGothic" panose="020B0600070205080204" pitchFamily="34" charset="-128"/>
-              </a:defRPr>
-            </a:lvl6pPr>
-            <a:lvl7pPr marL="2971800" indent="-228600" eaLnBrk="0" fontAlgn="base" hangingPunct="0">
-              <a:spcBef>
-                <a:spcPct val="20000"/>
-              </a:spcBef>
-              <a:spcAft>
-                <a:spcPct val="0"/>
-              </a:spcAft>
-              <a:buClr>
-                <a:schemeClr val="tx2"/>
-              </a:buClr>
-              <a:buChar char="•"/>
-              <a:defRPr sz="2000">
-                <a:solidFill>
-                  <a:schemeClr val="tx1"/>
-                </a:solidFill>
-                <a:latin typeface="Times New Roman" panose="02020603050405020304" pitchFamily="18" charset="0"/>
-                <a:ea typeface="MS PGothic" panose="020B0600070205080204" pitchFamily="34" charset="-128"/>
-              </a:defRPr>
-            </a:lvl7pPr>
-            <a:lvl8pPr marL="3429000" indent="-228600" eaLnBrk="0" fontAlgn="base" hangingPunct="0">
-              <a:spcBef>
-                <a:spcPct val="20000"/>
-              </a:spcBef>
-              <a:spcAft>
-                <a:spcPct val="0"/>
-              </a:spcAft>
-              <a:buClr>
-                <a:schemeClr val="tx2"/>
-              </a:buClr>
-              <a:buChar char="•"/>
-              <a:defRPr sz="2000">
-                <a:solidFill>
-                  <a:schemeClr val="tx1"/>
-                </a:solidFill>
-                <a:latin typeface="Times New Roman" panose="02020603050405020304" pitchFamily="18" charset="0"/>
-                <a:ea typeface="MS PGothic" panose="020B0600070205080204" pitchFamily="34" charset="-128"/>
-              </a:defRPr>
-            </a:lvl8pPr>
-            <a:lvl9pPr marL="3886200" indent="-228600" eaLnBrk="0" fontAlgn="base" hangingPunct="0">
-              <a:spcBef>
-                <a:spcPct val="20000"/>
-              </a:spcBef>
-              <a:spcAft>
-                <a:spcPct val="0"/>
-              </a:spcAft>
-              <a:buClr>
-                <a:schemeClr val="tx2"/>
-              </a:buClr>
-              <a:buChar char="•"/>
-              <a:defRPr sz="2000">
-                <a:solidFill>
-                  <a:schemeClr val="tx1"/>
-                </a:solidFill>
-                <a:latin typeface="Times New Roman" panose="02020603050405020304" pitchFamily="18" charset="0"/>
-                <a:ea typeface="MS PGothic" panose="020B0600070205080204" pitchFamily="34" charset="-128"/>
-              </a:defRPr>
-            </a:lvl9pPr>
-          </a:lstStyle>
-          <a:p>
-            <a:pPr>
-              <a:spcBef>
-                <a:spcPct val="0"/>
-              </a:spcBef>
-              <a:buClrTx/>
-              <a:buSzTx/>
-              <a:buFontTx/>
-              <a:buNone/>
-            </a:pPr>
-            <a:fld id="{B3AA1469-CD8E-4CF1-80AC-5102D93F4827}" type="slidenum">
-              <a:rPr lang="en-US" altLang="en-US" sz="1400"/>
-              <a:pPr>
-                <a:spcBef>
-                  <a:spcPct val="0"/>
-                </a:spcBef>
-                <a:buClrTx/>
-                <a:buSzTx/>
-                <a:buFontTx/>
-                <a:buNone/>
-              </a:pPr>
-              <a:t>3</a:t>
-            </a:fld>
-            <a:endParaRPr lang="en-US" altLang="en-US" sz="1400"/>
-          </a:p>
-        </p:txBody>
-      </p:sp>
-      <p:sp>
-        <p:nvSpPr>
-          <p:cNvPr id="5123" name="Rectangle 2"/>
-          <p:cNvSpPr>
-            <a:spLocks noGrp="1" noChangeArrowheads="1"/>
-          </p:cNvSpPr>
-          <p:nvPr>
-            <p:ph type="title"/>
-          </p:nvPr>
-        </p:nvSpPr>
-        <p:spPr>
-          <a:xfrm>
-            <a:off x="2209800" y="304800"/>
-            <a:ext cx="7772400" cy="1428750"/>
-          </a:xfrm>
-        </p:spPr>
-        <p:txBody>
-          <a:bodyPr>
-            <a:normAutofit/>
-          </a:bodyPr>
-          <a:lstStyle/>
-          <a:p>
-            <a:pPr algn="ctr"/>
-            <a:r>
-              <a:rPr lang="en-US" altLang="en-US" sz="3200" dirty="0">
-                <a:solidFill>
-                  <a:schemeClr val="accent1"/>
-                </a:solidFill>
-              </a:rPr>
-              <a:t>Introducing Programming with an Example</a:t>
-            </a:r>
-          </a:p>
-        </p:txBody>
-      </p:sp>
-      <p:sp>
-        <p:nvSpPr>
-          <p:cNvPr id="5124" name="Rectangle 3"/>
-          <p:cNvSpPr>
-            <a:spLocks noGrp="1" noChangeArrowheads="1"/>
-          </p:cNvSpPr>
-          <p:nvPr>
-            <p:ph type="body" idx="1"/>
-          </p:nvPr>
-        </p:nvSpPr>
-        <p:spPr>
-          <a:xfrm>
-            <a:off x="1717675" y="1854200"/>
-            <a:ext cx="8718550" cy="4262438"/>
-          </a:xfrm>
-        </p:spPr>
-        <p:txBody>
-          <a:bodyPr>
-            <a:normAutofit fontScale="62500" lnSpcReduction="20000"/>
-          </a:bodyPr>
-          <a:lstStyle/>
-          <a:p>
-            <a:pPr marL="432" indent="0">
-              <a:buNone/>
-            </a:pPr>
-            <a:r>
-              <a:rPr lang="en-US" sz="3200" noProof="0" dirty="0"/>
-              <a:t>Listing 2.1 Computing the Area of a Circle</a:t>
-            </a:r>
-          </a:p>
-          <a:p>
-            <a:pPr>
-              <a:spcBef>
-                <a:spcPct val="50000"/>
-              </a:spcBef>
-              <a:buFont typeface="Wingdings" panose="05000000000000000000" pitchFamily="2" charset="2"/>
-              <a:buChar char="Ø"/>
-            </a:pPr>
-            <a:r>
-              <a:rPr lang="en-US" altLang="en-US" sz="3600" dirty="0"/>
-              <a:t>Write a program to calculate the area of a circle with radius 20.</a:t>
-            </a:r>
-          </a:p>
-          <a:p>
-            <a:pPr>
-              <a:spcBef>
-                <a:spcPct val="50000"/>
-              </a:spcBef>
-            </a:pPr>
-            <a:r>
-              <a:rPr lang="en-US" altLang="en-US" sz="3600" dirty="0"/>
-              <a:t>Problem Solving</a:t>
-            </a:r>
-          </a:p>
-          <a:p>
-            <a:pPr lvl="1">
-              <a:spcBef>
-                <a:spcPct val="50000"/>
-              </a:spcBef>
-            </a:pPr>
-            <a:r>
-              <a:rPr lang="en-US" altLang="en-US" sz="3200" dirty="0"/>
-              <a:t>Analyze the problem </a:t>
-            </a:r>
-          </a:p>
-          <a:p>
-            <a:pPr lvl="2">
-              <a:spcBef>
-                <a:spcPct val="50000"/>
-              </a:spcBef>
-            </a:pPr>
-            <a:r>
-              <a:rPr lang="en-US" altLang="en-US" sz="2800" dirty="0"/>
-              <a:t>input/output</a:t>
-            </a:r>
-          </a:p>
-          <a:p>
-            <a:pPr lvl="1">
-              <a:spcBef>
-                <a:spcPct val="50000"/>
-              </a:spcBef>
-            </a:pPr>
-            <a:r>
-              <a:rPr lang="en-US" altLang="en-US" sz="3200" dirty="0"/>
-              <a:t>Design Solution</a:t>
-            </a:r>
-          </a:p>
-          <a:p>
-            <a:pPr lvl="2">
-              <a:spcBef>
-                <a:spcPct val="50000"/>
-              </a:spcBef>
-            </a:pPr>
-            <a:r>
-              <a:rPr lang="en-US" altLang="en-US" sz="2800" dirty="0"/>
-              <a:t>Algorithm</a:t>
-            </a:r>
-          </a:p>
-          <a:p>
-            <a:pPr lvl="1">
-              <a:spcBef>
-                <a:spcPct val="50000"/>
-              </a:spcBef>
-            </a:pPr>
-            <a:r>
-              <a:rPr lang="en-US" altLang="en-US" sz="3200" dirty="0"/>
-              <a:t>Coding</a:t>
-            </a:r>
-          </a:p>
-          <a:p>
-            <a:pPr lvl="2">
-              <a:spcBef>
-                <a:spcPct val="50000"/>
-              </a:spcBef>
-            </a:pPr>
-            <a:r>
-              <a:rPr lang="en-US" altLang="en-US" sz="2800" dirty="0"/>
-              <a:t>Program</a:t>
-            </a:r>
-          </a:p>
-          <a:p>
-            <a:pPr lvl="1">
-              <a:spcBef>
-                <a:spcPct val="50000"/>
-              </a:spcBef>
-            </a:pPr>
-            <a:r>
-              <a:rPr lang="en-US" altLang="en-US" sz="3200" dirty="0"/>
-              <a:t>Testing </a:t>
-            </a:r>
-          </a:p>
-          <a:p>
-            <a:pPr lvl="2">
-              <a:spcBef>
-                <a:spcPct val="50000"/>
-              </a:spcBef>
-            </a:pPr>
-            <a:r>
-              <a:rPr lang="en-US" altLang="en-US" sz="2800" dirty="0"/>
-              <a:t>Syntax error, run-time error, logical error</a:t>
-            </a:r>
-          </a:p>
-          <a:p>
-            <a:pPr lvl="1">
-              <a:spcBef>
-                <a:spcPct val="50000"/>
-              </a:spcBef>
-            </a:pPr>
-            <a:endParaRPr lang="en-US" altLang="en-US" sz="3200" dirty="0"/>
-          </a:p>
-        </p:txBody>
-      </p:sp>
-    </p:spTree>
-    <p:extLst>
-      <p:ext uri="{BB962C8B-B14F-4D97-AF65-F5344CB8AC3E}">
-        <p14:creationId xmlns:p14="http://schemas.microsoft.com/office/powerpoint/2010/main" val="3996506807"/>
-      </p:ext>
-    </p:extLst>
-  </p:cSld>
-  <p:clrMapOvr>
-    <a:masterClrMapping/>
-  </p:clrMapOvr>
-  <p:transition/>
-</p:sld>
-</file>
-
-<file path=ppt/slides/slide30.xml><?xml version="1.0" encoding="utf-8"?>
-<p:sld xmlns:a="http://schemas.openxmlformats.org/drawingml/2006/main" xmlns:r="http://schemas.openxmlformats.org/officeDocument/2006/relationships" xmlns:p="http://schemas.openxmlformats.org/presentationml/2006/main">
-  <p:cSld>
-    <p:spTree>
-      <p:nvGrpSpPr>
-        <p:cNvPr id="1" name=""/>
-        <p:cNvGrpSpPr/>
-        <p:nvPr/>
-      </p:nvGrpSpPr>
-      <p:grpSpPr>
-        <a:xfrm>
-          <a:off x="0" y="0"/>
-          <a:ext cx="0" cy="0"/>
-          <a:chOff x="0" y="0"/>
-          <a:chExt cx="0" cy="0"/>
-        </a:xfrm>
-      </p:grpSpPr>
-      <p:sp>
-        <p:nvSpPr>
           <p:cNvPr id="30722" name="Slide Number Placeholder 4"/>
           <p:cNvSpPr>
             <a:spLocks noGrp="1"/>
@@ -24234,7 +25533,7 @@
                 <a:buFontTx/>
                 <a:buNone/>
               </a:pPr>
-              <a:t>30</a:t>
+              <a:t>32</a:t>
             </a:fld>
             <a:endParaRPr lang="en-US" altLang="en-US" sz="1400"/>
           </a:p>
@@ -24380,7 +25679,7 @@
           <a:graphicData uri="http://schemas.openxmlformats.org/presentationml/2006/ole">
             <mc:AlternateContent xmlns:mc="http://schemas.openxmlformats.org/markup-compatibility/2006">
               <mc:Choice xmlns:v="urn:schemas-microsoft-com:vml" Requires="v">
-                <p:oleObj spid="_x0000_s6150" name="Picture" r:id="rId4" imgW="3378200" imgH="736600" progId="Word.Picture.8">
+                <p:oleObj spid="_x0000_s6154" name="Picture" r:id="rId4" imgW="3378200" imgH="736600" progId="Word.Picture.8">
                   <p:embed/>
                 </p:oleObj>
               </mc:Choice>
@@ -24461,7 +25760,7 @@
 </p:sld>
 </file>
 
-<file path=ppt/slides/slide31.xml><?xml version="1.0" encoding="utf-8"?>
+<file path=ppt/slides/slide33.xml><?xml version="1.0" encoding="utf-8"?>
 <p:sld xmlns:a="http://schemas.openxmlformats.org/drawingml/2006/main" xmlns:r="http://schemas.openxmlformats.org/officeDocument/2006/relationships" xmlns:p="http://schemas.openxmlformats.org/presentationml/2006/main">
   <p:cSld>
     <p:spTree>
@@ -24676,7 +25975,7 @@
                 <a:buFontTx/>
                 <a:buNone/>
               </a:pPr>
-              <a:t>31</a:t>
+              <a:t>33</a:t>
             </a:fld>
             <a:endParaRPr lang="en-US" altLang="en-US" sz="1400"/>
           </a:p>
@@ -25089,7 +26388,7 @@
           <a:graphicData uri="http://schemas.openxmlformats.org/presentationml/2006/ole">
             <mc:AlternateContent xmlns:mc="http://schemas.openxmlformats.org/markup-compatibility/2006">
               <mc:Choice xmlns:v="urn:schemas-microsoft-com:vml" Requires="v">
-                <p:oleObj spid="_x0000_s7174" name="Picture" r:id="rId4" imgW="3378200" imgH="736600" progId="Word.Picture.8">
+                <p:oleObj spid="_x0000_s7178" name="Picture" r:id="rId4" imgW="3378200" imgH="736600" progId="Word.Picture.8">
                   <p:embed/>
                 </p:oleObj>
               </mc:Choice>
@@ -25170,982 +26469,6 @@
 </p:sld>
 </file>
 
-<file path=ppt/slides/slide32.xml><?xml version="1.0" encoding="utf-8"?>
-<p:sld xmlns:a="http://schemas.openxmlformats.org/drawingml/2006/main" xmlns:r="http://schemas.openxmlformats.org/officeDocument/2006/relationships" xmlns:p="http://schemas.openxmlformats.org/presentationml/2006/main">
-  <p:cSld>
-    <p:spTree>
-      <p:nvGrpSpPr>
-        <p:cNvPr id="1" name=""/>
-        <p:cNvGrpSpPr/>
-        <p:nvPr/>
-      </p:nvGrpSpPr>
-      <p:grpSpPr>
-        <a:xfrm>
-          <a:off x="0" y="0"/>
-          <a:ext cx="0" cy="0"/>
-          <a:chOff x="0" y="0"/>
-          <a:chExt cx="0" cy="0"/>
-        </a:xfrm>
-      </p:grpSpPr>
-      <p:sp>
-        <p:nvSpPr>
-          <p:cNvPr id="2" name="Title 1">
-            <a:extLst>
-              <a:ext uri="{FF2B5EF4-FFF2-40B4-BE49-F238E27FC236}">
-                <a16:creationId xmlns:a16="http://schemas.microsoft.com/office/drawing/2014/main" id="{3C1628D5-E5B0-4EC8-83B1-208211AFE969}"/>
-              </a:ext>
-            </a:extLst>
-          </p:cNvPr>
-          <p:cNvSpPr>
-            <a:spLocks noGrp="1"/>
-          </p:cNvSpPr>
-          <p:nvPr>
-            <p:ph type="title"/>
-          </p:nvPr>
-        </p:nvSpPr>
-        <p:spPr/>
-        <p:txBody>
-          <a:bodyPr/>
-          <a:lstStyle/>
-          <a:p>
-            <a:r>
-              <a:rPr lang="en-US" sz="3400" dirty="0"/>
-              <a:t>Casting in an Augmented Expression</a:t>
-            </a:r>
-          </a:p>
-        </p:txBody>
-      </p:sp>
-      <p:sp>
-        <p:nvSpPr>
-          <p:cNvPr id="3" name="Content Placeholder 2">
-            <a:extLst>
-              <a:ext uri="{FF2B5EF4-FFF2-40B4-BE49-F238E27FC236}">
-                <a16:creationId xmlns:a16="http://schemas.microsoft.com/office/drawing/2014/main" id="{B8BC7028-F33D-4055-8179-68CCAC089D9C}"/>
-              </a:ext>
-            </a:extLst>
-          </p:cNvPr>
-          <p:cNvSpPr>
-            <a:spLocks noGrp="1"/>
-          </p:cNvSpPr>
-          <p:nvPr>
-            <p:ph sz="quarter" idx="13"/>
-          </p:nvPr>
-        </p:nvSpPr>
-        <p:spPr>
-          <a:xfrm>
-            <a:off x="1981200" y="1554921"/>
-            <a:ext cx="8527774" cy="2818296"/>
-          </a:xfrm>
-        </p:spPr>
-        <p:txBody>
-          <a:bodyPr/>
-          <a:lstStyle/>
-          <a:p>
-            <a:pPr marL="432" indent="0">
-              <a:buNone/>
-            </a:pPr>
-            <a:r>
-              <a:rPr lang="en-US" sz="2200" dirty="0"/>
-              <a:t>In Java, an augmented expression of the form </a:t>
-            </a:r>
-            <a:r>
-              <a:rPr lang="en-US" sz="2200" b="1" dirty="0">
-                <a:latin typeface="Courier New" panose="02070309020205020404" pitchFamily="49" charset="0"/>
-                <a:cs typeface="Courier New" panose="02070309020205020404" pitchFamily="49" charset="0"/>
-              </a:rPr>
-              <a:t>x1 op= x2 </a:t>
-            </a:r>
-            <a:r>
-              <a:rPr lang="en-US" sz="2200" dirty="0"/>
-              <a:t>is implemented as </a:t>
-            </a:r>
-            <a:r>
-              <a:rPr lang="en-US" sz="2200" b="1" dirty="0">
-                <a:latin typeface="Courier New" panose="02070309020205020404" pitchFamily="49" charset="0"/>
-                <a:cs typeface="Courier New" panose="02070309020205020404" pitchFamily="49" charset="0"/>
-              </a:rPr>
-              <a:t>x1 = (T)(x1 op x2)</a:t>
-            </a:r>
-            <a:r>
-              <a:rPr lang="en-US" sz="2200" dirty="0"/>
-              <a:t>, where </a:t>
-            </a:r>
-            <a:r>
-              <a:rPr lang="en-US" sz="2200" b="1" dirty="0">
-                <a:latin typeface="Courier New" panose="02070309020205020404" pitchFamily="49" charset="0"/>
-                <a:cs typeface="Courier New" panose="02070309020205020404" pitchFamily="49" charset="0"/>
-              </a:rPr>
-              <a:t>T</a:t>
-            </a:r>
-            <a:r>
-              <a:rPr lang="en-US" sz="2200" dirty="0"/>
-              <a:t> is the type for </a:t>
-            </a:r>
-            <a:r>
-              <a:rPr lang="en-US" sz="2200" b="1" dirty="0">
-                <a:latin typeface="Courier New" panose="02070309020205020404" pitchFamily="49" charset="0"/>
-                <a:cs typeface="Courier New" panose="02070309020205020404" pitchFamily="49" charset="0"/>
-              </a:rPr>
-              <a:t>x1</a:t>
-            </a:r>
-            <a:r>
-              <a:rPr lang="en-US" sz="2200" dirty="0"/>
-              <a:t>. Therefore, the following code is correct.</a:t>
-            </a:r>
-          </a:p>
-          <a:p>
-            <a:pPr marL="432" indent="0">
-              <a:buNone/>
-            </a:pPr>
-            <a:r>
-              <a:rPr lang="en-US" sz="2200" b="1" dirty="0" err="1">
-                <a:latin typeface="Courier New" panose="02070309020205020404" pitchFamily="49" charset="0"/>
-                <a:cs typeface="Courier New" panose="02070309020205020404" pitchFamily="49" charset="0"/>
-              </a:rPr>
-              <a:t>int</a:t>
-            </a:r>
-            <a:r>
-              <a:rPr lang="en-US" sz="2200" dirty="0">
-                <a:latin typeface="Courier New" panose="02070309020205020404" pitchFamily="49" charset="0"/>
-                <a:cs typeface="Courier New" panose="02070309020205020404" pitchFamily="49" charset="0"/>
-              </a:rPr>
-              <a:t> sum = </a:t>
-            </a:r>
-            <a:r>
-              <a:rPr lang="en-US" sz="2200" b="1" dirty="0">
-                <a:latin typeface="Courier New" panose="02070309020205020404" pitchFamily="49" charset="0"/>
-                <a:cs typeface="Courier New" panose="02070309020205020404" pitchFamily="49" charset="0"/>
-              </a:rPr>
-              <a:t>0</a:t>
-            </a:r>
-            <a:r>
-              <a:rPr lang="en-US" sz="2200" dirty="0">
-                <a:latin typeface="Courier New" panose="02070309020205020404" pitchFamily="49" charset="0"/>
-                <a:cs typeface="Courier New" panose="02070309020205020404" pitchFamily="49" charset="0"/>
-              </a:rPr>
-              <a:t>;</a:t>
-            </a:r>
-          </a:p>
-          <a:p>
-            <a:pPr marL="432" indent="0">
-              <a:buNone/>
-            </a:pPr>
-            <a:r>
-              <a:rPr lang="en-US" sz="2200" dirty="0">
-                <a:latin typeface="Courier New" panose="02070309020205020404" pitchFamily="49" charset="0"/>
-                <a:cs typeface="Courier New" panose="02070309020205020404" pitchFamily="49" charset="0"/>
-              </a:rPr>
-              <a:t>sum += </a:t>
-            </a:r>
-            <a:r>
-              <a:rPr lang="en-US" sz="2200" b="1" dirty="0">
-                <a:latin typeface="Courier New" panose="02070309020205020404" pitchFamily="49" charset="0"/>
-                <a:cs typeface="Courier New" panose="02070309020205020404" pitchFamily="49" charset="0"/>
-              </a:rPr>
-              <a:t>4.5</a:t>
-            </a:r>
-            <a:r>
-              <a:rPr lang="en-US" sz="2200" dirty="0">
-                <a:latin typeface="Courier New" panose="02070309020205020404" pitchFamily="49" charset="0"/>
-                <a:cs typeface="Courier New" panose="02070309020205020404" pitchFamily="49" charset="0"/>
-              </a:rPr>
-              <a:t>; // sum becomes 4 after this statement</a:t>
-            </a:r>
-          </a:p>
-          <a:p>
-            <a:pPr marL="432" indent="0">
-              <a:buNone/>
-            </a:pPr>
-            <a:r>
-              <a:rPr lang="en-US" sz="2200" b="1" dirty="0">
-                <a:latin typeface="Courier New" panose="02070309020205020404" pitchFamily="49" charset="0"/>
-                <a:cs typeface="Courier New" panose="02070309020205020404" pitchFamily="49" charset="0"/>
-              </a:rPr>
-              <a:t>sum += 4.5 </a:t>
-            </a:r>
-            <a:r>
-              <a:rPr lang="en-US" sz="2200" dirty="0"/>
-              <a:t>is equivalent to </a:t>
-            </a:r>
-            <a:r>
-              <a:rPr lang="en-US" sz="2200" b="1" dirty="0">
-                <a:latin typeface="Courier New" panose="02070309020205020404" pitchFamily="49" charset="0"/>
-                <a:cs typeface="Courier New" panose="02070309020205020404" pitchFamily="49" charset="0"/>
-              </a:rPr>
-              <a:t>sum = (</a:t>
-            </a:r>
-            <a:r>
-              <a:rPr lang="en-US" sz="2200" b="1" dirty="0" err="1">
-                <a:latin typeface="Courier New" panose="02070309020205020404" pitchFamily="49" charset="0"/>
-                <a:cs typeface="Courier New" panose="02070309020205020404" pitchFamily="49" charset="0"/>
-              </a:rPr>
-              <a:t>int</a:t>
-            </a:r>
-            <a:r>
-              <a:rPr lang="en-US" sz="2200" b="1" dirty="0">
-                <a:latin typeface="Courier New" panose="02070309020205020404" pitchFamily="49" charset="0"/>
-                <a:cs typeface="Courier New" panose="02070309020205020404" pitchFamily="49" charset="0"/>
-              </a:rPr>
-              <a:t>)(sum + 4.5)</a:t>
-            </a:r>
-            <a:r>
-              <a:rPr lang="en-US" sz="2200" dirty="0">
-                <a:latin typeface="Courier New" panose="02070309020205020404" pitchFamily="49" charset="0"/>
-                <a:cs typeface="Courier New" panose="02070309020205020404" pitchFamily="49" charset="0"/>
-              </a:rPr>
-              <a:t>.</a:t>
-            </a:r>
-          </a:p>
-        </p:txBody>
-      </p:sp>
-    </p:spTree>
-    <p:extLst>
-      <p:ext uri="{BB962C8B-B14F-4D97-AF65-F5344CB8AC3E}">
-        <p14:creationId xmlns:p14="http://schemas.microsoft.com/office/powerpoint/2010/main" val="1304859086"/>
-      </p:ext>
-    </p:extLst>
-  </p:cSld>
-  <p:clrMapOvr>
-    <a:masterClrMapping/>
-  </p:clrMapOvr>
-</p:sld>
-</file>
-
-<file path=ppt/slides/slide33.xml><?xml version="1.0" encoding="utf-8"?>
-<p:sld xmlns:a="http://schemas.openxmlformats.org/drawingml/2006/main" xmlns:r="http://schemas.openxmlformats.org/officeDocument/2006/relationships" xmlns:p="http://schemas.openxmlformats.org/presentationml/2006/main">
-  <p:cSld>
-    <p:spTree>
-      <p:nvGrpSpPr>
-        <p:cNvPr id="1" name=""/>
-        <p:cNvGrpSpPr/>
-        <p:nvPr/>
-      </p:nvGrpSpPr>
-      <p:grpSpPr>
-        <a:xfrm>
-          <a:off x="0" y="0"/>
-          <a:ext cx="0" cy="0"/>
-          <a:chOff x="0" y="0"/>
-          <a:chExt cx="0" cy="0"/>
-        </a:xfrm>
-      </p:grpSpPr>
-      <p:sp>
-        <p:nvSpPr>
-          <p:cNvPr id="32770" name="Slide Number Placeholder 4"/>
-          <p:cNvSpPr>
-            <a:spLocks noGrp="1"/>
-          </p:cNvSpPr>
-          <p:nvPr>
-            <p:ph type="sldNum" sz="quarter" idx="11"/>
-          </p:nvPr>
-        </p:nvSpPr>
-        <p:spPr>
-          <a:noFill/>
-        </p:spPr>
-        <p:txBody>
-          <a:bodyPr/>
-          <a:lstStyle>
-            <a:lvl1pPr>
-              <a:spcBef>
-                <a:spcPct val="20000"/>
-              </a:spcBef>
-              <a:buClr>
-                <a:schemeClr val="tx2"/>
-              </a:buClr>
-              <a:buSzPct val="75000"/>
-              <a:buFont typeface="Monotype Sorts" charset="2"/>
-              <a:buChar char="F"/>
-              <a:defRPr sz="3200">
-                <a:solidFill>
-                  <a:schemeClr val="tx1"/>
-                </a:solidFill>
-                <a:latin typeface="Times New Roman" panose="02020603050405020304" pitchFamily="18" charset="0"/>
-                <a:ea typeface="MS PGothic" panose="020B0600070205080204" pitchFamily="34" charset="-128"/>
-              </a:defRPr>
-            </a:lvl1pPr>
-            <a:lvl2pPr marL="742950" indent="-285750">
-              <a:spcBef>
-                <a:spcPct val="20000"/>
-              </a:spcBef>
-              <a:buClr>
-                <a:schemeClr val="tx1"/>
-              </a:buClr>
-              <a:buChar char="–"/>
-              <a:defRPr sz="2800">
-                <a:solidFill>
-                  <a:schemeClr val="tx1"/>
-                </a:solidFill>
-                <a:latin typeface="Times New Roman" panose="02020603050405020304" pitchFamily="18" charset="0"/>
-                <a:ea typeface="MS PGothic" panose="020B0600070205080204" pitchFamily="34" charset="-128"/>
-              </a:defRPr>
-            </a:lvl2pPr>
-            <a:lvl3pPr marL="1143000" indent="-228600">
-              <a:spcBef>
-                <a:spcPct val="20000"/>
-              </a:spcBef>
-              <a:buClr>
-                <a:schemeClr val="accent2"/>
-              </a:buClr>
-              <a:buSzPct val="65000"/>
-              <a:buFont typeface="Monotype Sorts" charset="2"/>
-              <a:buChar char="u"/>
-              <a:defRPr sz="2400">
-                <a:solidFill>
-                  <a:schemeClr val="tx1"/>
-                </a:solidFill>
-                <a:latin typeface="Times New Roman" panose="02020603050405020304" pitchFamily="18" charset="0"/>
-                <a:ea typeface="MS PGothic" panose="020B0600070205080204" pitchFamily="34" charset="-128"/>
-              </a:defRPr>
-            </a:lvl3pPr>
-            <a:lvl4pPr marL="1600200" indent="-228600">
-              <a:spcBef>
-                <a:spcPct val="20000"/>
-              </a:spcBef>
-              <a:buClr>
-                <a:schemeClr val="tx1"/>
-              </a:buClr>
-              <a:buChar char="–"/>
-              <a:defRPr sz="2000">
-                <a:solidFill>
-                  <a:schemeClr val="tx1"/>
-                </a:solidFill>
-                <a:latin typeface="Times New Roman" panose="02020603050405020304" pitchFamily="18" charset="0"/>
-                <a:ea typeface="MS PGothic" panose="020B0600070205080204" pitchFamily="34" charset="-128"/>
-              </a:defRPr>
-            </a:lvl4pPr>
-            <a:lvl5pPr marL="2057400" indent="-228600">
-              <a:spcBef>
-                <a:spcPct val="20000"/>
-              </a:spcBef>
-              <a:buClr>
-                <a:schemeClr val="tx2"/>
-              </a:buClr>
-              <a:buChar char="•"/>
-              <a:defRPr sz="2000">
-                <a:solidFill>
-                  <a:schemeClr val="tx1"/>
-                </a:solidFill>
-                <a:latin typeface="Times New Roman" panose="02020603050405020304" pitchFamily="18" charset="0"/>
-                <a:ea typeface="MS PGothic" panose="020B0600070205080204" pitchFamily="34" charset="-128"/>
-              </a:defRPr>
-            </a:lvl5pPr>
-            <a:lvl6pPr marL="2514600" indent="-228600" eaLnBrk="0" fontAlgn="base" hangingPunct="0">
-              <a:spcBef>
-                <a:spcPct val="20000"/>
-              </a:spcBef>
-              <a:spcAft>
-                <a:spcPct val="0"/>
-              </a:spcAft>
-              <a:buClr>
-                <a:schemeClr val="tx2"/>
-              </a:buClr>
-              <a:buChar char="•"/>
-              <a:defRPr sz="2000">
-                <a:solidFill>
-                  <a:schemeClr val="tx1"/>
-                </a:solidFill>
-                <a:latin typeface="Times New Roman" panose="02020603050405020304" pitchFamily="18" charset="0"/>
-                <a:ea typeface="MS PGothic" panose="020B0600070205080204" pitchFamily="34" charset="-128"/>
-              </a:defRPr>
-            </a:lvl6pPr>
-            <a:lvl7pPr marL="2971800" indent="-228600" eaLnBrk="0" fontAlgn="base" hangingPunct="0">
-              <a:spcBef>
-                <a:spcPct val="20000"/>
-              </a:spcBef>
-              <a:spcAft>
-                <a:spcPct val="0"/>
-              </a:spcAft>
-              <a:buClr>
-                <a:schemeClr val="tx2"/>
-              </a:buClr>
-              <a:buChar char="•"/>
-              <a:defRPr sz="2000">
-                <a:solidFill>
-                  <a:schemeClr val="tx1"/>
-                </a:solidFill>
-                <a:latin typeface="Times New Roman" panose="02020603050405020304" pitchFamily="18" charset="0"/>
-                <a:ea typeface="MS PGothic" panose="020B0600070205080204" pitchFamily="34" charset="-128"/>
-              </a:defRPr>
-            </a:lvl7pPr>
-            <a:lvl8pPr marL="3429000" indent="-228600" eaLnBrk="0" fontAlgn="base" hangingPunct="0">
-              <a:spcBef>
-                <a:spcPct val="20000"/>
-              </a:spcBef>
-              <a:spcAft>
-                <a:spcPct val="0"/>
-              </a:spcAft>
-              <a:buClr>
-                <a:schemeClr val="tx2"/>
-              </a:buClr>
-              <a:buChar char="•"/>
-              <a:defRPr sz="2000">
-                <a:solidFill>
-                  <a:schemeClr val="tx1"/>
-                </a:solidFill>
-                <a:latin typeface="Times New Roman" panose="02020603050405020304" pitchFamily="18" charset="0"/>
-                <a:ea typeface="MS PGothic" panose="020B0600070205080204" pitchFamily="34" charset="-128"/>
-              </a:defRPr>
-            </a:lvl8pPr>
-            <a:lvl9pPr marL="3886200" indent="-228600" eaLnBrk="0" fontAlgn="base" hangingPunct="0">
-              <a:spcBef>
-                <a:spcPct val="20000"/>
-              </a:spcBef>
-              <a:spcAft>
-                <a:spcPct val="0"/>
-              </a:spcAft>
-              <a:buClr>
-                <a:schemeClr val="tx2"/>
-              </a:buClr>
-              <a:buChar char="•"/>
-              <a:defRPr sz="2000">
-                <a:solidFill>
-                  <a:schemeClr val="tx1"/>
-                </a:solidFill>
-                <a:latin typeface="Times New Roman" panose="02020603050405020304" pitchFamily="18" charset="0"/>
-                <a:ea typeface="MS PGothic" panose="020B0600070205080204" pitchFamily="34" charset="-128"/>
-              </a:defRPr>
-            </a:lvl9pPr>
-          </a:lstStyle>
-          <a:p>
-            <a:pPr>
-              <a:spcBef>
-                <a:spcPct val="0"/>
-              </a:spcBef>
-              <a:buClrTx/>
-              <a:buSzTx/>
-              <a:buFontTx/>
-              <a:buNone/>
-            </a:pPr>
-            <a:fld id="{35260DD2-5934-4BE4-86E9-CD8C747AE897}" type="slidenum">
-              <a:rPr lang="en-US" altLang="en-US" sz="1400"/>
-              <a:pPr>
-                <a:spcBef>
-                  <a:spcPct val="0"/>
-                </a:spcBef>
-                <a:buClrTx/>
-                <a:buSzTx/>
-                <a:buFontTx/>
-                <a:buNone/>
-              </a:pPr>
-              <a:t>33</a:t>
-            </a:fld>
-            <a:endParaRPr lang="en-US" altLang="en-US" sz="1400"/>
-          </a:p>
-        </p:txBody>
-      </p:sp>
-      <p:sp>
-        <p:nvSpPr>
-          <p:cNvPr id="32771" name="Rectangle 2"/>
-          <p:cNvSpPr>
-            <a:spLocks noGrp="1" noChangeArrowheads="1"/>
-          </p:cNvSpPr>
-          <p:nvPr>
-            <p:ph type="title"/>
-          </p:nvPr>
-        </p:nvSpPr>
-        <p:spPr>
-          <a:xfrm>
-            <a:off x="2217738" y="357189"/>
-            <a:ext cx="7880350" cy="1317625"/>
-          </a:xfrm>
-        </p:spPr>
-        <p:txBody>
-          <a:bodyPr/>
-          <a:lstStyle/>
-          <a:p>
-            <a:r>
-              <a:rPr lang="en-US" altLang="en-US" sz="4000"/>
-              <a:t>Problem: Keeping Two Digits After Decimal Points</a:t>
-            </a:r>
-          </a:p>
-        </p:txBody>
-      </p:sp>
-      <p:sp>
-        <p:nvSpPr>
-          <p:cNvPr id="32772" name="Rectangle 3"/>
-          <p:cNvSpPr>
-            <a:spLocks noGrp="1" noChangeArrowheads="1"/>
-          </p:cNvSpPr>
-          <p:nvPr>
-            <p:ph type="body" idx="1"/>
-          </p:nvPr>
-        </p:nvSpPr>
-        <p:spPr>
-          <a:xfrm>
-            <a:off x="1752600" y="2084389"/>
-            <a:ext cx="8686800" cy="998537"/>
-          </a:xfrm>
-        </p:spPr>
-        <p:txBody>
-          <a:bodyPr/>
-          <a:lstStyle/>
-          <a:p>
-            <a:pPr marL="0" indent="0">
-              <a:spcBef>
-                <a:spcPct val="0"/>
-              </a:spcBef>
-              <a:buNone/>
-            </a:pPr>
-            <a:r>
-              <a:rPr lang="en-US" altLang="en-US"/>
-              <a:t>Write a program that displays the sales tax with two digits after the decimal point.</a:t>
-            </a:r>
-          </a:p>
-        </p:txBody>
-      </p:sp>
-      <p:sp>
-        <p:nvSpPr>
-          <p:cNvPr id="32773" name="Rectangle 4"/>
-          <p:cNvSpPr>
-            <a:spLocks noChangeArrowheads="1"/>
-          </p:cNvSpPr>
-          <p:nvPr/>
-        </p:nvSpPr>
-        <p:spPr bwMode="auto">
-          <a:xfrm>
-            <a:off x="3714750" y="2881313"/>
-            <a:ext cx="9144000" cy="338554"/>
-          </a:xfrm>
-          <a:prstGeom prst="rect">
-            <a:avLst/>
-          </a:prstGeom>
-          <a:noFill/>
-          <a:ln>
-            <a:noFill/>
-          </a:ln>
-          <a:extLst>
-            <a:ext uri="{909E8E84-426E-40DD-AFC4-6F175D3DCCD1}">
-              <a14:hiddenFill xmlns:a14="http://schemas.microsoft.com/office/drawing/2010/main">
-                <a:solidFill>
-                  <a:srgbClr val="FFFFFF"/>
-                </a:solidFill>
-              </a14:hiddenFill>
-            </a:ext>
-            <a:ext uri="{91240B29-F687-4F45-9708-019B960494DF}">
-              <a14:hiddenLine xmlns:a14="http://schemas.microsoft.com/office/drawing/2010/main" w="9525">
-                <a:solidFill>
-                  <a:srgbClr val="000000"/>
-                </a:solidFill>
-                <a:miter lim="800000"/>
-                <a:headEnd/>
-                <a:tailEnd/>
-              </a14:hiddenLine>
-            </a:ext>
-          </a:extLst>
-        </p:spPr>
-        <p:txBody>
-          <a:bodyPr>
-            <a:spAutoFit/>
-          </a:bodyPr>
-          <a:lstStyle>
-            <a:lvl1pPr>
-              <a:spcBef>
-                <a:spcPct val="20000"/>
-              </a:spcBef>
-              <a:buClr>
-                <a:schemeClr val="tx2"/>
-              </a:buClr>
-              <a:buSzPct val="75000"/>
-              <a:buFont typeface="Monotype Sorts" charset="2"/>
-              <a:buChar char="F"/>
-              <a:defRPr sz="3200">
-                <a:solidFill>
-                  <a:schemeClr val="tx1"/>
-                </a:solidFill>
-                <a:latin typeface="Times New Roman" panose="02020603050405020304" pitchFamily="18" charset="0"/>
-                <a:ea typeface="MS PGothic" panose="020B0600070205080204" pitchFamily="34" charset="-128"/>
-              </a:defRPr>
-            </a:lvl1pPr>
-            <a:lvl2pPr marL="742950" indent="-285750">
-              <a:spcBef>
-                <a:spcPct val="20000"/>
-              </a:spcBef>
-              <a:buClr>
-                <a:schemeClr val="tx1"/>
-              </a:buClr>
-              <a:buChar char="–"/>
-              <a:defRPr sz="2800">
-                <a:solidFill>
-                  <a:schemeClr val="tx1"/>
-                </a:solidFill>
-                <a:latin typeface="Times New Roman" panose="02020603050405020304" pitchFamily="18" charset="0"/>
-                <a:ea typeface="MS PGothic" panose="020B0600070205080204" pitchFamily="34" charset="-128"/>
-              </a:defRPr>
-            </a:lvl2pPr>
-            <a:lvl3pPr marL="1143000" indent="-228600">
-              <a:spcBef>
-                <a:spcPct val="20000"/>
-              </a:spcBef>
-              <a:buClr>
-                <a:schemeClr val="accent2"/>
-              </a:buClr>
-              <a:buSzPct val="65000"/>
-              <a:buFont typeface="Monotype Sorts" charset="2"/>
-              <a:buChar char="u"/>
-              <a:defRPr sz="2400">
-                <a:solidFill>
-                  <a:schemeClr val="tx1"/>
-                </a:solidFill>
-                <a:latin typeface="Times New Roman" panose="02020603050405020304" pitchFamily="18" charset="0"/>
-                <a:ea typeface="MS PGothic" panose="020B0600070205080204" pitchFamily="34" charset="-128"/>
-              </a:defRPr>
-            </a:lvl3pPr>
-            <a:lvl4pPr marL="1600200" indent="-228600">
-              <a:spcBef>
-                <a:spcPct val="20000"/>
-              </a:spcBef>
-              <a:buClr>
-                <a:schemeClr val="tx1"/>
-              </a:buClr>
-              <a:buChar char="–"/>
-              <a:defRPr sz="2000">
-                <a:solidFill>
-                  <a:schemeClr val="tx1"/>
-                </a:solidFill>
-                <a:latin typeface="Times New Roman" panose="02020603050405020304" pitchFamily="18" charset="0"/>
-                <a:ea typeface="MS PGothic" panose="020B0600070205080204" pitchFamily="34" charset="-128"/>
-              </a:defRPr>
-            </a:lvl4pPr>
-            <a:lvl5pPr marL="2057400" indent="-228600">
-              <a:spcBef>
-                <a:spcPct val="20000"/>
-              </a:spcBef>
-              <a:buClr>
-                <a:schemeClr val="tx2"/>
-              </a:buClr>
-              <a:buChar char="•"/>
-              <a:defRPr sz="2000">
-                <a:solidFill>
-                  <a:schemeClr val="tx1"/>
-                </a:solidFill>
-                <a:latin typeface="Times New Roman" panose="02020603050405020304" pitchFamily="18" charset="0"/>
-                <a:ea typeface="MS PGothic" panose="020B0600070205080204" pitchFamily="34" charset="-128"/>
-              </a:defRPr>
-            </a:lvl5pPr>
-            <a:lvl6pPr marL="2514600" indent="-228600" eaLnBrk="0" fontAlgn="base" hangingPunct="0">
-              <a:spcBef>
-                <a:spcPct val="20000"/>
-              </a:spcBef>
-              <a:spcAft>
-                <a:spcPct val="0"/>
-              </a:spcAft>
-              <a:buClr>
-                <a:schemeClr val="tx2"/>
-              </a:buClr>
-              <a:buChar char="•"/>
-              <a:defRPr sz="2000">
-                <a:solidFill>
-                  <a:schemeClr val="tx1"/>
-                </a:solidFill>
-                <a:latin typeface="Times New Roman" panose="02020603050405020304" pitchFamily="18" charset="0"/>
-                <a:ea typeface="MS PGothic" panose="020B0600070205080204" pitchFamily="34" charset="-128"/>
-              </a:defRPr>
-            </a:lvl6pPr>
-            <a:lvl7pPr marL="2971800" indent="-228600" eaLnBrk="0" fontAlgn="base" hangingPunct="0">
-              <a:spcBef>
-                <a:spcPct val="20000"/>
-              </a:spcBef>
-              <a:spcAft>
-                <a:spcPct val="0"/>
-              </a:spcAft>
-              <a:buClr>
-                <a:schemeClr val="tx2"/>
-              </a:buClr>
-              <a:buChar char="•"/>
-              <a:defRPr sz="2000">
-                <a:solidFill>
-                  <a:schemeClr val="tx1"/>
-                </a:solidFill>
-                <a:latin typeface="Times New Roman" panose="02020603050405020304" pitchFamily="18" charset="0"/>
-                <a:ea typeface="MS PGothic" panose="020B0600070205080204" pitchFamily="34" charset="-128"/>
-              </a:defRPr>
-            </a:lvl7pPr>
-            <a:lvl8pPr marL="3429000" indent="-228600" eaLnBrk="0" fontAlgn="base" hangingPunct="0">
-              <a:spcBef>
-                <a:spcPct val="20000"/>
-              </a:spcBef>
-              <a:spcAft>
-                <a:spcPct val="0"/>
-              </a:spcAft>
-              <a:buClr>
-                <a:schemeClr val="tx2"/>
-              </a:buClr>
-              <a:buChar char="•"/>
-              <a:defRPr sz="2000">
-                <a:solidFill>
-                  <a:schemeClr val="tx1"/>
-                </a:solidFill>
-                <a:latin typeface="Times New Roman" panose="02020603050405020304" pitchFamily="18" charset="0"/>
-                <a:ea typeface="MS PGothic" panose="020B0600070205080204" pitchFamily="34" charset="-128"/>
-              </a:defRPr>
-            </a:lvl8pPr>
-            <a:lvl9pPr marL="3886200" indent="-228600" eaLnBrk="0" fontAlgn="base" hangingPunct="0">
-              <a:spcBef>
-                <a:spcPct val="20000"/>
-              </a:spcBef>
-              <a:spcAft>
-                <a:spcPct val="0"/>
-              </a:spcAft>
-              <a:buClr>
-                <a:schemeClr val="tx2"/>
-              </a:buClr>
-              <a:buChar char="•"/>
-              <a:defRPr sz="2000">
-                <a:solidFill>
-                  <a:schemeClr val="tx1"/>
-                </a:solidFill>
-                <a:latin typeface="Times New Roman" panose="02020603050405020304" pitchFamily="18" charset="0"/>
-                <a:ea typeface="MS PGothic" panose="020B0600070205080204" pitchFamily="34" charset="-128"/>
-              </a:defRPr>
-            </a:lvl9pPr>
-          </a:lstStyle>
-          <a:p>
-            <a:pPr>
-              <a:spcBef>
-                <a:spcPct val="0"/>
-              </a:spcBef>
-              <a:buClrTx/>
-              <a:buSzTx/>
-              <a:buFontTx/>
-              <a:buNone/>
-            </a:pPr>
-            <a:endParaRPr lang="en-US" altLang="en-US" sz="1600"/>
-          </a:p>
-        </p:txBody>
-      </p:sp>
-      <p:sp>
-        <p:nvSpPr>
-          <p:cNvPr id="32774" name="Rectangle 7"/>
-          <p:cNvSpPr>
-            <a:spLocks noChangeArrowheads="1"/>
-          </p:cNvSpPr>
-          <p:nvPr/>
-        </p:nvSpPr>
-        <p:spPr bwMode="auto">
-          <a:xfrm>
-            <a:off x="1524001" y="3145423"/>
-            <a:ext cx="184731" cy="338554"/>
-          </a:xfrm>
-          <a:prstGeom prst="rect">
-            <a:avLst/>
-          </a:prstGeom>
-          <a:noFill/>
-          <a:ln>
-            <a:noFill/>
-          </a:ln>
-          <a:extLst>
-            <a:ext uri="{909E8E84-426E-40DD-AFC4-6F175D3DCCD1}">
-              <a14:hiddenFill xmlns:a14="http://schemas.microsoft.com/office/drawing/2010/main">
-                <a:solidFill>
-                  <a:srgbClr val="FFFFFF"/>
-                </a:solidFill>
-              </a14:hiddenFill>
-            </a:ext>
-            <a:ext uri="{91240B29-F687-4F45-9708-019B960494DF}">
-              <a14:hiddenLine xmlns:a14="http://schemas.microsoft.com/office/drawing/2010/main" w="9525">
-                <a:solidFill>
-                  <a:srgbClr val="000000"/>
-                </a:solidFill>
-                <a:miter lim="800000"/>
-                <a:headEnd/>
-                <a:tailEnd/>
-              </a14:hiddenLine>
-            </a:ext>
-          </a:extLst>
-        </p:spPr>
-        <p:txBody>
-          <a:bodyPr wrap="none" anchor="ctr">
-            <a:spAutoFit/>
-          </a:bodyPr>
-          <a:lstStyle>
-            <a:lvl1pPr>
-              <a:spcBef>
-                <a:spcPct val="20000"/>
-              </a:spcBef>
-              <a:buClr>
-                <a:schemeClr val="tx2"/>
-              </a:buClr>
-              <a:buSzPct val="75000"/>
-              <a:buFont typeface="Monotype Sorts" charset="2"/>
-              <a:buChar char="F"/>
-              <a:defRPr sz="3200">
-                <a:solidFill>
-                  <a:schemeClr val="tx1"/>
-                </a:solidFill>
-                <a:latin typeface="Times New Roman" panose="02020603050405020304" pitchFamily="18" charset="0"/>
-                <a:ea typeface="MS PGothic" panose="020B0600070205080204" pitchFamily="34" charset="-128"/>
-              </a:defRPr>
-            </a:lvl1pPr>
-            <a:lvl2pPr marL="742950" indent="-285750">
-              <a:spcBef>
-                <a:spcPct val="20000"/>
-              </a:spcBef>
-              <a:buClr>
-                <a:schemeClr val="tx1"/>
-              </a:buClr>
-              <a:buChar char="–"/>
-              <a:defRPr sz="2800">
-                <a:solidFill>
-                  <a:schemeClr val="tx1"/>
-                </a:solidFill>
-                <a:latin typeface="Times New Roman" panose="02020603050405020304" pitchFamily="18" charset="0"/>
-                <a:ea typeface="MS PGothic" panose="020B0600070205080204" pitchFamily="34" charset="-128"/>
-              </a:defRPr>
-            </a:lvl2pPr>
-            <a:lvl3pPr marL="1143000" indent="-228600">
-              <a:spcBef>
-                <a:spcPct val="20000"/>
-              </a:spcBef>
-              <a:buClr>
-                <a:schemeClr val="accent2"/>
-              </a:buClr>
-              <a:buSzPct val="65000"/>
-              <a:buFont typeface="Monotype Sorts" charset="2"/>
-              <a:buChar char="u"/>
-              <a:defRPr sz="2400">
-                <a:solidFill>
-                  <a:schemeClr val="tx1"/>
-                </a:solidFill>
-                <a:latin typeface="Times New Roman" panose="02020603050405020304" pitchFamily="18" charset="0"/>
-                <a:ea typeface="MS PGothic" panose="020B0600070205080204" pitchFamily="34" charset="-128"/>
-              </a:defRPr>
-            </a:lvl3pPr>
-            <a:lvl4pPr marL="1600200" indent="-228600">
-              <a:spcBef>
-                <a:spcPct val="20000"/>
-              </a:spcBef>
-              <a:buClr>
-                <a:schemeClr val="tx1"/>
-              </a:buClr>
-              <a:buChar char="–"/>
-              <a:defRPr sz="2000">
-                <a:solidFill>
-                  <a:schemeClr val="tx1"/>
-                </a:solidFill>
-                <a:latin typeface="Times New Roman" panose="02020603050405020304" pitchFamily="18" charset="0"/>
-                <a:ea typeface="MS PGothic" panose="020B0600070205080204" pitchFamily="34" charset="-128"/>
-              </a:defRPr>
-            </a:lvl4pPr>
-            <a:lvl5pPr marL="2057400" indent="-228600">
-              <a:spcBef>
-                <a:spcPct val="20000"/>
-              </a:spcBef>
-              <a:buClr>
-                <a:schemeClr val="tx2"/>
-              </a:buClr>
-              <a:buChar char="•"/>
-              <a:defRPr sz="2000">
-                <a:solidFill>
-                  <a:schemeClr val="tx1"/>
-                </a:solidFill>
-                <a:latin typeface="Times New Roman" panose="02020603050405020304" pitchFamily="18" charset="0"/>
-                <a:ea typeface="MS PGothic" panose="020B0600070205080204" pitchFamily="34" charset="-128"/>
-              </a:defRPr>
-            </a:lvl5pPr>
-            <a:lvl6pPr marL="2514600" indent="-228600" eaLnBrk="0" fontAlgn="base" hangingPunct="0">
-              <a:spcBef>
-                <a:spcPct val="20000"/>
-              </a:spcBef>
-              <a:spcAft>
-                <a:spcPct val="0"/>
-              </a:spcAft>
-              <a:buClr>
-                <a:schemeClr val="tx2"/>
-              </a:buClr>
-              <a:buChar char="•"/>
-              <a:defRPr sz="2000">
-                <a:solidFill>
-                  <a:schemeClr val="tx1"/>
-                </a:solidFill>
-                <a:latin typeface="Times New Roman" panose="02020603050405020304" pitchFamily="18" charset="0"/>
-                <a:ea typeface="MS PGothic" panose="020B0600070205080204" pitchFamily="34" charset="-128"/>
-              </a:defRPr>
-            </a:lvl6pPr>
-            <a:lvl7pPr marL="2971800" indent="-228600" eaLnBrk="0" fontAlgn="base" hangingPunct="0">
-              <a:spcBef>
-                <a:spcPct val="20000"/>
-              </a:spcBef>
-              <a:spcAft>
-                <a:spcPct val="0"/>
-              </a:spcAft>
-              <a:buClr>
-                <a:schemeClr val="tx2"/>
-              </a:buClr>
-              <a:buChar char="•"/>
-              <a:defRPr sz="2000">
-                <a:solidFill>
-                  <a:schemeClr val="tx1"/>
-                </a:solidFill>
-                <a:latin typeface="Times New Roman" panose="02020603050405020304" pitchFamily="18" charset="0"/>
-                <a:ea typeface="MS PGothic" panose="020B0600070205080204" pitchFamily="34" charset="-128"/>
-              </a:defRPr>
-            </a:lvl7pPr>
-            <a:lvl8pPr marL="3429000" indent="-228600" eaLnBrk="0" fontAlgn="base" hangingPunct="0">
-              <a:spcBef>
-                <a:spcPct val="20000"/>
-              </a:spcBef>
-              <a:spcAft>
-                <a:spcPct val="0"/>
-              </a:spcAft>
-              <a:buClr>
-                <a:schemeClr val="tx2"/>
-              </a:buClr>
-              <a:buChar char="•"/>
-              <a:defRPr sz="2000">
-                <a:solidFill>
-                  <a:schemeClr val="tx1"/>
-                </a:solidFill>
-                <a:latin typeface="Times New Roman" panose="02020603050405020304" pitchFamily="18" charset="0"/>
-                <a:ea typeface="MS PGothic" panose="020B0600070205080204" pitchFamily="34" charset="-128"/>
-              </a:defRPr>
-            </a:lvl8pPr>
-            <a:lvl9pPr marL="3886200" indent="-228600" eaLnBrk="0" fontAlgn="base" hangingPunct="0">
-              <a:spcBef>
-                <a:spcPct val="20000"/>
-              </a:spcBef>
-              <a:spcAft>
-                <a:spcPct val="0"/>
-              </a:spcAft>
-              <a:buClr>
-                <a:schemeClr val="tx2"/>
-              </a:buClr>
-              <a:buChar char="•"/>
-              <a:defRPr sz="2000">
-                <a:solidFill>
-                  <a:schemeClr val="tx1"/>
-                </a:solidFill>
-                <a:latin typeface="Times New Roman" panose="02020603050405020304" pitchFamily="18" charset="0"/>
-                <a:ea typeface="MS PGothic" panose="020B0600070205080204" pitchFamily="34" charset="-128"/>
-              </a:defRPr>
-            </a:lvl9pPr>
-          </a:lstStyle>
-          <a:p>
-            <a:pPr>
-              <a:spcBef>
-                <a:spcPct val="0"/>
-              </a:spcBef>
-              <a:buClrTx/>
-              <a:buSzTx/>
-              <a:buFontTx/>
-              <a:buNone/>
-            </a:pPr>
-            <a:endParaRPr lang="en-US" altLang="en-US" sz="1600"/>
-          </a:p>
-        </p:txBody>
-      </p:sp>
-    </p:spTree>
-    <p:extLst>
-      <p:ext uri="{BB962C8B-B14F-4D97-AF65-F5344CB8AC3E}">
-        <p14:creationId xmlns:p14="http://schemas.microsoft.com/office/powerpoint/2010/main" val="1127485214"/>
-      </p:ext>
-    </p:extLst>
-  </p:cSld>
-  <p:clrMapOvr>
-    <a:masterClrMapping/>
-  </p:clrMapOvr>
-  <p:transition/>
-</p:sld>
-</file>
-
 <file path=ppt/slides/slide34.xml><?xml version="1.0" encoding="utf-8"?>
 <p:sld xmlns:a="http://schemas.openxmlformats.org/drawingml/2006/main" xmlns:r="http://schemas.openxmlformats.org/officeDocument/2006/relationships" xmlns:p="http://schemas.openxmlformats.org/presentationml/2006/main">
   <p:cSld>
@@ -26165,6 +26488,982 @@
       </p:grpSpPr>
       <p:sp>
         <p:nvSpPr>
+          <p:cNvPr id="2" name="Title 1">
+            <a:extLst>
+              <a:ext uri="{FF2B5EF4-FFF2-40B4-BE49-F238E27FC236}">
+                <a16:creationId xmlns:a16="http://schemas.microsoft.com/office/drawing/2014/main" id="{3C1628D5-E5B0-4EC8-83B1-208211AFE969}"/>
+              </a:ext>
+            </a:extLst>
+          </p:cNvPr>
+          <p:cNvSpPr>
+            <a:spLocks noGrp="1"/>
+          </p:cNvSpPr>
+          <p:nvPr>
+            <p:ph type="title"/>
+          </p:nvPr>
+        </p:nvSpPr>
+        <p:spPr/>
+        <p:txBody>
+          <a:bodyPr/>
+          <a:lstStyle/>
+          <a:p>
+            <a:r>
+              <a:rPr lang="en-US" sz="3400" dirty="0"/>
+              <a:t>Casting in an Augmented Expression</a:t>
+            </a:r>
+          </a:p>
+        </p:txBody>
+      </p:sp>
+      <p:sp>
+        <p:nvSpPr>
+          <p:cNvPr id="3" name="Content Placeholder 2">
+            <a:extLst>
+              <a:ext uri="{FF2B5EF4-FFF2-40B4-BE49-F238E27FC236}">
+                <a16:creationId xmlns:a16="http://schemas.microsoft.com/office/drawing/2014/main" id="{B8BC7028-F33D-4055-8179-68CCAC089D9C}"/>
+              </a:ext>
+            </a:extLst>
+          </p:cNvPr>
+          <p:cNvSpPr>
+            <a:spLocks noGrp="1"/>
+          </p:cNvSpPr>
+          <p:nvPr>
+            <p:ph sz="quarter" idx="13"/>
+          </p:nvPr>
+        </p:nvSpPr>
+        <p:spPr>
+          <a:xfrm>
+            <a:off x="1981200" y="1554921"/>
+            <a:ext cx="8527774" cy="2818296"/>
+          </a:xfrm>
+        </p:spPr>
+        <p:txBody>
+          <a:bodyPr/>
+          <a:lstStyle/>
+          <a:p>
+            <a:pPr marL="432" indent="0">
+              <a:buNone/>
+            </a:pPr>
+            <a:r>
+              <a:rPr lang="en-US" sz="2200" dirty="0"/>
+              <a:t>In Java, an augmented expression of the form </a:t>
+            </a:r>
+            <a:r>
+              <a:rPr lang="en-US" sz="2200" b="1" dirty="0">
+                <a:latin typeface="Courier New" panose="02070309020205020404" pitchFamily="49" charset="0"/>
+                <a:cs typeface="Courier New" panose="02070309020205020404" pitchFamily="49" charset="0"/>
+              </a:rPr>
+              <a:t>x1 op= x2 </a:t>
+            </a:r>
+            <a:r>
+              <a:rPr lang="en-US" sz="2200" dirty="0"/>
+              <a:t>is implemented as </a:t>
+            </a:r>
+            <a:r>
+              <a:rPr lang="en-US" sz="2200" b="1" dirty="0">
+                <a:latin typeface="Courier New" panose="02070309020205020404" pitchFamily="49" charset="0"/>
+                <a:cs typeface="Courier New" panose="02070309020205020404" pitchFamily="49" charset="0"/>
+              </a:rPr>
+              <a:t>x1 = (T)(x1 op x2)</a:t>
+            </a:r>
+            <a:r>
+              <a:rPr lang="en-US" sz="2200" dirty="0"/>
+              <a:t>, where </a:t>
+            </a:r>
+            <a:r>
+              <a:rPr lang="en-US" sz="2200" b="1" dirty="0">
+                <a:latin typeface="Courier New" panose="02070309020205020404" pitchFamily="49" charset="0"/>
+                <a:cs typeface="Courier New" panose="02070309020205020404" pitchFamily="49" charset="0"/>
+              </a:rPr>
+              <a:t>T</a:t>
+            </a:r>
+            <a:r>
+              <a:rPr lang="en-US" sz="2200" dirty="0"/>
+              <a:t> is the type for </a:t>
+            </a:r>
+            <a:r>
+              <a:rPr lang="en-US" sz="2200" b="1" dirty="0">
+                <a:latin typeface="Courier New" panose="02070309020205020404" pitchFamily="49" charset="0"/>
+                <a:cs typeface="Courier New" panose="02070309020205020404" pitchFamily="49" charset="0"/>
+              </a:rPr>
+              <a:t>x1</a:t>
+            </a:r>
+            <a:r>
+              <a:rPr lang="en-US" sz="2200" dirty="0"/>
+              <a:t>. Therefore, the following code is correct.</a:t>
+            </a:r>
+          </a:p>
+          <a:p>
+            <a:pPr marL="432" indent="0">
+              <a:buNone/>
+            </a:pPr>
+            <a:r>
+              <a:rPr lang="en-US" sz="2200" b="1" dirty="0" err="1">
+                <a:latin typeface="Courier New" panose="02070309020205020404" pitchFamily="49" charset="0"/>
+                <a:cs typeface="Courier New" panose="02070309020205020404" pitchFamily="49" charset="0"/>
+              </a:rPr>
+              <a:t>int</a:t>
+            </a:r>
+            <a:r>
+              <a:rPr lang="en-US" sz="2200" dirty="0">
+                <a:latin typeface="Courier New" panose="02070309020205020404" pitchFamily="49" charset="0"/>
+                <a:cs typeface="Courier New" panose="02070309020205020404" pitchFamily="49" charset="0"/>
+              </a:rPr>
+              <a:t> sum = </a:t>
+            </a:r>
+            <a:r>
+              <a:rPr lang="en-US" sz="2200" b="1" dirty="0">
+                <a:latin typeface="Courier New" panose="02070309020205020404" pitchFamily="49" charset="0"/>
+                <a:cs typeface="Courier New" panose="02070309020205020404" pitchFamily="49" charset="0"/>
+              </a:rPr>
+              <a:t>0</a:t>
+            </a:r>
+            <a:r>
+              <a:rPr lang="en-US" sz="2200" dirty="0">
+                <a:latin typeface="Courier New" panose="02070309020205020404" pitchFamily="49" charset="0"/>
+                <a:cs typeface="Courier New" panose="02070309020205020404" pitchFamily="49" charset="0"/>
+              </a:rPr>
+              <a:t>;</a:t>
+            </a:r>
+          </a:p>
+          <a:p>
+            <a:pPr marL="432" indent="0">
+              <a:buNone/>
+            </a:pPr>
+            <a:r>
+              <a:rPr lang="en-US" sz="2200" dirty="0">
+                <a:latin typeface="Courier New" panose="02070309020205020404" pitchFamily="49" charset="0"/>
+                <a:cs typeface="Courier New" panose="02070309020205020404" pitchFamily="49" charset="0"/>
+              </a:rPr>
+              <a:t>sum += </a:t>
+            </a:r>
+            <a:r>
+              <a:rPr lang="en-US" sz="2200" b="1" dirty="0">
+                <a:latin typeface="Courier New" panose="02070309020205020404" pitchFamily="49" charset="0"/>
+                <a:cs typeface="Courier New" panose="02070309020205020404" pitchFamily="49" charset="0"/>
+              </a:rPr>
+              <a:t>4.5</a:t>
+            </a:r>
+            <a:r>
+              <a:rPr lang="en-US" sz="2200" dirty="0">
+                <a:latin typeface="Courier New" panose="02070309020205020404" pitchFamily="49" charset="0"/>
+                <a:cs typeface="Courier New" panose="02070309020205020404" pitchFamily="49" charset="0"/>
+              </a:rPr>
+              <a:t>; // sum becomes 4 after this statement</a:t>
+            </a:r>
+          </a:p>
+          <a:p>
+            <a:pPr marL="432" indent="0">
+              <a:buNone/>
+            </a:pPr>
+            <a:r>
+              <a:rPr lang="en-US" sz="2200" b="1" dirty="0">
+                <a:latin typeface="Courier New" panose="02070309020205020404" pitchFamily="49" charset="0"/>
+                <a:cs typeface="Courier New" panose="02070309020205020404" pitchFamily="49" charset="0"/>
+              </a:rPr>
+              <a:t>sum += 4.5 </a:t>
+            </a:r>
+            <a:r>
+              <a:rPr lang="en-US" sz="2200" dirty="0"/>
+              <a:t>is equivalent to </a:t>
+            </a:r>
+            <a:r>
+              <a:rPr lang="en-US" sz="2200" b="1" dirty="0">
+                <a:latin typeface="Courier New" panose="02070309020205020404" pitchFamily="49" charset="0"/>
+                <a:cs typeface="Courier New" panose="02070309020205020404" pitchFamily="49" charset="0"/>
+              </a:rPr>
+              <a:t>sum = (</a:t>
+            </a:r>
+            <a:r>
+              <a:rPr lang="en-US" sz="2200" b="1" dirty="0" err="1">
+                <a:latin typeface="Courier New" panose="02070309020205020404" pitchFamily="49" charset="0"/>
+                <a:cs typeface="Courier New" panose="02070309020205020404" pitchFamily="49" charset="0"/>
+              </a:rPr>
+              <a:t>int</a:t>
+            </a:r>
+            <a:r>
+              <a:rPr lang="en-US" sz="2200" b="1" dirty="0">
+                <a:latin typeface="Courier New" panose="02070309020205020404" pitchFamily="49" charset="0"/>
+                <a:cs typeface="Courier New" panose="02070309020205020404" pitchFamily="49" charset="0"/>
+              </a:rPr>
+              <a:t>)(sum + 4.5)</a:t>
+            </a:r>
+            <a:r>
+              <a:rPr lang="en-US" sz="2200" dirty="0">
+                <a:latin typeface="Courier New" panose="02070309020205020404" pitchFamily="49" charset="0"/>
+                <a:cs typeface="Courier New" panose="02070309020205020404" pitchFamily="49" charset="0"/>
+              </a:rPr>
+              <a:t>.</a:t>
+            </a:r>
+          </a:p>
+        </p:txBody>
+      </p:sp>
+    </p:spTree>
+    <p:extLst>
+      <p:ext uri="{BB962C8B-B14F-4D97-AF65-F5344CB8AC3E}">
+        <p14:creationId xmlns:p14="http://schemas.microsoft.com/office/powerpoint/2010/main" val="1304859086"/>
+      </p:ext>
+    </p:extLst>
+  </p:cSld>
+  <p:clrMapOvr>
+    <a:masterClrMapping/>
+  </p:clrMapOvr>
+</p:sld>
+</file>
+
+<file path=ppt/slides/slide35.xml><?xml version="1.0" encoding="utf-8"?>
+<p:sld xmlns:a="http://schemas.openxmlformats.org/drawingml/2006/main" xmlns:r="http://schemas.openxmlformats.org/officeDocument/2006/relationships" xmlns:p="http://schemas.openxmlformats.org/presentationml/2006/main">
+  <p:cSld>
+    <p:spTree>
+      <p:nvGrpSpPr>
+        <p:cNvPr id="1" name=""/>
+        <p:cNvGrpSpPr/>
+        <p:nvPr/>
+      </p:nvGrpSpPr>
+      <p:grpSpPr>
+        <a:xfrm>
+          <a:off x="0" y="0"/>
+          <a:ext cx="0" cy="0"/>
+          <a:chOff x="0" y="0"/>
+          <a:chExt cx="0" cy="0"/>
+        </a:xfrm>
+      </p:grpSpPr>
+      <p:sp>
+        <p:nvSpPr>
+          <p:cNvPr id="32770" name="Slide Number Placeholder 4"/>
+          <p:cNvSpPr>
+            <a:spLocks noGrp="1"/>
+          </p:cNvSpPr>
+          <p:nvPr>
+            <p:ph type="sldNum" sz="quarter" idx="11"/>
+          </p:nvPr>
+        </p:nvSpPr>
+        <p:spPr>
+          <a:noFill/>
+        </p:spPr>
+        <p:txBody>
+          <a:bodyPr/>
+          <a:lstStyle>
+            <a:lvl1pPr>
+              <a:spcBef>
+                <a:spcPct val="20000"/>
+              </a:spcBef>
+              <a:buClr>
+                <a:schemeClr val="tx2"/>
+              </a:buClr>
+              <a:buSzPct val="75000"/>
+              <a:buFont typeface="Monotype Sorts" charset="2"/>
+              <a:buChar char="F"/>
+              <a:defRPr sz="3200">
+                <a:solidFill>
+                  <a:schemeClr val="tx1"/>
+                </a:solidFill>
+                <a:latin typeface="Times New Roman" panose="02020603050405020304" pitchFamily="18" charset="0"/>
+                <a:ea typeface="MS PGothic" panose="020B0600070205080204" pitchFamily="34" charset="-128"/>
+              </a:defRPr>
+            </a:lvl1pPr>
+            <a:lvl2pPr marL="742950" indent="-285750">
+              <a:spcBef>
+                <a:spcPct val="20000"/>
+              </a:spcBef>
+              <a:buClr>
+                <a:schemeClr val="tx1"/>
+              </a:buClr>
+              <a:buChar char="–"/>
+              <a:defRPr sz="2800">
+                <a:solidFill>
+                  <a:schemeClr val="tx1"/>
+                </a:solidFill>
+                <a:latin typeface="Times New Roman" panose="02020603050405020304" pitchFamily="18" charset="0"/>
+                <a:ea typeface="MS PGothic" panose="020B0600070205080204" pitchFamily="34" charset="-128"/>
+              </a:defRPr>
+            </a:lvl2pPr>
+            <a:lvl3pPr marL="1143000" indent="-228600">
+              <a:spcBef>
+                <a:spcPct val="20000"/>
+              </a:spcBef>
+              <a:buClr>
+                <a:schemeClr val="accent2"/>
+              </a:buClr>
+              <a:buSzPct val="65000"/>
+              <a:buFont typeface="Monotype Sorts" charset="2"/>
+              <a:buChar char="u"/>
+              <a:defRPr sz="2400">
+                <a:solidFill>
+                  <a:schemeClr val="tx1"/>
+                </a:solidFill>
+                <a:latin typeface="Times New Roman" panose="02020603050405020304" pitchFamily="18" charset="0"/>
+                <a:ea typeface="MS PGothic" panose="020B0600070205080204" pitchFamily="34" charset="-128"/>
+              </a:defRPr>
+            </a:lvl3pPr>
+            <a:lvl4pPr marL="1600200" indent="-228600">
+              <a:spcBef>
+                <a:spcPct val="20000"/>
+              </a:spcBef>
+              <a:buClr>
+                <a:schemeClr val="tx1"/>
+              </a:buClr>
+              <a:buChar char="–"/>
+              <a:defRPr sz="2000">
+                <a:solidFill>
+                  <a:schemeClr val="tx1"/>
+                </a:solidFill>
+                <a:latin typeface="Times New Roman" panose="02020603050405020304" pitchFamily="18" charset="0"/>
+                <a:ea typeface="MS PGothic" panose="020B0600070205080204" pitchFamily="34" charset="-128"/>
+              </a:defRPr>
+            </a:lvl4pPr>
+            <a:lvl5pPr marL="2057400" indent="-228600">
+              <a:spcBef>
+                <a:spcPct val="20000"/>
+              </a:spcBef>
+              <a:buClr>
+                <a:schemeClr val="tx2"/>
+              </a:buClr>
+              <a:buChar char="•"/>
+              <a:defRPr sz="2000">
+                <a:solidFill>
+                  <a:schemeClr val="tx1"/>
+                </a:solidFill>
+                <a:latin typeface="Times New Roman" panose="02020603050405020304" pitchFamily="18" charset="0"/>
+                <a:ea typeface="MS PGothic" panose="020B0600070205080204" pitchFamily="34" charset="-128"/>
+              </a:defRPr>
+            </a:lvl5pPr>
+            <a:lvl6pPr marL="2514600" indent="-228600" eaLnBrk="0" fontAlgn="base" hangingPunct="0">
+              <a:spcBef>
+                <a:spcPct val="20000"/>
+              </a:spcBef>
+              <a:spcAft>
+                <a:spcPct val="0"/>
+              </a:spcAft>
+              <a:buClr>
+                <a:schemeClr val="tx2"/>
+              </a:buClr>
+              <a:buChar char="•"/>
+              <a:defRPr sz="2000">
+                <a:solidFill>
+                  <a:schemeClr val="tx1"/>
+                </a:solidFill>
+                <a:latin typeface="Times New Roman" panose="02020603050405020304" pitchFamily="18" charset="0"/>
+                <a:ea typeface="MS PGothic" panose="020B0600070205080204" pitchFamily="34" charset="-128"/>
+              </a:defRPr>
+            </a:lvl6pPr>
+            <a:lvl7pPr marL="2971800" indent="-228600" eaLnBrk="0" fontAlgn="base" hangingPunct="0">
+              <a:spcBef>
+                <a:spcPct val="20000"/>
+              </a:spcBef>
+              <a:spcAft>
+                <a:spcPct val="0"/>
+              </a:spcAft>
+              <a:buClr>
+                <a:schemeClr val="tx2"/>
+              </a:buClr>
+              <a:buChar char="•"/>
+              <a:defRPr sz="2000">
+                <a:solidFill>
+                  <a:schemeClr val="tx1"/>
+                </a:solidFill>
+                <a:latin typeface="Times New Roman" panose="02020603050405020304" pitchFamily="18" charset="0"/>
+                <a:ea typeface="MS PGothic" panose="020B0600070205080204" pitchFamily="34" charset="-128"/>
+              </a:defRPr>
+            </a:lvl7pPr>
+            <a:lvl8pPr marL="3429000" indent="-228600" eaLnBrk="0" fontAlgn="base" hangingPunct="0">
+              <a:spcBef>
+                <a:spcPct val="20000"/>
+              </a:spcBef>
+              <a:spcAft>
+                <a:spcPct val="0"/>
+              </a:spcAft>
+              <a:buClr>
+                <a:schemeClr val="tx2"/>
+              </a:buClr>
+              <a:buChar char="•"/>
+              <a:defRPr sz="2000">
+                <a:solidFill>
+                  <a:schemeClr val="tx1"/>
+                </a:solidFill>
+                <a:latin typeface="Times New Roman" panose="02020603050405020304" pitchFamily="18" charset="0"/>
+                <a:ea typeface="MS PGothic" panose="020B0600070205080204" pitchFamily="34" charset="-128"/>
+              </a:defRPr>
+            </a:lvl8pPr>
+            <a:lvl9pPr marL="3886200" indent="-228600" eaLnBrk="0" fontAlgn="base" hangingPunct="0">
+              <a:spcBef>
+                <a:spcPct val="20000"/>
+              </a:spcBef>
+              <a:spcAft>
+                <a:spcPct val="0"/>
+              </a:spcAft>
+              <a:buClr>
+                <a:schemeClr val="tx2"/>
+              </a:buClr>
+              <a:buChar char="•"/>
+              <a:defRPr sz="2000">
+                <a:solidFill>
+                  <a:schemeClr val="tx1"/>
+                </a:solidFill>
+                <a:latin typeface="Times New Roman" panose="02020603050405020304" pitchFamily="18" charset="0"/>
+                <a:ea typeface="MS PGothic" panose="020B0600070205080204" pitchFamily="34" charset="-128"/>
+              </a:defRPr>
+            </a:lvl9pPr>
+          </a:lstStyle>
+          <a:p>
+            <a:pPr>
+              <a:spcBef>
+                <a:spcPct val="0"/>
+              </a:spcBef>
+              <a:buClrTx/>
+              <a:buSzTx/>
+              <a:buFontTx/>
+              <a:buNone/>
+            </a:pPr>
+            <a:fld id="{35260DD2-5934-4BE4-86E9-CD8C747AE897}" type="slidenum">
+              <a:rPr lang="en-US" altLang="en-US" sz="1400"/>
+              <a:pPr>
+                <a:spcBef>
+                  <a:spcPct val="0"/>
+                </a:spcBef>
+                <a:buClrTx/>
+                <a:buSzTx/>
+                <a:buFontTx/>
+                <a:buNone/>
+              </a:pPr>
+              <a:t>35</a:t>
+            </a:fld>
+            <a:endParaRPr lang="en-US" altLang="en-US" sz="1400"/>
+          </a:p>
+        </p:txBody>
+      </p:sp>
+      <p:sp>
+        <p:nvSpPr>
+          <p:cNvPr id="32771" name="Rectangle 2"/>
+          <p:cNvSpPr>
+            <a:spLocks noGrp="1" noChangeArrowheads="1"/>
+          </p:cNvSpPr>
+          <p:nvPr>
+            <p:ph type="title"/>
+          </p:nvPr>
+        </p:nvSpPr>
+        <p:spPr>
+          <a:xfrm>
+            <a:off x="2217738" y="357189"/>
+            <a:ext cx="7880350" cy="1317625"/>
+          </a:xfrm>
+        </p:spPr>
+        <p:txBody>
+          <a:bodyPr/>
+          <a:lstStyle/>
+          <a:p>
+            <a:r>
+              <a:rPr lang="en-US" altLang="en-US" sz="4000"/>
+              <a:t>Problem: Keeping Two Digits After Decimal Points</a:t>
+            </a:r>
+          </a:p>
+        </p:txBody>
+      </p:sp>
+      <p:sp>
+        <p:nvSpPr>
+          <p:cNvPr id="32772" name="Rectangle 3"/>
+          <p:cNvSpPr>
+            <a:spLocks noGrp="1" noChangeArrowheads="1"/>
+          </p:cNvSpPr>
+          <p:nvPr>
+            <p:ph type="body" idx="1"/>
+          </p:nvPr>
+        </p:nvSpPr>
+        <p:spPr>
+          <a:xfrm>
+            <a:off x="1752600" y="2084389"/>
+            <a:ext cx="8686800" cy="998537"/>
+          </a:xfrm>
+        </p:spPr>
+        <p:txBody>
+          <a:bodyPr/>
+          <a:lstStyle/>
+          <a:p>
+            <a:pPr marL="0" indent="0">
+              <a:spcBef>
+                <a:spcPct val="0"/>
+              </a:spcBef>
+              <a:buNone/>
+            </a:pPr>
+            <a:r>
+              <a:rPr lang="en-US" altLang="en-US"/>
+              <a:t>Write a program that displays the sales tax with two digits after the decimal point.</a:t>
+            </a:r>
+          </a:p>
+        </p:txBody>
+      </p:sp>
+      <p:sp>
+        <p:nvSpPr>
+          <p:cNvPr id="32773" name="Rectangle 4"/>
+          <p:cNvSpPr>
+            <a:spLocks noChangeArrowheads="1"/>
+          </p:cNvSpPr>
+          <p:nvPr/>
+        </p:nvSpPr>
+        <p:spPr bwMode="auto">
+          <a:xfrm>
+            <a:off x="3714750" y="2881313"/>
+            <a:ext cx="9144000" cy="338554"/>
+          </a:xfrm>
+          <a:prstGeom prst="rect">
+            <a:avLst/>
+          </a:prstGeom>
+          <a:noFill/>
+          <a:ln>
+            <a:noFill/>
+          </a:ln>
+          <a:extLst>
+            <a:ext uri="{909E8E84-426E-40DD-AFC4-6F175D3DCCD1}">
+              <a14:hiddenFill xmlns:a14="http://schemas.microsoft.com/office/drawing/2010/main">
+                <a:solidFill>
+                  <a:srgbClr val="FFFFFF"/>
+                </a:solidFill>
+              </a14:hiddenFill>
+            </a:ext>
+            <a:ext uri="{91240B29-F687-4F45-9708-019B960494DF}">
+              <a14:hiddenLine xmlns:a14="http://schemas.microsoft.com/office/drawing/2010/main" w="9525">
+                <a:solidFill>
+                  <a:srgbClr val="000000"/>
+                </a:solidFill>
+                <a:miter lim="800000"/>
+                <a:headEnd/>
+                <a:tailEnd/>
+              </a14:hiddenLine>
+            </a:ext>
+          </a:extLst>
+        </p:spPr>
+        <p:txBody>
+          <a:bodyPr>
+            <a:spAutoFit/>
+          </a:bodyPr>
+          <a:lstStyle>
+            <a:lvl1pPr>
+              <a:spcBef>
+                <a:spcPct val="20000"/>
+              </a:spcBef>
+              <a:buClr>
+                <a:schemeClr val="tx2"/>
+              </a:buClr>
+              <a:buSzPct val="75000"/>
+              <a:buFont typeface="Monotype Sorts" charset="2"/>
+              <a:buChar char="F"/>
+              <a:defRPr sz="3200">
+                <a:solidFill>
+                  <a:schemeClr val="tx1"/>
+                </a:solidFill>
+                <a:latin typeface="Times New Roman" panose="02020603050405020304" pitchFamily="18" charset="0"/>
+                <a:ea typeface="MS PGothic" panose="020B0600070205080204" pitchFamily="34" charset="-128"/>
+              </a:defRPr>
+            </a:lvl1pPr>
+            <a:lvl2pPr marL="742950" indent="-285750">
+              <a:spcBef>
+                <a:spcPct val="20000"/>
+              </a:spcBef>
+              <a:buClr>
+                <a:schemeClr val="tx1"/>
+              </a:buClr>
+              <a:buChar char="–"/>
+              <a:defRPr sz="2800">
+                <a:solidFill>
+                  <a:schemeClr val="tx1"/>
+                </a:solidFill>
+                <a:latin typeface="Times New Roman" panose="02020603050405020304" pitchFamily="18" charset="0"/>
+                <a:ea typeface="MS PGothic" panose="020B0600070205080204" pitchFamily="34" charset="-128"/>
+              </a:defRPr>
+            </a:lvl2pPr>
+            <a:lvl3pPr marL="1143000" indent="-228600">
+              <a:spcBef>
+                <a:spcPct val="20000"/>
+              </a:spcBef>
+              <a:buClr>
+                <a:schemeClr val="accent2"/>
+              </a:buClr>
+              <a:buSzPct val="65000"/>
+              <a:buFont typeface="Monotype Sorts" charset="2"/>
+              <a:buChar char="u"/>
+              <a:defRPr sz="2400">
+                <a:solidFill>
+                  <a:schemeClr val="tx1"/>
+                </a:solidFill>
+                <a:latin typeface="Times New Roman" panose="02020603050405020304" pitchFamily="18" charset="0"/>
+                <a:ea typeface="MS PGothic" panose="020B0600070205080204" pitchFamily="34" charset="-128"/>
+              </a:defRPr>
+            </a:lvl3pPr>
+            <a:lvl4pPr marL="1600200" indent="-228600">
+              <a:spcBef>
+                <a:spcPct val="20000"/>
+              </a:spcBef>
+              <a:buClr>
+                <a:schemeClr val="tx1"/>
+              </a:buClr>
+              <a:buChar char="–"/>
+              <a:defRPr sz="2000">
+                <a:solidFill>
+                  <a:schemeClr val="tx1"/>
+                </a:solidFill>
+                <a:latin typeface="Times New Roman" panose="02020603050405020304" pitchFamily="18" charset="0"/>
+                <a:ea typeface="MS PGothic" panose="020B0600070205080204" pitchFamily="34" charset="-128"/>
+              </a:defRPr>
+            </a:lvl4pPr>
+            <a:lvl5pPr marL="2057400" indent="-228600">
+              <a:spcBef>
+                <a:spcPct val="20000"/>
+              </a:spcBef>
+              <a:buClr>
+                <a:schemeClr val="tx2"/>
+              </a:buClr>
+              <a:buChar char="•"/>
+              <a:defRPr sz="2000">
+                <a:solidFill>
+                  <a:schemeClr val="tx1"/>
+                </a:solidFill>
+                <a:latin typeface="Times New Roman" panose="02020603050405020304" pitchFamily="18" charset="0"/>
+                <a:ea typeface="MS PGothic" panose="020B0600070205080204" pitchFamily="34" charset="-128"/>
+              </a:defRPr>
+            </a:lvl5pPr>
+            <a:lvl6pPr marL="2514600" indent="-228600" eaLnBrk="0" fontAlgn="base" hangingPunct="0">
+              <a:spcBef>
+                <a:spcPct val="20000"/>
+              </a:spcBef>
+              <a:spcAft>
+                <a:spcPct val="0"/>
+              </a:spcAft>
+              <a:buClr>
+                <a:schemeClr val="tx2"/>
+              </a:buClr>
+              <a:buChar char="•"/>
+              <a:defRPr sz="2000">
+                <a:solidFill>
+                  <a:schemeClr val="tx1"/>
+                </a:solidFill>
+                <a:latin typeface="Times New Roman" panose="02020603050405020304" pitchFamily="18" charset="0"/>
+                <a:ea typeface="MS PGothic" panose="020B0600070205080204" pitchFamily="34" charset="-128"/>
+              </a:defRPr>
+            </a:lvl6pPr>
+            <a:lvl7pPr marL="2971800" indent="-228600" eaLnBrk="0" fontAlgn="base" hangingPunct="0">
+              <a:spcBef>
+                <a:spcPct val="20000"/>
+              </a:spcBef>
+              <a:spcAft>
+                <a:spcPct val="0"/>
+              </a:spcAft>
+              <a:buClr>
+                <a:schemeClr val="tx2"/>
+              </a:buClr>
+              <a:buChar char="•"/>
+              <a:defRPr sz="2000">
+                <a:solidFill>
+                  <a:schemeClr val="tx1"/>
+                </a:solidFill>
+                <a:latin typeface="Times New Roman" panose="02020603050405020304" pitchFamily="18" charset="0"/>
+                <a:ea typeface="MS PGothic" panose="020B0600070205080204" pitchFamily="34" charset="-128"/>
+              </a:defRPr>
+            </a:lvl7pPr>
+            <a:lvl8pPr marL="3429000" indent="-228600" eaLnBrk="0" fontAlgn="base" hangingPunct="0">
+              <a:spcBef>
+                <a:spcPct val="20000"/>
+              </a:spcBef>
+              <a:spcAft>
+                <a:spcPct val="0"/>
+              </a:spcAft>
+              <a:buClr>
+                <a:schemeClr val="tx2"/>
+              </a:buClr>
+              <a:buChar char="•"/>
+              <a:defRPr sz="2000">
+                <a:solidFill>
+                  <a:schemeClr val="tx1"/>
+                </a:solidFill>
+                <a:latin typeface="Times New Roman" panose="02020603050405020304" pitchFamily="18" charset="0"/>
+                <a:ea typeface="MS PGothic" panose="020B0600070205080204" pitchFamily="34" charset="-128"/>
+              </a:defRPr>
+            </a:lvl8pPr>
+            <a:lvl9pPr marL="3886200" indent="-228600" eaLnBrk="0" fontAlgn="base" hangingPunct="0">
+              <a:spcBef>
+                <a:spcPct val="20000"/>
+              </a:spcBef>
+              <a:spcAft>
+                <a:spcPct val="0"/>
+              </a:spcAft>
+              <a:buClr>
+                <a:schemeClr val="tx2"/>
+              </a:buClr>
+              <a:buChar char="•"/>
+              <a:defRPr sz="2000">
+                <a:solidFill>
+                  <a:schemeClr val="tx1"/>
+                </a:solidFill>
+                <a:latin typeface="Times New Roman" panose="02020603050405020304" pitchFamily="18" charset="0"/>
+                <a:ea typeface="MS PGothic" panose="020B0600070205080204" pitchFamily="34" charset="-128"/>
+              </a:defRPr>
+            </a:lvl9pPr>
+          </a:lstStyle>
+          <a:p>
+            <a:pPr>
+              <a:spcBef>
+                <a:spcPct val="0"/>
+              </a:spcBef>
+              <a:buClrTx/>
+              <a:buSzTx/>
+              <a:buFontTx/>
+              <a:buNone/>
+            </a:pPr>
+            <a:endParaRPr lang="en-US" altLang="en-US" sz="1600"/>
+          </a:p>
+        </p:txBody>
+      </p:sp>
+      <p:sp>
+        <p:nvSpPr>
+          <p:cNvPr id="32774" name="Rectangle 7"/>
+          <p:cNvSpPr>
+            <a:spLocks noChangeArrowheads="1"/>
+          </p:cNvSpPr>
+          <p:nvPr/>
+        </p:nvSpPr>
+        <p:spPr bwMode="auto">
+          <a:xfrm>
+            <a:off x="1524001" y="3145423"/>
+            <a:ext cx="184731" cy="338554"/>
+          </a:xfrm>
+          <a:prstGeom prst="rect">
+            <a:avLst/>
+          </a:prstGeom>
+          <a:noFill/>
+          <a:ln>
+            <a:noFill/>
+          </a:ln>
+          <a:extLst>
+            <a:ext uri="{909E8E84-426E-40DD-AFC4-6F175D3DCCD1}">
+              <a14:hiddenFill xmlns:a14="http://schemas.microsoft.com/office/drawing/2010/main">
+                <a:solidFill>
+                  <a:srgbClr val="FFFFFF"/>
+                </a:solidFill>
+              </a14:hiddenFill>
+            </a:ext>
+            <a:ext uri="{91240B29-F687-4F45-9708-019B960494DF}">
+              <a14:hiddenLine xmlns:a14="http://schemas.microsoft.com/office/drawing/2010/main" w="9525">
+                <a:solidFill>
+                  <a:srgbClr val="000000"/>
+                </a:solidFill>
+                <a:miter lim="800000"/>
+                <a:headEnd/>
+                <a:tailEnd/>
+              </a14:hiddenLine>
+            </a:ext>
+          </a:extLst>
+        </p:spPr>
+        <p:txBody>
+          <a:bodyPr wrap="none" anchor="ctr">
+            <a:spAutoFit/>
+          </a:bodyPr>
+          <a:lstStyle>
+            <a:lvl1pPr>
+              <a:spcBef>
+                <a:spcPct val="20000"/>
+              </a:spcBef>
+              <a:buClr>
+                <a:schemeClr val="tx2"/>
+              </a:buClr>
+              <a:buSzPct val="75000"/>
+              <a:buFont typeface="Monotype Sorts" charset="2"/>
+              <a:buChar char="F"/>
+              <a:defRPr sz="3200">
+                <a:solidFill>
+                  <a:schemeClr val="tx1"/>
+                </a:solidFill>
+                <a:latin typeface="Times New Roman" panose="02020603050405020304" pitchFamily="18" charset="0"/>
+                <a:ea typeface="MS PGothic" panose="020B0600070205080204" pitchFamily="34" charset="-128"/>
+              </a:defRPr>
+            </a:lvl1pPr>
+            <a:lvl2pPr marL="742950" indent="-285750">
+              <a:spcBef>
+                <a:spcPct val="20000"/>
+              </a:spcBef>
+              <a:buClr>
+                <a:schemeClr val="tx1"/>
+              </a:buClr>
+              <a:buChar char="–"/>
+              <a:defRPr sz="2800">
+                <a:solidFill>
+                  <a:schemeClr val="tx1"/>
+                </a:solidFill>
+                <a:latin typeface="Times New Roman" panose="02020603050405020304" pitchFamily="18" charset="0"/>
+                <a:ea typeface="MS PGothic" panose="020B0600070205080204" pitchFamily="34" charset="-128"/>
+              </a:defRPr>
+            </a:lvl2pPr>
+            <a:lvl3pPr marL="1143000" indent="-228600">
+              <a:spcBef>
+                <a:spcPct val="20000"/>
+              </a:spcBef>
+              <a:buClr>
+                <a:schemeClr val="accent2"/>
+              </a:buClr>
+              <a:buSzPct val="65000"/>
+              <a:buFont typeface="Monotype Sorts" charset="2"/>
+              <a:buChar char="u"/>
+              <a:defRPr sz="2400">
+                <a:solidFill>
+                  <a:schemeClr val="tx1"/>
+                </a:solidFill>
+                <a:latin typeface="Times New Roman" panose="02020603050405020304" pitchFamily="18" charset="0"/>
+                <a:ea typeface="MS PGothic" panose="020B0600070205080204" pitchFamily="34" charset="-128"/>
+              </a:defRPr>
+            </a:lvl3pPr>
+            <a:lvl4pPr marL="1600200" indent="-228600">
+              <a:spcBef>
+                <a:spcPct val="20000"/>
+              </a:spcBef>
+              <a:buClr>
+                <a:schemeClr val="tx1"/>
+              </a:buClr>
+              <a:buChar char="–"/>
+              <a:defRPr sz="2000">
+                <a:solidFill>
+                  <a:schemeClr val="tx1"/>
+                </a:solidFill>
+                <a:latin typeface="Times New Roman" panose="02020603050405020304" pitchFamily="18" charset="0"/>
+                <a:ea typeface="MS PGothic" panose="020B0600070205080204" pitchFamily="34" charset="-128"/>
+              </a:defRPr>
+            </a:lvl4pPr>
+            <a:lvl5pPr marL="2057400" indent="-228600">
+              <a:spcBef>
+                <a:spcPct val="20000"/>
+              </a:spcBef>
+              <a:buClr>
+                <a:schemeClr val="tx2"/>
+              </a:buClr>
+              <a:buChar char="•"/>
+              <a:defRPr sz="2000">
+                <a:solidFill>
+                  <a:schemeClr val="tx1"/>
+                </a:solidFill>
+                <a:latin typeface="Times New Roman" panose="02020603050405020304" pitchFamily="18" charset="0"/>
+                <a:ea typeface="MS PGothic" panose="020B0600070205080204" pitchFamily="34" charset="-128"/>
+              </a:defRPr>
+            </a:lvl5pPr>
+            <a:lvl6pPr marL="2514600" indent="-228600" eaLnBrk="0" fontAlgn="base" hangingPunct="0">
+              <a:spcBef>
+                <a:spcPct val="20000"/>
+              </a:spcBef>
+              <a:spcAft>
+                <a:spcPct val="0"/>
+              </a:spcAft>
+              <a:buClr>
+                <a:schemeClr val="tx2"/>
+              </a:buClr>
+              <a:buChar char="•"/>
+              <a:defRPr sz="2000">
+                <a:solidFill>
+                  <a:schemeClr val="tx1"/>
+                </a:solidFill>
+                <a:latin typeface="Times New Roman" panose="02020603050405020304" pitchFamily="18" charset="0"/>
+                <a:ea typeface="MS PGothic" panose="020B0600070205080204" pitchFamily="34" charset="-128"/>
+              </a:defRPr>
+            </a:lvl6pPr>
+            <a:lvl7pPr marL="2971800" indent="-228600" eaLnBrk="0" fontAlgn="base" hangingPunct="0">
+              <a:spcBef>
+                <a:spcPct val="20000"/>
+              </a:spcBef>
+              <a:spcAft>
+                <a:spcPct val="0"/>
+              </a:spcAft>
+              <a:buClr>
+                <a:schemeClr val="tx2"/>
+              </a:buClr>
+              <a:buChar char="•"/>
+              <a:defRPr sz="2000">
+                <a:solidFill>
+                  <a:schemeClr val="tx1"/>
+                </a:solidFill>
+                <a:latin typeface="Times New Roman" panose="02020603050405020304" pitchFamily="18" charset="0"/>
+                <a:ea typeface="MS PGothic" panose="020B0600070205080204" pitchFamily="34" charset="-128"/>
+              </a:defRPr>
+            </a:lvl7pPr>
+            <a:lvl8pPr marL="3429000" indent="-228600" eaLnBrk="0" fontAlgn="base" hangingPunct="0">
+              <a:spcBef>
+                <a:spcPct val="20000"/>
+              </a:spcBef>
+              <a:spcAft>
+                <a:spcPct val="0"/>
+              </a:spcAft>
+              <a:buClr>
+                <a:schemeClr val="tx2"/>
+              </a:buClr>
+              <a:buChar char="•"/>
+              <a:defRPr sz="2000">
+                <a:solidFill>
+                  <a:schemeClr val="tx1"/>
+                </a:solidFill>
+                <a:latin typeface="Times New Roman" panose="02020603050405020304" pitchFamily="18" charset="0"/>
+                <a:ea typeface="MS PGothic" panose="020B0600070205080204" pitchFamily="34" charset="-128"/>
+              </a:defRPr>
+            </a:lvl8pPr>
+            <a:lvl9pPr marL="3886200" indent="-228600" eaLnBrk="0" fontAlgn="base" hangingPunct="0">
+              <a:spcBef>
+                <a:spcPct val="20000"/>
+              </a:spcBef>
+              <a:spcAft>
+                <a:spcPct val="0"/>
+              </a:spcAft>
+              <a:buClr>
+                <a:schemeClr val="tx2"/>
+              </a:buClr>
+              <a:buChar char="•"/>
+              <a:defRPr sz="2000">
+                <a:solidFill>
+                  <a:schemeClr val="tx1"/>
+                </a:solidFill>
+                <a:latin typeface="Times New Roman" panose="02020603050405020304" pitchFamily="18" charset="0"/>
+                <a:ea typeface="MS PGothic" panose="020B0600070205080204" pitchFamily="34" charset="-128"/>
+              </a:defRPr>
+            </a:lvl9pPr>
+          </a:lstStyle>
+          <a:p>
+            <a:pPr>
+              <a:spcBef>
+                <a:spcPct val="0"/>
+              </a:spcBef>
+              <a:buClrTx/>
+              <a:buSzTx/>
+              <a:buFontTx/>
+              <a:buNone/>
+            </a:pPr>
+            <a:endParaRPr lang="en-US" altLang="en-US" sz="1600"/>
+          </a:p>
+        </p:txBody>
+      </p:sp>
+    </p:spTree>
+    <p:extLst>
+      <p:ext uri="{BB962C8B-B14F-4D97-AF65-F5344CB8AC3E}">
+        <p14:creationId xmlns:p14="http://schemas.microsoft.com/office/powerpoint/2010/main" val="1127485214"/>
+      </p:ext>
+    </p:extLst>
+  </p:cSld>
+  <p:clrMapOvr>
+    <a:masterClrMapping/>
+  </p:clrMapOvr>
+  <p:transition/>
+</p:sld>
+</file>
+
+<file path=ppt/slides/slide36.xml><?xml version="1.0" encoding="utf-8"?>
+<p:sld xmlns:a="http://schemas.openxmlformats.org/drawingml/2006/main" xmlns:r="http://schemas.openxmlformats.org/officeDocument/2006/relationships" xmlns:p="http://schemas.openxmlformats.org/presentationml/2006/main">
+  <p:cSld>
+    <p:spTree>
+      <p:nvGrpSpPr>
+        <p:cNvPr id="1" name=""/>
+        <p:cNvGrpSpPr/>
+        <p:nvPr/>
+      </p:nvGrpSpPr>
+      <p:grpSpPr>
+        <a:xfrm>
+          <a:off x="0" y="0"/>
+          <a:ext cx="0" cy="0"/>
+          <a:chOff x="0" y="0"/>
+          <a:chExt cx="0" cy="0"/>
+        </a:xfrm>
+      </p:grpSpPr>
+      <p:sp>
+        <p:nvSpPr>
           <p:cNvPr id="33794" name="Slide Number Placeholder 4"/>
           <p:cNvSpPr>
             <a:spLocks noGrp="1"/>
@@ -26361,7 +27660,7 @@
                 <a:buFontTx/>
                 <a:buNone/>
               </a:pPr>
-              <a:t>34</a:t>
+              <a:t>36</a:t>
             </a:fld>
             <a:endParaRPr lang="en-US" altLang="en-US" sz="1400"/>
           </a:p>
@@ -26862,7 +28161,7 @@
           <a:graphicData uri="http://schemas.openxmlformats.org/presentationml/2006/ole">
             <mc:AlternateContent xmlns:mc="http://schemas.openxmlformats.org/markup-compatibility/2006">
               <mc:Choice xmlns:v="urn:schemas-microsoft-com:vml" Requires="v">
-                <p:oleObj spid="_x0000_s8198" name="Equation" r:id="rId4" imgW="3695700" imgH="571500" progId="Equation.3">
+                <p:oleObj spid="_x0000_s8202" name="Equation" r:id="rId4" imgW="3695700" imgH="571500" progId="Equation.3">
                   <p:embed/>
                 </p:oleObj>
               </mc:Choice>
@@ -26943,7 +28242,7 @@
 </p:sld>
 </file>
 
-<file path=ppt/slides/slide35.xml><?xml version="1.0" encoding="utf-8"?>
+<file path=ppt/slides/slide37.xml><?xml version="1.0" encoding="utf-8"?>
 <p:sld xmlns:a="http://schemas.openxmlformats.org/drawingml/2006/main" xmlns:r="http://schemas.openxmlformats.org/officeDocument/2006/relationships" xmlns:p="http://schemas.openxmlformats.org/presentationml/2006/main">
   <p:cSld>
     <p:spTree>
@@ -27158,7 +28457,7 @@
                 <a:buFontTx/>
                 <a:buNone/>
               </a:pPr>
-              <a:t>35</a:t>
+              <a:t>37</a:t>
             </a:fld>
             <a:endParaRPr lang="en-US" altLang="en-US" sz="1400"/>
           </a:p>
@@ -27655,7 +28954,7 @@
 </p:sld>
 </file>
 
-<file path=ppt/slides/slide36.xml><?xml version="1.0" encoding="utf-8"?>
+<file path=ppt/slides/slide38.xml><?xml version="1.0" encoding="utf-8"?>
 <p:sld xmlns:a="http://schemas.openxmlformats.org/drawingml/2006/main" xmlns:r="http://schemas.openxmlformats.org/officeDocument/2006/relationships" xmlns:p="http://schemas.openxmlformats.org/presentationml/2006/main">
   <p:cSld>
     <p:spTree>
@@ -27834,7 +29133,7 @@
 </p:sld>
 </file>
 
-<file path=ppt/slides/slide37.xml><?xml version="1.0" encoding="utf-8"?>
+<file path=ppt/slides/slide39.xml><?xml version="1.0" encoding="utf-8"?>
 <p:sld xmlns:a="http://schemas.openxmlformats.org/drawingml/2006/main" xmlns:r="http://schemas.openxmlformats.org/officeDocument/2006/relationships" xmlns:p="http://schemas.openxmlformats.org/presentationml/2006/main">
   <p:cSld>
     <p:spTree>
@@ -28003,7 +29302,7 @@
           <a:graphicData uri="http://schemas.openxmlformats.org/presentationml/2006/ole">
             <mc:AlternateContent xmlns:mc="http://schemas.openxmlformats.org/markup-compatibility/2006">
               <mc:Choice xmlns:v="urn:schemas-microsoft-com:vml" Requires="v">
-                <p:oleObj spid="_x0000_s13316" name="Equation" r:id="rId3" imgW="1917360" imgH="291960" progId="Equation.DSMT4">
+                <p:oleObj spid="_x0000_s13320" name="Equation" r:id="rId3" imgW="1917360" imgH="291960" progId="Equation.DSMT4">
                   <p:embed/>
                 </p:oleObj>
               </mc:Choice>
@@ -28057,7 +29356,7 @@
 </p:sld>
 </file>
 
-<file path=ppt/slides/slide38.xml><?xml version="1.0" encoding="utf-8"?>
+<file path=ppt/slides/slide4.xml><?xml version="1.0" encoding="utf-8"?>
 <p:sld xmlns:a="http://schemas.openxmlformats.org/drawingml/2006/main" xmlns:r="http://schemas.openxmlformats.org/officeDocument/2006/relationships" xmlns:p="http://schemas.openxmlformats.org/presentationml/2006/main">
   <p:cSld>
     <p:spTree>
@@ -28079,6 +29378,263 @@
           <p:cNvPr id="2" name="Title 1">
             <a:extLst>
               <a:ext uri="{FF2B5EF4-FFF2-40B4-BE49-F238E27FC236}">
+                <a16:creationId xmlns:a16="http://schemas.microsoft.com/office/drawing/2014/main" id="{86D28B0D-CC01-4AEE-A545-645FD4B80F7B}"/>
+              </a:ext>
+            </a:extLst>
+          </p:cNvPr>
+          <p:cNvSpPr>
+            <a:spLocks noGrp="1"/>
+          </p:cNvSpPr>
+          <p:nvPr>
+            <p:ph type="title"/>
+          </p:nvPr>
+        </p:nvSpPr>
+        <p:spPr/>
+        <p:txBody>
+          <a:bodyPr/>
+          <a:lstStyle/>
+          <a:p>
+            <a:pPr algn="ctr">
+              <a:defRPr/>
+            </a:pPr>
+            <a:r>
+              <a:rPr lang="en-US" dirty="0">
+                <a:solidFill>
+                  <a:srgbClr val="3380E6"/>
+                </a:solidFill>
+                <a:latin typeface="Calibri" panose="020F0502020204030204" pitchFamily="34" charset="0"/>
+              </a:rPr>
+              <a:t>Algorithms</a:t>
+            </a:r>
+          </a:p>
+        </p:txBody>
+      </p:sp>
+      <p:sp>
+        <p:nvSpPr>
+          <p:cNvPr id="14339" name="Text Placeholder 2">
+            <a:extLst>
+              <a:ext uri="{FF2B5EF4-FFF2-40B4-BE49-F238E27FC236}">
+                <a16:creationId xmlns:a16="http://schemas.microsoft.com/office/drawing/2014/main" id="{40A15F82-CADD-42BD-97D4-2361C260E0A8}"/>
+              </a:ext>
+            </a:extLst>
+          </p:cNvPr>
+          <p:cNvSpPr>
+            <a:spLocks noGrp="1"/>
+          </p:cNvSpPr>
+          <p:nvPr>
+            <p:ph type="body" idx="1"/>
+          </p:nvPr>
+        </p:nvSpPr>
+        <p:spPr/>
+        <p:txBody>
+          <a:bodyPr>
+            <a:normAutofit/>
+          </a:bodyPr>
+          <a:lstStyle/>
+          <a:p>
+            <a:pPr eaLnBrk="1" hangingPunct="1">
+              <a:lnSpc>
+                <a:spcPct val="80000"/>
+              </a:lnSpc>
+            </a:pPr>
+            <a:r>
+              <a:rPr lang="en-US" altLang="en-US" sz="2300" dirty="0">
+                <a:solidFill>
+                  <a:srgbClr val="000000"/>
+                </a:solidFill>
+              </a:rPr>
+              <a:t>Any computing problem can be solved by executing a series of actions in a specific order. </a:t>
+            </a:r>
+          </a:p>
+          <a:p>
+            <a:pPr eaLnBrk="1" hangingPunct="1">
+              <a:lnSpc>
+                <a:spcPct val="80000"/>
+              </a:lnSpc>
+            </a:pPr>
+            <a:r>
+              <a:rPr lang="en-US" altLang="en-US" sz="2300" dirty="0">
+                <a:solidFill>
+                  <a:srgbClr val="000000"/>
+                </a:solidFill>
+              </a:rPr>
+              <a:t>An </a:t>
+            </a:r>
+            <a:r>
+              <a:rPr lang="en-US" altLang="en-US" sz="2300" dirty="0">
+                <a:solidFill>
+                  <a:srgbClr val="0000FF"/>
+                </a:solidFill>
+              </a:rPr>
+              <a:t>algorithm</a:t>
+            </a:r>
+            <a:r>
+              <a:rPr lang="en-US" altLang="en-US" sz="2300" dirty="0">
+                <a:solidFill>
+                  <a:srgbClr val="000000"/>
+                </a:solidFill>
+              </a:rPr>
+              <a:t> is a </a:t>
+            </a:r>
+            <a:r>
+              <a:rPr lang="en-US" altLang="en-US" sz="2300" i="1" dirty="0">
+                <a:solidFill>
+                  <a:srgbClr val="000000"/>
+                </a:solidFill>
+              </a:rPr>
+              <a:t>procedure</a:t>
+            </a:r>
+            <a:r>
+              <a:rPr lang="en-US" altLang="en-US" sz="2300" dirty="0">
+                <a:solidFill>
+                  <a:srgbClr val="000000"/>
+                </a:solidFill>
+              </a:rPr>
+              <a:t> for solving a problem in terms of</a:t>
+            </a:r>
+          </a:p>
+          <a:p>
+            <a:pPr lvl="1" eaLnBrk="1" hangingPunct="1">
+              <a:lnSpc>
+                <a:spcPct val="80000"/>
+              </a:lnSpc>
+            </a:pPr>
+            <a:r>
+              <a:rPr lang="en-US" altLang="en-US" sz="2000" dirty="0">
+                <a:solidFill>
+                  <a:srgbClr val="000000"/>
+                </a:solidFill>
+              </a:rPr>
+              <a:t>the </a:t>
+            </a:r>
+            <a:r>
+              <a:rPr lang="en-US" altLang="en-US" sz="2000" dirty="0">
+                <a:solidFill>
+                  <a:srgbClr val="0000FF"/>
+                </a:solidFill>
+              </a:rPr>
+              <a:t>actions</a:t>
+            </a:r>
+            <a:r>
+              <a:rPr lang="en-US" altLang="en-US" sz="2000" dirty="0">
+                <a:solidFill>
+                  <a:srgbClr val="000000"/>
+                </a:solidFill>
+              </a:rPr>
+              <a:t> to execute and</a:t>
+            </a:r>
+          </a:p>
+          <a:p>
+            <a:pPr lvl="1" eaLnBrk="1" hangingPunct="1">
+              <a:lnSpc>
+                <a:spcPct val="80000"/>
+              </a:lnSpc>
+            </a:pPr>
+            <a:r>
+              <a:rPr lang="en-US" altLang="en-US" sz="2000" dirty="0">
+                <a:solidFill>
+                  <a:srgbClr val="000000"/>
+                </a:solidFill>
+              </a:rPr>
+              <a:t>the </a:t>
+            </a:r>
+            <a:r>
+              <a:rPr lang="en-US" altLang="en-US" sz="2000" dirty="0">
+                <a:solidFill>
+                  <a:srgbClr val="0000FF"/>
+                </a:solidFill>
+              </a:rPr>
+              <a:t>order</a:t>
+            </a:r>
+            <a:r>
+              <a:rPr lang="en-US" altLang="en-US" sz="2000" dirty="0">
+                <a:solidFill>
+                  <a:srgbClr val="000000"/>
+                </a:solidFill>
+              </a:rPr>
+              <a:t> in which these actions execute</a:t>
+            </a:r>
+          </a:p>
+          <a:p>
+            <a:pPr eaLnBrk="1" hangingPunct="1">
+              <a:lnSpc>
+                <a:spcPct val="80000"/>
+              </a:lnSpc>
+            </a:pPr>
+            <a:r>
+              <a:rPr lang="en-US" altLang="en-US" sz="2300" dirty="0">
+                <a:solidFill>
+                  <a:srgbClr val="000000"/>
+                </a:solidFill>
+              </a:rPr>
+              <a:t>Specifying the order in which statements (actions) execute in a program is called </a:t>
+            </a:r>
+            <a:r>
+              <a:rPr lang="en-US" altLang="en-US" sz="2300" dirty="0">
+                <a:solidFill>
+                  <a:srgbClr val="0000FF"/>
+                </a:solidFill>
+              </a:rPr>
+              <a:t>program control</a:t>
+            </a:r>
+            <a:r>
+              <a:rPr lang="en-US" altLang="en-US" sz="2300" dirty="0">
+                <a:solidFill>
+                  <a:srgbClr val="000000"/>
+                </a:solidFill>
+              </a:rPr>
+              <a:t>. </a:t>
+            </a:r>
+          </a:p>
+          <a:p>
+            <a:pPr eaLnBrk="1" hangingPunct="1">
+              <a:lnSpc>
+                <a:spcPct val="80000"/>
+              </a:lnSpc>
+            </a:pPr>
+            <a:endParaRPr lang="en-US" altLang="en-US" sz="2300" dirty="0">
+              <a:solidFill>
+                <a:srgbClr val="000000"/>
+              </a:solidFill>
+            </a:endParaRPr>
+          </a:p>
+        </p:txBody>
+      </p:sp>
+    </p:spTree>
+    <p:extLst>
+      <p:ext uri="{BB962C8B-B14F-4D97-AF65-F5344CB8AC3E}">
+        <p14:creationId xmlns:p14="http://schemas.microsoft.com/office/powerpoint/2010/main" val="797635066"/>
+      </p:ext>
+    </p:extLst>
+  </p:cSld>
+  <p:clrMapOvr>
+    <a:masterClrMapping/>
+  </p:clrMapOvr>
+</p:sld>
+</file>
+
+<file path=ppt/slides/slide40.xml><?xml version="1.0" encoding="utf-8"?>
+<p:sld xmlns:a="http://schemas.openxmlformats.org/drawingml/2006/main" xmlns:r="http://schemas.openxmlformats.org/officeDocument/2006/relationships" xmlns:p="http://schemas.openxmlformats.org/presentationml/2006/main">
+  <p:cSld>
+    <p:spTree>
+      <p:nvGrpSpPr>
+        <p:cNvPr id="1" name=""/>
+        <p:cNvGrpSpPr/>
+        <p:nvPr/>
+      </p:nvGrpSpPr>
+      <p:grpSpPr>
+        <a:xfrm>
+          <a:off x="0" y="0"/>
+          <a:ext cx="0" cy="0"/>
+          <a:chOff x="0" y="0"/>
+          <a:chExt cx="0" cy="0"/>
+        </a:xfrm>
+      </p:grpSpPr>
+      <p:sp>
+        <p:nvSpPr>
+          <p:cNvPr id="2" name="Title 1">
+            <a:extLst>
+              <a:ext uri="{FF2B5EF4-FFF2-40B4-BE49-F238E27FC236}">
                 <a16:creationId xmlns:a16="http://schemas.microsoft.com/office/drawing/2014/main" id="{80F5EDFD-8F4A-418A-9E9E-10349057D1E3}"/>
               </a:ext>
             </a:extLst>
@@ -28296,7 +29852,7 @@
 </p:sld>
 </file>
 
-<file path=ppt/slides/slide39.xml><?xml version="1.0" encoding="utf-8"?>
+<file path=ppt/slides/slide41.xml><?xml version="1.0" encoding="utf-8"?>
 <p:sld xmlns:a="http://schemas.openxmlformats.org/drawingml/2006/main" xmlns:r="http://schemas.openxmlformats.org/officeDocument/2006/relationships" xmlns:p="http://schemas.openxmlformats.org/presentationml/2006/main">
   <p:cSld>
     <p:spTree>
@@ -28384,264 +29940,7 @@
 </p:sld>
 </file>
 
-<file path=ppt/slides/slide4.xml><?xml version="1.0" encoding="utf-8"?>
-<p:sld xmlns:a="http://schemas.openxmlformats.org/drawingml/2006/main" xmlns:r="http://schemas.openxmlformats.org/officeDocument/2006/relationships" xmlns:p="http://schemas.openxmlformats.org/presentationml/2006/main">
-  <p:cSld>
-    <p:spTree>
-      <p:nvGrpSpPr>
-        <p:cNvPr id="1" name=""/>
-        <p:cNvGrpSpPr/>
-        <p:nvPr/>
-      </p:nvGrpSpPr>
-      <p:grpSpPr>
-        <a:xfrm>
-          <a:off x="0" y="0"/>
-          <a:ext cx="0" cy="0"/>
-          <a:chOff x="0" y="0"/>
-          <a:chExt cx="0" cy="0"/>
-        </a:xfrm>
-      </p:grpSpPr>
-      <p:sp>
-        <p:nvSpPr>
-          <p:cNvPr id="2" name="Title 1">
-            <a:extLst>
-              <a:ext uri="{FF2B5EF4-FFF2-40B4-BE49-F238E27FC236}">
-                <a16:creationId xmlns:a16="http://schemas.microsoft.com/office/drawing/2014/main" id="{86D28B0D-CC01-4AEE-A545-645FD4B80F7B}"/>
-              </a:ext>
-            </a:extLst>
-          </p:cNvPr>
-          <p:cNvSpPr>
-            <a:spLocks noGrp="1"/>
-          </p:cNvSpPr>
-          <p:nvPr>
-            <p:ph type="title"/>
-          </p:nvPr>
-        </p:nvSpPr>
-        <p:spPr/>
-        <p:txBody>
-          <a:bodyPr/>
-          <a:lstStyle/>
-          <a:p>
-            <a:pPr algn="ctr">
-              <a:defRPr/>
-            </a:pPr>
-            <a:r>
-              <a:rPr lang="en-US" dirty="0">
-                <a:solidFill>
-                  <a:srgbClr val="3380E6"/>
-                </a:solidFill>
-                <a:latin typeface="Calibri" panose="020F0502020204030204" pitchFamily="34" charset="0"/>
-              </a:rPr>
-              <a:t>Algorithms</a:t>
-            </a:r>
-          </a:p>
-        </p:txBody>
-      </p:sp>
-      <p:sp>
-        <p:nvSpPr>
-          <p:cNvPr id="14339" name="Text Placeholder 2">
-            <a:extLst>
-              <a:ext uri="{FF2B5EF4-FFF2-40B4-BE49-F238E27FC236}">
-                <a16:creationId xmlns:a16="http://schemas.microsoft.com/office/drawing/2014/main" id="{40A15F82-CADD-42BD-97D4-2361C260E0A8}"/>
-              </a:ext>
-            </a:extLst>
-          </p:cNvPr>
-          <p:cNvSpPr>
-            <a:spLocks noGrp="1"/>
-          </p:cNvSpPr>
-          <p:nvPr>
-            <p:ph type="body" idx="1"/>
-          </p:nvPr>
-        </p:nvSpPr>
-        <p:spPr/>
-        <p:txBody>
-          <a:bodyPr>
-            <a:normAutofit/>
-          </a:bodyPr>
-          <a:lstStyle/>
-          <a:p>
-            <a:pPr eaLnBrk="1" hangingPunct="1">
-              <a:lnSpc>
-                <a:spcPct val="80000"/>
-              </a:lnSpc>
-            </a:pPr>
-            <a:r>
-              <a:rPr lang="en-US" altLang="en-US" sz="2300" dirty="0">
-                <a:solidFill>
-                  <a:srgbClr val="000000"/>
-                </a:solidFill>
-              </a:rPr>
-              <a:t>Any computing problem can be solved by executing a series of actions in a specific order. </a:t>
-            </a:r>
-          </a:p>
-          <a:p>
-            <a:pPr eaLnBrk="1" hangingPunct="1">
-              <a:lnSpc>
-                <a:spcPct val="80000"/>
-              </a:lnSpc>
-            </a:pPr>
-            <a:r>
-              <a:rPr lang="en-US" altLang="en-US" sz="2300" dirty="0">
-                <a:solidFill>
-                  <a:srgbClr val="000000"/>
-                </a:solidFill>
-              </a:rPr>
-              <a:t>An </a:t>
-            </a:r>
-            <a:r>
-              <a:rPr lang="en-US" altLang="en-US" sz="2300" dirty="0">
-                <a:solidFill>
-                  <a:srgbClr val="0000FF"/>
-                </a:solidFill>
-              </a:rPr>
-              <a:t>algorithm</a:t>
-            </a:r>
-            <a:r>
-              <a:rPr lang="en-US" altLang="en-US" sz="2300" dirty="0">
-                <a:solidFill>
-                  <a:srgbClr val="000000"/>
-                </a:solidFill>
-              </a:rPr>
-              <a:t> is a </a:t>
-            </a:r>
-            <a:r>
-              <a:rPr lang="en-US" altLang="en-US" sz="2300" i="1" dirty="0">
-                <a:solidFill>
-                  <a:srgbClr val="000000"/>
-                </a:solidFill>
-              </a:rPr>
-              <a:t>procedure</a:t>
-            </a:r>
-            <a:r>
-              <a:rPr lang="en-US" altLang="en-US" sz="2300" dirty="0">
-                <a:solidFill>
-                  <a:srgbClr val="000000"/>
-                </a:solidFill>
-              </a:rPr>
-              <a:t> for solving a problem in terms of</a:t>
-            </a:r>
-          </a:p>
-          <a:p>
-            <a:pPr lvl="1" eaLnBrk="1" hangingPunct="1">
-              <a:lnSpc>
-                <a:spcPct val="80000"/>
-              </a:lnSpc>
-            </a:pPr>
-            <a:r>
-              <a:rPr lang="en-US" altLang="en-US" sz="2000" dirty="0">
-                <a:solidFill>
-                  <a:srgbClr val="000000"/>
-                </a:solidFill>
-              </a:rPr>
-              <a:t>the </a:t>
-            </a:r>
-            <a:r>
-              <a:rPr lang="en-US" altLang="en-US" sz="2000" dirty="0">
-                <a:solidFill>
-                  <a:srgbClr val="0000FF"/>
-                </a:solidFill>
-              </a:rPr>
-              <a:t>actions</a:t>
-            </a:r>
-            <a:r>
-              <a:rPr lang="en-US" altLang="en-US" sz="2000" dirty="0">
-                <a:solidFill>
-                  <a:srgbClr val="000000"/>
-                </a:solidFill>
-              </a:rPr>
-              <a:t> to execute and</a:t>
-            </a:r>
-          </a:p>
-          <a:p>
-            <a:pPr lvl="1" eaLnBrk="1" hangingPunct="1">
-              <a:lnSpc>
-                <a:spcPct val="80000"/>
-              </a:lnSpc>
-            </a:pPr>
-            <a:r>
-              <a:rPr lang="en-US" altLang="en-US" sz="2000" dirty="0">
-                <a:solidFill>
-                  <a:srgbClr val="000000"/>
-                </a:solidFill>
-              </a:rPr>
-              <a:t>the </a:t>
-            </a:r>
-            <a:r>
-              <a:rPr lang="en-US" altLang="en-US" sz="2000" dirty="0">
-                <a:solidFill>
-                  <a:srgbClr val="0000FF"/>
-                </a:solidFill>
-              </a:rPr>
-              <a:t>order</a:t>
-            </a:r>
-            <a:r>
-              <a:rPr lang="en-US" altLang="en-US" sz="2000" dirty="0">
-                <a:solidFill>
-                  <a:srgbClr val="000000"/>
-                </a:solidFill>
-              </a:rPr>
-              <a:t> in which these actions execute</a:t>
-            </a:r>
-          </a:p>
-          <a:p>
-            <a:pPr eaLnBrk="1" hangingPunct="1">
-              <a:lnSpc>
-                <a:spcPct val="80000"/>
-              </a:lnSpc>
-            </a:pPr>
-            <a:r>
-              <a:rPr lang="en-US" altLang="en-US" sz="2300" dirty="0">
-                <a:solidFill>
-                  <a:srgbClr val="000000"/>
-                </a:solidFill>
-              </a:rPr>
-              <a:t>Specifying the order in which statements (actions) execute in a program is called </a:t>
-            </a:r>
-            <a:r>
-              <a:rPr lang="en-US" altLang="en-US" sz="2300" dirty="0">
-                <a:solidFill>
-                  <a:srgbClr val="0000FF"/>
-                </a:solidFill>
-              </a:rPr>
-              <a:t>program control</a:t>
-            </a:r>
-            <a:r>
-              <a:rPr lang="en-US" altLang="en-US" sz="2300" dirty="0">
-                <a:solidFill>
-                  <a:srgbClr val="000000"/>
-                </a:solidFill>
-              </a:rPr>
-              <a:t>. </a:t>
-            </a:r>
-          </a:p>
-          <a:p>
-            <a:pPr eaLnBrk="1" hangingPunct="1">
-              <a:lnSpc>
-                <a:spcPct val="80000"/>
-              </a:lnSpc>
-            </a:pPr>
-            <a:endParaRPr lang="en-US" altLang="en-US" sz="2300" dirty="0">
-              <a:solidFill>
-                <a:srgbClr val="000000"/>
-              </a:solidFill>
-            </a:endParaRPr>
-          </a:p>
-        </p:txBody>
-      </p:sp>
-    </p:spTree>
-    <p:extLst>
-      <p:ext uri="{BB962C8B-B14F-4D97-AF65-F5344CB8AC3E}">
-        <p14:creationId xmlns:p14="http://schemas.microsoft.com/office/powerpoint/2010/main" val="797635066"/>
-      </p:ext>
-    </p:extLst>
-  </p:cSld>
-  <p:clrMapOvr>
-    <a:masterClrMapping/>
-  </p:clrMapOvr>
-</p:sld>
-</file>
-
-<file path=ppt/slides/slide40.xml><?xml version="1.0" encoding="utf-8"?>
+<file path=ppt/slides/slide42.xml><?xml version="1.0" encoding="utf-8"?>
 <p:sld xmlns:a="http://schemas.openxmlformats.org/drawingml/2006/main" xmlns:r="http://schemas.openxmlformats.org/officeDocument/2006/relationships" xmlns:p="http://schemas.openxmlformats.org/presentationml/2006/main">
   <p:cSld>
     <p:spTree>
@@ -31355,7 +32654,13 @@
       </p:grpSpPr>
       <p:sp>
         <p:nvSpPr>
-          <p:cNvPr id="7170" name="Title 1"/>
+          <p:cNvPr id="2" name="Title 1">
+            <a:extLst>
+              <a:ext uri="{FF2B5EF4-FFF2-40B4-BE49-F238E27FC236}">
+                <a16:creationId xmlns:a16="http://schemas.microsoft.com/office/drawing/2014/main" id="{41344C94-E2C1-44B1-A6D5-D466BE636C0E}"/>
+              </a:ext>
+            </a:extLst>
+          </p:cNvPr>
           <p:cNvSpPr>
             <a:spLocks noGrp="1"/>
           </p:cNvSpPr>
@@ -31365,21 +32670,12 @@
         </p:nvSpPr>
         <p:spPr/>
         <p:txBody>
-          <a:bodyPr>
-            <a:normAutofit/>
-          </a:bodyPr>
+          <a:bodyPr/>
           <a:lstStyle/>
           <a:p>
             <a:pPr algn="ctr"/>
             <a:r>
-              <a:rPr lang="en-US" altLang="en-US" dirty="0"/>
-              <a:t>Memory Concepts</a:t>
-            </a:r>
-            <a:br>
-              <a:rPr lang="en-US" altLang="en-US" dirty="0"/>
-            </a:br>
-            <a:r>
-              <a:rPr lang="en-US" altLang="en-US" dirty="0"/>
+              <a:rPr lang="en-US" dirty="0"/>
               <a:t>Variables</a:t>
             </a:r>
           </a:p>
@@ -31387,7 +32683,13 @@
       </p:sp>
       <p:sp>
         <p:nvSpPr>
-          <p:cNvPr id="3" name="Content Placeholder 2"/>
+          <p:cNvPr id="3" name="Content Placeholder 2">
+            <a:extLst>
+              <a:ext uri="{FF2B5EF4-FFF2-40B4-BE49-F238E27FC236}">
+                <a16:creationId xmlns:a16="http://schemas.microsoft.com/office/drawing/2014/main" id="{93CF0072-2143-47C4-8ABC-63A8DAD33F2F}"/>
+              </a:ext>
+            </a:extLst>
+          </p:cNvPr>
           <p:cNvSpPr>
             <a:spLocks noGrp="1"/>
           </p:cNvSpPr>
@@ -31395,401 +32697,697 @@
             <p:ph idx="1"/>
           </p:nvPr>
         </p:nvSpPr>
+        <p:spPr/>
+        <p:txBody>
+          <a:bodyPr/>
+          <a:lstStyle/>
+          <a:p>
+            <a:r>
+              <a:rPr lang="en-US" dirty="0"/>
+              <a:t>Related to variables in math </a:t>
+            </a:r>
+          </a:p>
+          <a:p>
+            <a:r>
+              <a:rPr lang="en-US" dirty="0"/>
+              <a:t>A named “box” you can put a value in</a:t>
+            </a:r>
+          </a:p>
+          <a:p>
+            <a:r>
+              <a:rPr lang="en-US" dirty="0"/>
+              <a:t>x = 10                                 same as in math:</a:t>
+            </a:r>
+          </a:p>
+          <a:p>
+            <a:pPr marL="0" indent="0">
+              <a:buNone/>
+            </a:pPr>
+            <a:r>
+              <a:rPr lang="en-US" dirty="0"/>
+              <a:t>				      y = x + 1</a:t>
+            </a:r>
+          </a:p>
+          <a:p>
+            <a:pPr marL="0" indent="0">
+              <a:buNone/>
+            </a:pPr>
+            <a:r>
+              <a:rPr lang="en-US" dirty="0"/>
+              <a:t>        </a:t>
+            </a:r>
+          </a:p>
+        </p:txBody>
+      </p:sp>
+      <p:pic>
+        <p:nvPicPr>
+          <p:cNvPr id="5" name="Picture 4">
+            <a:extLst>
+              <a:ext uri="{FF2B5EF4-FFF2-40B4-BE49-F238E27FC236}">
+                <a16:creationId xmlns:a16="http://schemas.microsoft.com/office/drawing/2014/main" id="{04345A59-D88E-4E32-A12E-C432B13AD51E}"/>
+              </a:ext>
+            </a:extLst>
+          </p:cNvPr>
+          <p:cNvPicPr>
+            <a:picLocks noChangeAspect="1"/>
+          </p:cNvPicPr>
+          <p:nvPr/>
+        </p:nvPicPr>
+        <p:blipFill>
+          <a:blip r:embed="rId2">
+            <a:extLst>
+              <a:ext uri="{28A0092B-C50C-407E-A947-70E740481C1C}">
+                <a14:useLocalDpi xmlns:a14="http://schemas.microsoft.com/office/drawing/2010/main" val="0"/>
+              </a:ext>
+            </a:extLst>
+          </a:blip>
+          <a:stretch>
+            <a:fillRect/>
+          </a:stretch>
+        </p:blipFill>
         <p:spPr>
-          <a:extLst>
-            <a:ext uri="{909E8E84-426E-40dd-AFC4-6F175D3DCCD1}"/>
-            <a:ext uri="{91240B29-F687-4f45-9708-019B960494DF}"/>
-            <a:ext uri="{AF507438-7753-43e0-B8FC-AC1667EBCBE1}"/>
-            <a:ext uri="{FAA26D3D-D897-4be2-8F04-BA451C77F1D7}"/>
-          </a:extLst>
+          <a:xfrm>
+            <a:off x="1020855" y="4001294"/>
+            <a:ext cx="2714625" cy="2085975"/>
+          </a:xfrm>
+          <a:prstGeom prst="rect">
+            <a:avLst/>
+          </a:prstGeom>
         </p:spPr>
-        <p:txBody>
-          <a:bodyPr>
-            <a:normAutofit/>
-          </a:bodyPr>
-          <a:lstStyle/>
-          <a:p>
-            <a:r>
-              <a:rPr lang="en-US" altLang="en-US" dirty="0">
-                <a:solidFill>
-                  <a:srgbClr val="000000"/>
-                </a:solidFill>
-              </a:rPr>
-              <a:t>Variables</a:t>
-            </a:r>
-          </a:p>
-          <a:p>
-            <a:pPr lvl="1"/>
-            <a:r>
-              <a:rPr lang="en-US" altLang="en-US" dirty="0">
-                <a:solidFill>
-                  <a:srgbClr val="000000"/>
-                </a:solidFill>
-              </a:rPr>
-              <a:t>Every variable has a </a:t>
-            </a:r>
-            <a:r>
-              <a:rPr lang="en-US" altLang="en-US" dirty="0">
-                <a:solidFill>
-                  <a:srgbClr val="0000FF"/>
-                </a:solidFill>
-              </a:rPr>
-              <a:t>name</a:t>
-            </a:r>
-            <a:r>
-              <a:rPr lang="en-US" altLang="en-US" dirty="0">
-                <a:solidFill>
-                  <a:srgbClr val="000000"/>
-                </a:solidFill>
-              </a:rPr>
-              <a:t>, a </a:t>
-            </a:r>
-            <a:r>
-              <a:rPr lang="en-US" altLang="en-US" dirty="0">
-                <a:solidFill>
-                  <a:srgbClr val="0000FF"/>
-                </a:solidFill>
-              </a:rPr>
-              <a:t>type</a:t>
-            </a:r>
-            <a:r>
-              <a:rPr lang="en-US" altLang="en-US" dirty="0">
-                <a:solidFill>
-                  <a:srgbClr val="000000"/>
-                </a:solidFill>
-              </a:rPr>
-              <a:t>, a </a:t>
-            </a:r>
-            <a:r>
-              <a:rPr lang="en-US" altLang="en-US" dirty="0">
-                <a:solidFill>
-                  <a:srgbClr val="0000FF"/>
-                </a:solidFill>
-              </a:rPr>
-              <a:t>size</a:t>
-            </a:r>
-            <a:r>
-              <a:rPr lang="en-US" altLang="en-US" dirty="0">
-                <a:solidFill>
-                  <a:srgbClr val="000000"/>
-                </a:solidFill>
-              </a:rPr>
-              <a:t> (in bytes) and a </a:t>
-            </a:r>
-            <a:r>
-              <a:rPr lang="en-US" altLang="en-US" dirty="0">
-                <a:solidFill>
-                  <a:srgbClr val="0000FF"/>
-                </a:solidFill>
-              </a:rPr>
-              <a:t>value</a:t>
-            </a:r>
-            <a:r>
-              <a:rPr lang="en-US" altLang="en-US" dirty="0">
-                <a:solidFill>
-                  <a:srgbClr val="000000"/>
-                </a:solidFill>
-              </a:rPr>
-              <a:t>.</a:t>
-            </a:r>
-          </a:p>
-          <a:p>
-            <a:pPr lvl="1"/>
-            <a:r>
-              <a:rPr lang="en-US" altLang="en-US" dirty="0">
-                <a:solidFill>
-                  <a:srgbClr val="000000"/>
-                </a:solidFill>
-              </a:rPr>
-              <a:t>When a new value is placed into a variable, the new value replaces the previous value (if any) </a:t>
-            </a:r>
-          </a:p>
-          <a:p>
-            <a:pPr lvl="1"/>
-            <a:r>
-              <a:rPr lang="en-US" altLang="en-US" dirty="0">
-                <a:solidFill>
-                  <a:srgbClr val="000000"/>
-                </a:solidFill>
-              </a:rPr>
-              <a:t>The previous value is lost, so this process is said to be </a:t>
-            </a:r>
-            <a:r>
-              <a:rPr lang="en-US" altLang="en-US" i="1" dirty="0">
-                <a:solidFill>
-                  <a:srgbClr val="000000"/>
-                </a:solidFill>
-              </a:rPr>
-              <a:t>destructive</a:t>
-            </a:r>
-            <a:r>
-              <a:rPr lang="en-US" altLang="en-US" dirty="0">
-                <a:solidFill>
-                  <a:srgbClr val="000000"/>
-                </a:solidFill>
-              </a:rPr>
-              <a:t>.</a:t>
-            </a:r>
-          </a:p>
-          <a:p>
-            <a:pPr>
-              <a:defRPr/>
-            </a:pPr>
-            <a:r>
-              <a:rPr lang="en-US" dirty="0">
-                <a:ea typeface="ＭＳ Ｐゴシック" charset="0"/>
-              </a:rPr>
-              <a:t>Every variable must be declared before it can be used</a:t>
-            </a:r>
-          </a:p>
-          <a:p>
-            <a:pPr>
-              <a:defRPr/>
-            </a:pPr>
-            <a:r>
-              <a:rPr lang="en-US" dirty="0">
-                <a:ea typeface="ＭＳ Ｐゴシック" charset="0"/>
-              </a:rPr>
-              <a:t>Syntax</a:t>
-            </a:r>
-          </a:p>
-          <a:p>
-            <a:pPr marL="457200" lvl="1" indent="0">
-              <a:buNone/>
-              <a:defRPr/>
-            </a:pPr>
-            <a:r>
-              <a:rPr lang="en-US" dirty="0">
-                <a:ea typeface="ＭＳ Ｐゴシック" charset="0"/>
-              </a:rPr>
-              <a:t>type name [= value ];</a:t>
-            </a:r>
-          </a:p>
-          <a:p>
-            <a:pPr marL="457200" lvl="1" indent="0">
-              <a:buNone/>
-              <a:defRPr/>
-            </a:pPr>
-            <a:endParaRPr lang="en-US" dirty="0">
-              <a:ea typeface="ＭＳ Ｐゴシック" charset="0"/>
-            </a:endParaRPr>
-          </a:p>
-        </p:txBody>
-      </p:sp>
-      <p:sp>
-        <p:nvSpPr>
-          <p:cNvPr id="7172" name="Slide Number Placeholder 3"/>
-          <p:cNvSpPr>
-            <a:spLocks noGrp="1"/>
-          </p:cNvSpPr>
-          <p:nvPr>
-            <p:ph type="sldNum" sz="quarter" idx="11"/>
-          </p:nvPr>
+      </p:pic>
+      <p:sp>
+        <p:nvSpPr>
+          <p:cNvPr id="6" name="TextBox 5">
+            <a:extLst>
+              <a:ext uri="{FF2B5EF4-FFF2-40B4-BE49-F238E27FC236}">
+                <a16:creationId xmlns:a16="http://schemas.microsoft.com/office/drawing/2014/main" id="{BAC30DAD-CB3B-470A-A7D7-8D954AC9524B}"/>
+              </a:ext>
+            </a:extLst>
+          </p:cNvPr>
+          <p:cNvSpPr txBox="1"/>
+          <p:nvPr/>
         </p:nvSpPr>
         <p:spPr>
+          <a:xfrm>
+            <a:off x="2214352" y="5290006"/>
+            <a:ext cx="284052" cy="369332"/>
+          </a:xfrm>
+          <a:prstGeom prst="rect">
+            <a:avLst/>
+          </a:prstGeom>
           <a:noFill/>
         </p:spPr>
         <p:txBody>
-          <a:bodyPr/>
-          <a:lstStyle>
-            <a:lvl1pPr>
-              <a:spcBef>
-                <a:spcPct val="20000"/>
-              </a:spcBef>
-              <a:buClr>
-                <a:schemeClr val="tx2"/>
-              </a:buClr>
-              <a:buSzPct val="75000"/>
-              <a:buFont typeface="Monotype Sorts" charset="2"/>
-              <a:buChar char="F"/>
-              <a:defRPr sz="3200">
-                <a:solidFill>
-                  <a:schemeClr val="tx1"/>
-                </a:solidFill>
-                <a:latin typeface="Times New Roman" panose="02020603050405020304" pitchFamily="18" charset="0"/>
-                <a:ea typeface="MS PGothic" panose="020B0600070205080204" pitchFamily="34" charset="-128"/>
-              </a:defRPr>
-            </a:lvl1pPr>
-            <a:lvl2pPr marL="742950" indent="-285750">
-              <a:spcBef>
-                <a:spcPct val="20000"/>
-              </a:spcBef>
-              <a:buClr>
-                <a:schemeClr val="tx1"/>
-              </a:buClr>
-              <a:buChar char="–"/>
-              <a:defRPr sz="2800">
-                <a:solidFill>
-                  <a:schemeClr val="tx1"/>
-                </a:solidFill>
-                <a:latin typeface="Times New Roman" panose="02020603050405020304" pitchFamily="18" charset="0"/>
-                <a:ea typeface="MS PGothic" panose="020B0600070205080204" pitchFamily="34" charset="-128"/>
-              </a:defRPr>
-            </a:lvl2pPr>
-            <a:lvl3pPr marL="1143000" indent="-228600">
-              <a:spcBef>
-                <a:spcPct val="20000"/>
-              </a:spcBef>
-              <a:buClr>
-                <a:schemeClr val="accent2"/>
-              </a:buClr>
-              <a:buSzPct val="65000"/>
-              <a:buFont typeface="Monotype Sorts" charset="2"/>
-              <a:buChar char="u"/>
-              <a:defRPr sz="2400">
-                <a:solidFill>
-                  <a:schemeClr val="tx1"/>
-                </a:solidFill>
-                <a:latin typeface="Times New Roman" panose="02020603050405020304" pitchFamily="18" charset="0"/>
-                <a:ea typeface="MS PGothic" panose="020B0600070205080204" pitchFamily="34" charset="-128"/>
-              </a:defRPr>
-            </a:lvl3pPr>
-            <a:lvl4pPr marL="1600200" indent="-228600">
-              <a:spcBef>
-                <a:spcPct val="20000"/>
-              </a:spcBef>
-              <a:buClr>
-                <a:schemeClr val="tx1"/>
-              </a:buClr>
-              <a:buChar char="–"/>
-              <a:defRPr sz="2000">
-                <a:solidFill>
-                  <a:schemeClr val="tx1"/>
-                </a:solidFill>
-                <a:latin typeface="Times New Roman" panose="02020603050405020304" pitchFamily="18" charset="0"/>
-                <a:ea typeface="MS PGothic" panose="020B0600070205080204" pitchFamily="34" charset="-128"/>
-              </a:defRPr>
-            </a:lvl4pPr>
-            <a:lvl5pPr marL="2057400" indent="-228600">
-              <a:spcBef>
-                <a:spcPct val="20000"/>
-              </a:spcBef>
-              <a:buClr>
-                <a:schemeClr val="tx2"/>
-              </a:buClr>
-              <a:buChar char="•"/>
-              <a:defRPr sz="2000">
-                <a:solidFill>
-                  <a:schemeClr val="tx1"/>
-                </a:solidFill>
-                <a:latin typeface="Times New Roman" panose="02020603050405020304" pitchFamily="18" charset="0"/>
-                <a:ea typeface="MS PGothic" panose="020B0600070205080204" pitchFamily="34" charset="-128"/>
-              </a:defRPr>
-            </a:lvl5pPr>
-            <a:lvl6pPr marL="2514600" indent="-228600" eaLnBrk="0" fontAlgn="base" hangingPunct="0">
-              <a:spcBef>
-                <a:spcPct val="20000"/>
-              </a:spcBef>
-              <a:spcAft>
-                <a:spcPct val="0"/>
-              </a:spcAft>
-              <a:buClr>
-                <a:schemeClr val="tx2"/>
-              </a:buClr>
-              <a:buChar char="•"/>
-              <a:defRPr sz="2000">
-                <a:solidFill>
-                  <a:schemeClr val="tx1"/>
-                </a:solidFill>
-                <a:latin typeface="Times New Roman" panose="02020603050405020304" pitchFamily="18" charset="0"/>
-                <a:ea typeface="MS PGothic" panose="020B0600070205080204" pitchFamily="34" charset="-128"/>
-              </a:defRPr>
-            </a:lvl6pPr>
-            <a:lvl7pPr marL="2971800" indent="-228600" eaLnBrk="0" fontAlgn="base" hangingPunct="0">
-              <a:spcBef>
-                <a:spcPct val="20000"/>
-              </a:spcBef>
-              <a:spcAft>
-                <a:spcPct val="0"/>
-              </a:spcAft>
-              <a:buClr>
-                <a:schemeClr val="tx2"/>
-              </a:buClr>
-              <a:buChar char="•"/>
-              <a:defRPr sz="2000">
-                <a:solidFill>
-                  <a:schemeClr val="tx1"/>
-                </a:solidFill>
-                <a:latin typeface="Times New Roman" panose="02020603050405020304" pitchFamily="18" charset="0"/>
-                <a:ea typeface="MS PGothic" panose="020B0600070205080204" pitchFamily="34" charset="-128"/>
-              </a:defRPr>
-            </a:lvl7pPr>
-            <a:lvl8pPr marL="3429000" indent="-228600" eaLnBrk="0" fontAlgn="base" hangingPunct="0">
-              <a:spcBef>
-                <a:spcPct val="20000"/>
-              </a:spcBef>
-              <a:spcAft>
-                <a:spcPct val="0"/>
-              </a:spcAft>
-              <a:buClr>
-                <a:schemeClr val="tx2"/>
-              </a:buClr>
-              <a:buChar char="•"/>
-              <a:defRPr sz="2000">
-                <a:solidFill>
-                  <a:schemeClr val="tx1"/>
-                </a:solidFill>
-                <a:latin typeface="Times New Roman" panose="02020603050405020304" pitchFamily="18" charset="0"/>
-                <a:ea typeface="MS PGothic" panose="020B0600070205080204" pitchFamily="34" charset="-128"/>
-              </a:defRPr>
-            </a:lvl8pPr>
-            <a:lvl9pPr marL="3886200" indent="-228600" eaLnBrk="0" fontAlgn="base" hangingPunct="0">
-              <a:spcBef>
-                <a:spcPct val="20000"/>
-              </a:spcBef>
-              <a:spcAft>
-                <a:spcPct val="0"/>
-              </a:spcAft>
-              <a:buClr>
-                <a:schemeClr val="tx2"/>
-              </a:buClr>
-              <a:buChar char="•"/>
-              <a:defRPr sz="2000">
-                <a:solidFill>
-                  <a:schemeClr val="tx1"/>
-                </a:solidFill>
-                <a:latin typeface="Times New Roman" panose="02020603050405020304" pitchFamily="18" charset="0"/>
-                <a:ea typeface="MS PGothic" panose="020B0600070205080204" pitchFamily="34" charset="-128"/>
-              </a:defRPr>
-            </a:lvl9pPr>
-          </a:lstStyle>
-          <a:p>
-            <a:pPr>
-              <a:spcBef>
-                <a:spcPct val="0"/>
-              </a:spcBef>
-              <a:buClrTx/>
-              <a:buSzTx/>
-              <a:buFontTx/>
-              <a:buNone/>
-            </a:pPr>
-            <a:fld id="{DD3C3949-E7FA-4FE8-AB46-F3179367B217}" type="slidenum">
-              <a:rPr lang="en-US" altLang="en-US" sz="1400"/>
-              <a:pPr>
-                <a:spcBef>
-                  <a:spcPct val="0"/>
-                </a:spcBef>
-                <a:buClrTx/>
-                <a:buSzTx/>
-                <a:buFontTx/>
-                <a:buNone/>
-              </a:pPr>
-              <a:t>9</a:t>
-            </a:fld>
-            <a:endParaRPr lang="en-US" altLang="en-US" sz="1400"/>
+          <a:bodyPr wrap="none" rtlCol="0">
+            <a:spAutoFit/>
+          </a:bodyPr>
+          <a:lstStyle/>
+          <a:p>
+            <a:r>
+              <a:rPr lang="en-US" dirty="0"/>
+              <a:t>x</a:t>
+            </a:r>
+          </a:p>
+        </p:txBody>
+      </p:sp>
+      <p:cxnSp>
+        <p:nvCxnSpPr>
+          <p:cNvPr id="8" name="Straight Arrow Connector 7">
+            <a:extLst>
+              <a:ext uri="{FF2B5EF4-FFF2-40B4-BE49-F238E27FC236}">
+                <a16:creationId xmlns:a16="http://schemas.microsoft.com/office/drawing/2014/main" id="{AF356E98-087F-4EC7-94B1-3D638CA5EBA9}"/>
+              </a:ext>
+            </a:extLst>
+          </p:cNvPr>
+          <p:cNvCxnSpPr>
+            <a:cxnSpLocks/>
+          </p:cNvCxnSpPr>
+          <p:nvPr/>
+        </p:nvCxnSpPr>
+        <p:spPr>
+          <a:xfrm>
+            <a:off x="1805940" y="3263265"/>
+            <a:ext cx="634172" cy="1451610"/>
+          </a:xfrm>
+          <a:prstGeom prst="straightConnector1">
+            <a:avLst/>
+          </a:prstGeom>
+          <a:ln w="63500">
+            <a:tailEnd type="triangle"/>
+          </a:ln>
+        </p:spPr>
+        <p:style>
+          <a:lnRef idx="1">
+            <a:schemeClr val="accent1"/>
+          </a:lnRef>
+          <a:fillRef idx="0">
+            <a:schemeClr val="accent1"/>
+          </a:fillRef>
+          <a:effectRef idx="0">
+            <a:schemeClr val="accent1"/>
+          </a:effectRef>
+          <a:fontRef idx="minor">
+            <a:schemeClr val="tx1"/>
+          </a:fontRef>
+        </p:style>
+      </p:cxnSp>
+      <p:sp>
+        <p:nvSpPr>
+          <p:cNvPr id="10" name="TextBox 9">
+            <a:extLst>
+              <a:ext uri="{FF2B5EF4-FFF2-40B4-BE49-F238E27FC236}">
+                <a16:creationId xmlns:a16="http://schemas.microsoft.com/office/drawing/2014/main" id="{C9CB68DA-8552-4F45-9FE9-9BE7A802A323}"/>
+              </a:ext>
+            </a:extLst>
+          </p:cNvPr>
+          <p:cNvSpPr txBox="1"/>
+          <p:nvPr/>
+        </p:nvSpPr>
+        <p:spPr>
+          <a:xfrm>
+            <a:off x="2101982" y="4748499"/>
+            <a:ext cx="418704" cy="369332"/>
+          </a:xfrm>
+          <a:prstGeom prst="rect">
+            <a:avLst/>
+          </a:prstGeom>
+          <a:noFill/>
+        </p:spPr>
+        <p:txBody>
+          <a:bodyPr wrap="none" rtlCol="0">
+            <a:spAutoFit/>
+          </a:bodyPr>
+          <a:lstStyle/>
+          <a:p>
+            <a:r>
+              <a:rPr lang="en-US" dirty="0"/>
+              <a:t>10</a:t>
+            </a:r>
+          </a:p>
+        </p:txBody>
+      </p:sp>
+      <p:pic>
+        <p:nvPicPr>
+          <p:cNvPr id="11" name="Picture 10">
+            <a:extLst>
+              <a:ext uri="{FF2B5EF4-FFF2-40B4-BE49-F238E27FC236}">
+                <a16:creationId xmlns:a16="http://schemas.microsoft.com/office/drawing/2014/main" id="{3C6ECDBF-937F-4CAC-9089-8C243BCD0344}"/>
+              </a:ext>
+            </a:extLst>
+          </p:cNvPr>
+          <p:cNvPicPr>
+            <a:picLocks noChangeAspect="1"/>
+          </p:cNvPicPr>
+          <p:nvPr/>
+        </p:nvPicPr>
+        <p:blipFill>
+          <a:blip r:embed="rId2">
+            <a:extLst>
+              <a:ext uri="{28A0092B-C50C-407E-A947-70E740481C1C}">
+                <a14:useLocalDpi xmlns:a14="http://schemas.microsoft.com/office/drawing/2010/main" val="0"/>
+              </a:ext>
+            </a:extLst>
+          </a:blip>
+          <a:stretch>
+            <a:fillRect/>
+          </a:stretch>
+        </p:blipFill>
+        <p:spPr>
+          <a:xfrm>
+            <a:off x="6236745" y="3810794"/>
+            <a:ext cx="2714625" cy="2085975"/>
+          </a:xfrm>
+          <a:prstGeom prst="rect">
+            <a:avLst/>
+          </a:prstGeom>
+        </p:spPr>
+      </p:pic>
+      <p:sp>
+        <p:nvSpPr>
+          <p:cNvPr id="12" name="TextBox 11">
+            <a:extLst>
+              <a:ext uri="{FF2B5EF4-FFF2-40B4-BE49-F238E27FC236}">
+                <a16:creationId xmlns:a16="http://schemas.microsoft.com/office/drawing/2014/main" id="{96C54DB0-D89E-4BBA-A7CB-F59B71A1FFF6}"/>
+              </a:ext>
+            </a:extLst>
+          </p:cNvPr>
+          <p:cNvSpPr txBox="1"/>
+          <p:nvPr/>
+        </p:nvSpPr>
+        <p:spPr>
+          <a:xfrm>
+            <a:off x="7310005" y="5168086"/>
+            <a:ext cx="288862" cy="369332"/>
+          </a:xfrm>
+          <a:prstGeom prst="rect">
+            <a:avLst/>
+          </a:prstGeom>
+          <a:noFill/>
+        </p:spPr>
+        <p:txBody>
+          <a:bodyPr wrap="none" rtlCol="0">
+            <a:spAutoFit/>
+          </a:bodyPr>
+          <a:lstStyle/>
+          <a:p>
+            <a:r>
+              <a:rPr lang="en-US" dirty="0"/>
+              <a:t>y</a:t>
+            </a:r>
+          </a:p>
+        </p:txBody>
+      </p:sp>
+      <p:cxnSp>
+        <p:nvCxnSpPr>
+          <p:cNvPr id="13" name="Straight Arrow Connector 12">
+            <a:extLst>
+              <a:ext uri="{FF2B5EF4-FFF2-40B4-BE49-F238E27FC236}">
+                <a16:creationId xmlns:a16="http://schemas.microsoft.com/office/drawing/2014/main" id="{866A1CE9-5366-4F9D-852A-DF6409A28C4E}"/>
+              </a:ext>
+            </a:extLst>
+          </p:cNvPr>
+          <p:cNvCxnSpPr>
+            <a:cxnSpLocks/>
+          </p:cNvCxnSpPr>
+          <p:nvPr/>
+        </p:nvCxnSpPr>
+        <p:spPr>
+          <a:xfrm flipV="1">
+            <a:off x="2530018" y="3749040"/>
+            <a:ext cx="3110687" cy="1104741"/>
+          </a:xfrm>
+          <a:prstGeom prst="straightConnector1">
+            <a:avLst/>
+          </a:prstGeom>
+          <a:ln w="63500">
+            <a:tailEnd type="triangle"/>
+          </a:ln>
+        </p:spPr>
+        <p:style>
+          <a:lnRef idx="1">
+            <a:schemeClr val="accent1"/>
+          </a:lnRef>
+          <a:fillRef idx="0">
+            <a:schemeClr val="accent1"/>
+          </a:fillRef>
+          <a:effectRef idx="0">
+            <a:schemeClr val="accent1"/>
+          </a:effectRef>
+          <a:fontRef idx="minor">
+            <a:schemeClr val="tx1"/>
+          </a:fontRef>
+        </p:style>
+      </p:cxnSp>
+      <p:cxnSp>
+        <p:nvCxnSpPr>
+          <p:cNvPr id="15" name="Straight Arrow Connector 14">
+            <a:extLst>
+              <a:ext uri="{FF2B5EF4-FFF2-40B4-BE49-F238E27FC236}">
+                <a16:creationId xmlns:a16="http://schemas.microsoft.com/office/drawing/2014/main" id="{CA7AA671-E320-4901-90F4-67628AE8936B}"/>
+              </a:ext>
+            </a:extLst>
+          </p:cNvPr>
+          <p:cNvCxnSpPr>
+            <a:cxnSpLocks/>
+          </p:cNvCxnSpPr>
+          <p:nvPr/>
+        </p:nvCxnSpPr>
+        <p:spPr>
+          <a:xfrm>
+            <a:off x="5872922" y="3978186"/>
+            <a:ext cx="1581514" cy="736689"/>
+          </a:xfrm>
+          <a:prstGeom prst="straightConnector1">
+            <a:avLst/>
+          </a:prstGeom>
+          <a:ln w="63500">
+            <a:tailEnd type="triangle"/>
+          </a:ln>
+        </p:spPr>
+        <p:style>
+          <a:lnRef idx="1">
+            <a:schemeClr val="accent1"/>
+          </a:lnRef>
+          <a:fillRef idx="0">
+            <a:schemeClr val="accent1"/>
+          </a:fillRef>
+          <a:effectRef idx="0">
+            <a:schemeClr val="accent1"/>
+          </a:effectRef>
+          <a:fontRef idx="minor">
+            <a:schemeClr val="tx1"/>
+          </a:fontRef>
+        </p:style>
+      </p:cxnSp>
+      <p:sp>
+        <p:nvSpPr>
+          <p:cNvPr id="17" name="TextBox 16">
+            <a:extLst>
+              <a:ext uri="{FF2B5EF4-FFF2-40B4-BE49-F238E27FC236}">
+                <a16:creationId xmlns:a16="http://schemas.microsoft.com/office/drawing/2014/main" id="{71BDFC5C-BF8F-40EA-8BFC-D1C115EEA2CD}"/>
+              </a:ext>
+            </a:extLst>
+          </p:cNvPr>
+          <p:cNvSpPr txBox="1"/>
+          <p:nvPr/>
+        </p:nvSpPr>
+        <p:spPr>
+          <a:xfrm>
+            <a:off x="7554635" y="4439403"/>
+            <a:ext cx="418704" cy="369332"/>
+          </a:xfrm>
+          <a:prstGeom prst="rect">
+            <a:avLst/>
+          </a:prstGeom>
+          <a:noFill/>
+        </p:spPr>
+        <p:txBody>
+          <a:bodyPr wrap="none" rtlCol="0">
+            <a:spAutoFit/>
+          </a:bodyPr>
+          <a:lstStyle/>
+          <a:p>
+            <a:r>
+              <a:rPr lang="en-US" dirty="0"/>
+              <a:t>11</a:t>
+            </a:r>
           </a:p>
         </p:txBody>
       </p:sp>
     </p:spTree>
     <p:extLst>
       <p:ext uri="{BB962C8B-B14F-4D97-AF65-F5344CB8AC3E}">
-        <p14:creationId xmlns:p14="http://schemas.microsoft.com/office/powerpoint/2010/main" val="3798748144"/>
+        <p14:creationId xmlns:p14="http://schemas.microsoft.com/office/powerpoint/2010/main" val="3952718114"/>
       </p:ext>
     </p:extLst>
   </p:cSld>
   <p:clrMapOvr>
     <a:masterClrMapping/>
   </p:clrMapOvr>
+  <p:timing>
+    <p:tnLst>
+      <p:par>
+        <p:cTn id="1" dur="indefinite" restart="never" nodeType="tmRoot">
+          <p:childTnLst>
+            <p:seq concurrent="1" nextAc="seek">
+              <p:cTn id="2" dur="indefinite" nodeType="mainSeq">
+                <p:childTnLst>
+                  <p:par>
+                    <p:cTn id="3" fill="hold">
+                      <p:stCondLst>
+                        <p:cond delay="indefinite"/>
+                      </p:stCondLst>
+                      <p:childTnLst>
+                        <p:par>
+                          <p:cTn id="4" fill="hold">
+                            <p:stCondLst>
+                              <p:cond delay="0"/>
+                            </p:stCondLst>
+                            <p:childTnLst>
+                              <p:par>
+                                <p:cTn id="5" presetID="1" presetClass="entr" presetSubtype="0" fill="hold" nodeType="clickEffect">
+                                  <p:stCondLst>
+                                    <p:cond delay="0"/>
+                                  </p:stCondLst>
+                                  <p:childTnLst>
+                                    <p:set>
+                                      <p:cBhvr>
+                                        <p:cTn id="6" dur="1" fill="hold">
+                                          <p:stCondLst>
+                                            <p:cond delay="0"/>
+                                          </p:stCondLst>
+                                        </p:cTn>
+                                        <p:tgtEl>
+                                          <p:spTgt spid="8"/>
+                                        </p:tgtEl>
+                                        <p:attrNameLst>
+                                          <p:attrName>style.visibility</p:attrName>
+                                        </p:attrNameLst>
+                                      </p:cBhvr>
+                                      <p:to>
+                                        <p:strVal val="visible"/>
+                                      </p:to>
+                                    </p:set>
+                                  </p:childTnLst>
+                                </p:cTn>
+                              </p:par>
+                            </p:childTnLst>
+                          </p:cTn>
+                        </p:par>
+                      </p:childTnLst>
+                    </p:cTn>
+                  </p:par>
+                  <p:par>
+                    <p:cTn id="7" fill="hold">
+                      <p:stCondLst>
+                        <p:cond delay="indefinite"/>
+                      </p:stCondLst>
+                      <p:childTnLst>
+                        <p:par>
+                          <p:cTn id="8" fill="hold">
+                            <p:stCondLst>
+                              <p:cond delay="0"/>
+                            </p:stCondLst>
+                            <p:childTnLst>
+                              <p:par>
+                                <p:cTn id="9" presetID="1" presetClass="entr" presetSubtype="0" fill="hold" grpId="0" nodeType="clickEffect">
+                                  <p:stCondLst>
+                                    <p:cond delay="0"/>
+                                  </p:stCondLst>
+                                  <p:childTnLst>
+                                    <p:set>
+                                      <p:cBhvr>
+                                        <p:cTn id="10" dur="1" fill="hold">
+                                          <p:stCondLst>
+                                            <p:cond delay="0"/>
+                                          </p:stCondLst>
+                                        </p:cTn>
+                                        <p:tgtEl>
+                                          <p:spTgt spid="10"/>
+                                        </p:tgtEl>
+                                        <p:attrNameLst>
+                                          <p:attrName>style.visibility</p:attrName>
+                                        </p:attrNameLst>
+                                      </p:cBhvr>
+                                      <p:to>
+                                        <p:strVal val="visible"/>
+                                      </p:to>
+                                    </p:set>
+                                  </p:childTnLst>
+                                </p:cTn>
+                              </p:par>
+                            </p:childTnLst>
+                          </p:cTn>
+                        </p:par>
+                      </p:childTnLst>
+                    </p:cTn>
+                  </p:par>
+                  <p:par>
+                    <p:cTn id="11" fill="hold">
+                      <p:stCondLst>
+                        <p:cond delay="indefinite"/>
+                      </p:stCondLst>
+                      <p:childTnLst>
+                        <p:par>
+                          <p:cTn id="12" fill="hold">
+                            <p:stCondLst>
+                              <p:cond delay="0"/>
+                            </p:stCondLst>
+                            <p:childTnLst>
+                              <p:par>
+                                <p:cTn id="13" presetID="1" presetClass="entr" presetSubtype="0" fill="hold" nodeType="clickEffect">
+                                  <p:stCondLst>
+                                    <p:cond delay="0"/>
+                                  </p:stCondLst>
+                                  <p:childTnLst>
+                                    <p:set>
+                                      <p:cBhvr>
+                                        <p:cTn id="14" dur="1" fill="hold">
+                                          <p:stCondLst>
+                                            <p:cond delay="0"/>
+                                          </p:stCondLst>
+                                        </p:cTn>
+                                        <p:tgtEl>
+                                          <p:spTgt spid="11"/>
+                                        </p:tgtEl>
+                                        <p:attrNameLst>
+                                          <p:attrName>style.visibility</p:attrName>
+                                        </p:attrNameLst>
+                                      </p:cBhvr>
+                                      <p:to>
+                                        <p:strVal val="visible"/>
+                                      </p:to>
+                                    </p:set>
+                                  </p:childTnLst>
+                                </p:cTn>
+                              </p:par>
+                            </p:childTnLst>
+                          </p:cTn>
+                        </p:par>
+                      </p:childTnLst>
+                    </p:cTn>
+                  </p:par>
+                  <p:par>
+                    <p:cTn id="15" fill="hold">
+                      <p:stCondLst>
+                        <p:cond delay="indefinite"/>
+                      </p:stCondLst>
+                      <p:childTnLst>
+                        <p:par>
+                          <p:cTn id="16" fill="hold">
+                            <p:stCondLst>
+                              <p:cond delay="0"/>
+                            </p:stCondLst>
+                            <p:childTnLst>
+                              <p:par>
+                                <p:cTn id="17" presetID="1" presetClass="entr" presetSubtype="0" fill="hold" nodeType="clickEffect">
+                                  <p:stCondLst>
+                                    <p:cond delay="0"/>
+                                  </p:stCondLst>
+                                  <p:childTnLst>
+                                    <p:set>
+                                      <p:cBhvr>
+                                        <p:cTn id="18" dur="1" fill="hold">
+                                          <p:stCondLst>
+                                            <p:cond delay="0"/>
+                                          </p:stCondLst>
+                                        </p:cTn>
+                                        <p:tgtEl>
+                                          <p:spTgt spid="13"/>
+                                        </p:tgtEl>
+                                        <p:attrNameLst>
+                                          <p:attrName>style.visibility</p:attrName>
+                                        </p:attrNameLst>
+                                      </p:cBhvr>
+                                      <p:to>
+                                        <p:strVal val="visible"/>
+                                      </p:to>
+                                    </p:set>
+                                  </p:childTnLst>
+                                </p:cTn>
+                              </p:par>
+                            </p:childTnLst>
+                          </p:cTn>
+                        </p:par>
+                      </p:childTnLst>
+                    </p:cTn>
+                  </p:par>
+                  <p:par>
+                    <p:cTn id="19" fill="hold">
+                      <p:stCondLst>
+                        <p:cond delay="indefinite"/>
+                      </p:stCondLst>
+                      <p:childTnLst>
+                        <p:par>
+                          <p:cTn id="20" fill="hold">
+                            <p:stCondLst>
+                              <p:cond delay="0"/>
+                            </p:stCondLst>
+                            <p:childTnLst>
+                              <p:par>
+                                <p:cTn id="21" presetID="1" presetClass="entr" presetSubtype="0" fill="hold" nodeType="clickEffect">
+                                  <p:stCondLst>
+                                    <p:cond delay="0"/>
+                                  </p:stCondLst>
+                                  <p:childTnLst>
+                                    <p:set>
+                                      <p:cBhvr>
+                                        <p:cTn id="22" dur="1" fill="hold">
+                                          <p:stCondLst>
+                                            <p:cond delay="0"/>
+                                          </p:stCondLst>
+                                        </p:cTn>
+                                        <p:tgtEl>
+                                          <p:spTgt spid="15"/>
+                                        </p:tgtEl>
+                                        <p:attrNameLst>
+                                          <p:attrName>style.visibility</p:attrName>
+                                        </p:attrNameLst>
+                                      </p:cBhvr>
+                                      <p:to>
+                                        <p:strVal val="visible"/>
+                                      </p:to>
+                                    </p:set>
+                                  </p:childTnLst>
+                                </p:cTn>
+                              </p:par>
+                            </p:childTnLst>
+                          </p:cTn>
+                        </p:par>
+                      </p:childTnLst>
+                    </p:cTn>
+                  </p:par>
+                  <p:par>
+                    <p:cTn id="23" fill="hold">
+                      <p:stCondLst>
+                        <p:cond delay="indefinite"/>
+                      </p:stCondLst>
+                      <p:childTnLst>
+                        <p:par>
+                          <p:cTn id="24" fill="hold">
+                            <p:stCondLst>
+                              <p:cond delay="0"/>
+                            </p:stCondLst>
+                            <p:childTnLst>
+                              <p:par>
+                                <p:cTn id="25" presetID="1" presetClass="entr" presetSubtype="0" fill="hold" grpId="0" nodeType="clickEffect">
+                                  <p:stCondLst>
+                                    <p:cond delay="0"/>
+                                  </p:stCondLst>
+                                  <p:childTnLst>
+                                    <p:set>
+                                      <p:cBhvr>
+                                        <p:cTn id="26" dur="1" fill="hold">
+                                          <p:stCondLst>
+                                            <p:cond delay="0"/>
+                                          </p:stCondLst>
+                                        </p:cTn>
+                                        <p:tgtEl>
+                                          <p:spTgt spid="17"/>
+                                        </p:tgtEl>
+                                        <p:attrNameLst>
+                                          <p:attrName>style.visibility</p:attrName>
+                                        </p:attrNameLst>
+                                      </p:cBhvr>
+                                      <p:to>
+                                        <p:strVal val="visible"/>
+                                      </p:to>
+                                    </p:set>
+                                  </p:childTnLst>
+                                </p:cTn>
+                              </p:par>
+                            </p:childTnLst>
+                          </p:cTn>
+                        </p:par>
+                      </p:childTnLst>
+                    </p:cTn>
+                  </p:par>
+                </p:childTnLst>
+              </p:cTn>
+              <p:prevCondLst>
+                <p:cond evt="onPrev" delay="0">
+                  <p:tgtEl>
+                    <p:sldTgt/>
+                  </p:tgtEl>
+                </p:cond>
+              </p:prevCondLst>
+              <p:nextCondLst>
+                <p:cond evt="onNext" delay="0">
+                  <p:tgtEl>
+                    <p:sldTgt/>
+                  </p:tgtEl>
+                </p:cond>
+              </p:nextCondLst>
+            </p:seq>
+          </p:childTnLst>
+        </p:cTn>
+      </p:par>
+    </p:tnLst>
+    <p:bldLst>
+      <p:bldP spid="10" grpId="0"/>
+      <p:bldP spid="17" grpId="0"/>
+    </p:bldLst>
+  </p:timing>
 </p:sld>
 </file>
 
